--- a/PresentazioneProgetto.pptx
+++ b/PresentazioneProgetto.pptx
@@ -4,8 +4,33 @@
   <p:sldMasterIdLst>
     <p:sldMasterId id="2147483660" r:id="rId1"/>
   </p:sldMasterIdLst>
+  <p:notesMasterIdLst>
+    <p:notesMasterId r:id="rId25"/>
+  </p:notesMasterIdLst>
   <p:sldIdLst>
     <p:sldId id="256" r:id="rId2"/>
+    <p:sldId id="257" r:id="rId3"/>
+    <p:sldId id="258" r:id="rId4"/>
+    <p:sldId id="259" r:id="rId5"/>
+    <p:sldId id="260" r:id="rId6"/>
+    <p:sldId id="261" r:id="rId7"/>
+    <p:sldId id="262" r:id="rId8"/>
+    <p:sldId id="263" r:id="rId9"/>
+    <p:sldId id="264" r:id="rId10"/>
+    <p:sldId id="265" r:id="rId11"/>
+    <p:sldId id="266" r:id="rId12"/>
+    <p:sldId id="267" r:id="rId13"/>
+    <p:sldId id="268" r:id="rId14"/>
+    <p:sldId id="269" r:id="rId15"/>
+    <p:sldId id="270" r:id="rId16"/>
+    <p:sldId id="271" r:id="rId17"/>
+    <p:sldId id="272" r:id="rId18"/>
+    <p:sldId id="273" r:id="rId19"/>
+    <p:sldId id="274" r:id="rId20"/>
+    <p:sldId id="275" r:id="rId21"/>
+    <p:sldId id="276" r:id="rId22"/>
+    <p:sldId id="277" r:id="rId23"/>
+    <p:sldId id="278" r:id="rId24"/>
   </p:sldIdLst>
   <p:sldSz cx="12192000" cy="6858000"/>
   <p:notesSz cx="6858000" cy="9144000"/>
@@ -104,11 +129,449 @@
       </a:defRPr>
     </a:lvl9pPr>
   </p:defaultTextStyle>
+  <p:extLst>
+    <p:ext uri="{EFAFB233-063F-42B5-8137-9DF3F51BA10A}">
+      <p15:sldGuideLst xmlns:p15="http://schemas.microsoft.com/office/powerpoint/2012/main"/>
+    </p:ext>
+  </p:extLst>
 </p:presentation>
 </file>
 
 <file path=ppt/revisionInfo.xml><?xml version="1.0" encoding="utf-8"?>
 <p1510:revInfo xmlns:a="http://schemas.openxmlformats.org/drawingml/2006/main" xmlns:r="http://schemas.openxmlformats.org/officeDocument/2006/relationships" xmlns:p1510="http://schemas.microsoft.com/office/powerpoint/2015/10/main"/>
+</file>
+
+<file path=ppt/notesMasters/notesMaster1.xml><?xml version="1.0" encoding="utf-8"?>
+<p:notesMaster xmlns:a="http://schemas.openxmlformats.org/drawingml/2006/main" xmlns:r="http://schemas.openxmlformats.org/officeDocument/2006/relationships" xmlns:p="http://schemas.openxmlformats.org/presentationml/2006/main">
+  <p:cSld>
+    <p:bg>
+      <p:bgRef idx="1001">
+        <a:schemeClr val="bg1"/>
+      </p:bgRef>
+    </p:bg>
+    <p:spTree>
+      <p:nvGrpSpPr>
+        <p:cNvPr id="1" name=""/>
+        <p:cNvGrpSpPr/>
+        <p:nvPr/>
+      </p:nvGrpSpPr>
+      <p:grpSpPr>
+        <a:xfrm>
+          <a:off x="0" y="0"/>
+          <a:ext cx="0" cy="0"/>
+          <a:chOff x="0" y="0"/>
+          <a:chExt cx="0" cy="0"/>
+        </a:xfrm>
+      </p:grpSpPr>
+      <p:sp>
+        <p:nvSpPr>
+          <p:cNvPr id="2" name="Segnaposto intestazione 1"/>
+          <p:cNvSpPr>
+            <a:spLocks noGrp="1"/>
+          </p:cNvSpPr>
+          <p:nvPr>
+            <p:ph type="hdr" sz="quarter"/>
+          </p:nvPr>
+        </p:nvSpPr>
+        <p:spPr>
+          <a:xfrm>
+            <a:off x="0" y="0"/>
+            <a:ext cx="2971800" cy="458788"/>
+          </a:xfrm>
+          <a:prstGeom prst="rect">
+            <a:avLst/>
+          </a:prstGeom>
+        </p:spPr>
+        <p:txBody>
+          <a:bodyPr vert="horz" lIns="91440" tIns="45720" rIns="91440" bIns="45720" rtlCol="0"/>
+          <a:lstStyle>
+            <a:lvl1pPr algn="l">
+              <a:defRPr sz="1200"/>
+            </a:lvl1pPr>
+          </a:lstStyle>
+          <a:p>
+            <a:endParaRPr lang="it-IT"/>
+          </a:p>
+        </p:txBody>
+      </p:sp>
+      <p:sp>
+        <p:nvSpPr>
+          <p:cNvPr id="3" name="Segnaposto data 2"/>
+          <p:cNvSpPr>
+            <a:spLocks noGrp="1"/>
+          </p:cNvSpPr>
+          <p:nvPr>
+            <p:ph type="dt" idx="1"/>
+          </p:nvPr>
+        </p:nvSpPr>
+        <p:spPr>
+          <a:xfrm>
+            <a:off x="3884613" y="0"/>
+            <a:ext cx="2971800" cy="458788"/>
+          </a:xfrm>
+          <a:prstGeom prst="rect">
+            <a:avLst/>
+          </a:prstGeom>
+        </p:spPr>
+        <p:txBody>
+          <a:bodyPr vert="horz" lIns="91440" tIns="45720" rIns="91440" bIns="45720" rtlCol="0"/>
+          <a:lstStyle>
+            <a:lvl1pPr algn="r">
+              <a:defRPr sz="1200"/>
+            </a:lvl1pPr>
+          </a:lstStyle>
+          <a:p>
+            <a:fld id="{665A0421-2224-4366-8214-69BC3569C547}" type="datetimeFigureOut">
+              <a:rPr lang="it-IT" smtClean="0"/>
+              <a:t>30/01/2018</a:t>
+            </a:fld>
+            <a:endParaRPr lang="it-IT"/>
+          </a:p>
+        </p:txBody>
+      </p:sp>
+      <p:sp>
+        <p:nvSpPr>
+          <p:cNvPr id="4" name="Segnaposto immagine diapositiva 3"/>
+          <p:cNvSpPr>
+            <a:spLocks noGrp="1" noRot="1" noChangeAspect="1"/>
+          </p:cNvSpPr>
+          <p:nvPr>
+            <p:ph type="sldImg" idx="2"/>
+          </p:nvPr>
+        </p:nvSpPr>
+        <p:spPr>
+          <a:xfrm>
+            <a:off x="685800" y="1143000"/>
+            <a:ext cx="5486400" cy="3086100"/>
+          </a:xfrm>
+          <a:prstGeom prst="rect">
+            <a:avLst/>
+          </a:prstGeom>
+          <a:noFill/>
+          <a:ln w="12700">
+            <a:solidFill>
+              <a:prstClr val="black"/>
+            </a:solidFill>
+          </a:ln>
+        </p:spPr>
+        <p:txBody>
+          <a:bodyPr vert="horz" lIns="91440" tIns="45720" rIns="91440" bIns="45720" rtlCol="0" anchor="ctr"/>
+          <a:lstStyle/>
+          <a:p>
+            <a:endParaRPr lang="it-IT"/>
+          </a:p>
+        </p:txBody>
+      </p:sp>
+      <p:sp>
+        <p:nvSpPr>
+          <p:cNvPr id="5" name="Segnaposto note 4"/>
+          <p:cNvSpPr>
+            <a:spLocks noGrp="1"/>
+          </p:cNvSpPr>
+          <p:nvPr>
+            <p:ph type="body" sz="quarter" idx="3"/>
+          </p:nvPr>
+        </p:nvSpPr>
+        <p:spPr>
+          <a:xfrm>
+            <a:off x="685800" y="4400550"/>
+            <a:ext cx="5486400" cy="3600450"/>
+          </a:xfrm>
+          <a:prstGeom prst="rect">
+            <a:avLst/>
+          </a:prstGeom>
+        </p:spPr>
+        <p:txBody>
+          <a:bodyPr vert="horz" lIns="91440" tIns="45720" rIns="91440" bIns="45720" rtlCol="0"/>
+          <a:lstStyle/>
+          <a:p>
+            <a:pPr lvl="0"/>
+            <a:r>
+              <a:rPr lang="it-IT"/>
+              <a:t>Modifica gli stili del testo dello schema</a:t>
+            </a:r>
+          </a:p>
+          <a:p>
+            <a:pPr lvl="1"/>
+            <a:r>
+              <a:rPr lang="it-IT"/>
+              <a:t>Secondo livello</a:t>
+            </a:r>
+          </a:p>
+          <a:p>
+            <a:pPr lvl="2"/>
+            <a:r>
+              <a:rPr lang="it-IT"/>
+              <a:t>Terzo livello</a:t>
+            </a:r>
+          </a:p>
+          <a:p>
+            <a:pPr lvl="3"/>
+            <a:r>
+              <a:rPr lang="it-IT"/>
+              <a:t>Quarto livello</a:t>
+            </a:r>
+          </a:p>
+          <a:p>
+            <a:pPr lvl="4"/>
+            <a:r>
+              <a:rPr lang="it-IT"/>
+              <a:t>Quinto livello</a:t>
+            </a:r>
+          </a:p>
+        </p:txBody>
+      </p:sp>
+      <p:sp>
+        <p:nvSpPr>
+          <p:cNvPr id="6" name="Segnaposto piè di pagina 5"/>
+          <p:cNvSpPr>
+            <a:spLocks noGrp="1"/>
+          </p:cNvSpPr>
+          <p:nvPr>
+            <p:ph type="ftr" sz="quarter" idx="4"/>
+          </p:nvPr>
+        </p:nvSpPr>
+        <p:spPr>
+          <a:xfrm>
+            <a:off x="0" y="8685213"/>
+            <a:ext cx="2971800" cy="458787"/>
+          </a:xfrm>
+          <a:prstGeom prst="rect">
+            <a:avLst/>
+          </a:prstGeom>
+        </p:spPr>
+        <p:txBody>
+          <a:bodyPr vert="horz" lIns="91440" tIns="45720" rIns="91440" bIns="45720" rtlCol="0" anchor="b"/>
+          <a:lstStyle>
+            <a:lvl1pPr algn="l">
+              <a:defRPr sz="1200"/>
+            </a:lvl1pPr>
+          </a:lstStyle>
+          <a:p>
+            <a:endParaRPr lang="it-IT"/>
+          </a:p>
+        </p:txBody>
+      </p:sp>
+      <p:sp>
+        <p:nvSpPr>
+          <p:cNvPr id="7" name="Segnaposto numero diapositiva 6"/>
+          <p:cNvSpPr>
+            <a:spLocks noGrp="1"/>
+          </p:cNvSpPr>
+          <p:nvPr>
+            <p:ph type="sldNum" sz="quarter" idx="5"/>
+          </p:nvPr>
+        </p:nvSpPr>
+        <p:spPr>
+          <a:xfrm>
+            <a:off x="3884613" y="8685213"/>
+            <a:ext cx="2971800" cy="458787"/>
+          </a:xfrm>
+          <a:prstGeom prst="rect">
+            <a:avLst/>
+          </a:prstGeom>
+        </p:spPr>
+        <p:txBody>
+          <a:bodyPr vert="horz" lIns="91440" tIns="45720" rIns="91440" bIns="45720" rtlCol="0" anchor="b"/>
+          <a:lstStyle>
+            <a:lvl1pPr algn="r">
+              <a:defRPr sz="1200"/>
+            </a:lvl1pPr>
+          </a:lstStyle>
+          <a:p>
+            <a:fld id="{6BA13414-5DA4-4CBE-8657-E3615AA51221}" type="slidenum">
+              <a:rPr lang="it-IT" smtClean="0"/>
+              <a:t>‹N›</a:t>
+            </a:fld>
+            <a:endParaRPr lang="it-IT"/>
+          </a:p>
+        </p:txBody>
+      </p:sp>
+    </p:spTree>
+    <p:extLst>
+      <p:ext uri="{BB962C8B-B14F-4D97-AF65-F5344CB8AC3E}">
+        <p14:creationId xmlns:p14="http://schemas.microsoft.com/office/powerpoint/2010/main" val="4019536712"/>
+      </p:ext>
+    </p:extLst>
+  </p:cSld>
+  <p:clrMap bg1="lt1" tx1="dk1" bg2="lt2" tx2="dk2" accent1="accent1" accent2="accent2" accent3="accent3" accent4="accent4" accent5="accent5" accent6="accent6" hlink="hlink" folHlink="folHlink"/>
+  <p:notesStyle>
+    <a:lvl1pPr marL="0" algn="l" defTabSz="914400" rtl="0" eaLnBrk="1" latinLnBrk="0" hangingPunct="1">
+      <a:defRPr sz="1200" kern="1200">
+        <a:solidFill>
+          <a:schemeClr val="tx1"/>
+        </a:solidFill>
+        <a:latin typeface="+mn-lt"/>
+        <a:ea typeface="+mn-ea"/>
+        <a:cs typeface="+mn-cs"/>
+      </a:defRPr>
+    </a:lvl1pPr>
+    <a:lvl2pPr marL="457200" algn="l" defTabSz="914400" rtl="0" eaLnBrk="1" latinLnBrk="0" hangingPunct="1">
+      <a:defRPr sz="1200" kern="1200">
+        <a:solidFill>
+          <a:schemeClr val="tx1"/>
+        </a:solidFill>
+        <a:latin typeface="+mn-lt"/>
+        <a:ea typeface="+mn-ea"/>
+        <a:cs typeface="+mn-cs"/>
+      </a:defRPr>
+    </a:lvl2pPr>
+    <a:lvl3pPr marL="914400" algn="l" defTabSz="914400" rtl="0" eaLnBrk="1" latinLnBrk="0" hangingPunct="1">
+      <a:defRPr sz="1200" kern="1200">
+        <a:solidFill>
+          <a:schemeClr val="tx1"/>
+        </a:solidFill>
+        <a:latin typeface="+mn-lt"/>
+        <a:ea typeface="+mn-ea"/>
+        <a:cs typeface="+mn-cs"/>
+      </a:defRPr>
+    </a:lvl3pPr>
+    <a:lvl4pPr marL="1371600" algn="l" defTabSz="914400" rtl="0" eaLnBrk="1" latinLnBrk="0" hangingPunct="1">
+      <a:defRPr sz="1200" kern="1200">
+        <a:solidFill>
+          <a:schemeClr val="tx1"/>
+        </a:solidFill>
+        <a:latin typeface="+mn-lt"/>
+        <a:ea typeface="+mn-ea"/>
+        <a:cs typeface="+mn-cs"/>
+      </a:defRPr>
+    </a:lvl4pPr>
+    <a:lvl5pPr marL="1828800" algn="l" defTabSz="914400" rtl="0" eaLnBrk="1" latinLnBrk="0" hangingPunct="1">
+      <a:defRPr sz="1200" kern="1200">
+        <a:solidFill>
+          <a:schemeClr val="tx1"/>
+        </a:solidFill>
+        <a:latin typeface="+mn-lt"/>
+        <a:ea typeface="+mn-ea"/>
+        <a:cs typeface="+mn-cs"/>
+      </a:defRPr>
+    </a:lvl5pPr>
+    <a:lvl6pPr marL="2286000" algn="l" defTabSz="914400" rtl="0" eaLnBrk="1" latinLnBrk="0" hangingPunct="1">
+      <a:defRPr sz="1200" kern="1200">
+        <a:solidFill>
+          <a:schemeClr val="tx1"/>
+        </a:solidFill>
+        <a:latin typeface="+mn-lt"/>
+        <a:ea typeface="+mn-ea"/>
+        <a:cs typeface="+mn-cs"/>
+      </a:defRPr>
+    </a:lvl6pPr>
+    <a:lvl7pPr marL="2743200" algn="l" defTabSz="914400" rtl="0" eaLnBrk="1" latinLnBrk="0" hangingPunct="1">
+      <a:defRPr sz="1200" kern="1200">
+        <a:solidFill>
+          <a:schemeClr val="tx1"/>
+        </a:solidFill>
+        <a:latin typeface="+mn-lt"/>
+        <a:ea typeface="+mn-ea"/>
+        <a:cs typeface="+mn-cs"/>
+      </a:defRPr>
+    </a:lvl7pPr>
+    <a:lvl8pPr marL="3200400" algn="l" defTabSz="914400" rtl="0" eaLnBrk="1" latinLnBrk="0" hangingPunct="1">
+      <a:defRPr sz="1200" kern="1200">
+        <a:solidFill>
+          <a:schemeClr val="tx1"/>
+        </a:solidFill>
+        <a:latin typeface="+mn-lt"/>
+        <a:ea typeface="+mn-ea"/>
+        <a:cs typeface="+mn-cs"/>
+      </a:defRPr>
+    </a:lvl8pPr>
+    <a:lvl9pPr marL="3657600" algn="l" defTabSz="914400" rtl="0" eaLnBrk="1" latinLnBrk="0" hangingPunct="1">
+      <a:defRPr sz="1200" kern="1200">
+        <a:solidFill>
+          <a:schemeClr val="tx1"/>
+        </a:solidFill>
+        <a:latin typeface="+mn-lt"/>
+        <a:ea typeface="+mn-ea"/>
+        <a:cs typeface="+mn-cs"/>
+      </a:defRPr>
+    </a:lvl9pPr>
+  </p:notesStyle>
+</p:notesMaster>
+</file>
+
+<file path=ppt/notesSlides/notesSlide1.xml><?xml version="1.0" encoding="utf-8"?>
+<p:notes xmlns:a="http://schemas.openxmlformats.org/drawingml/2006/main" xmlns:r="http://schemas.openxmlformats.org/officeDocument/2006/relationships" xmlns:p="http://schemas.openxmlformats.org/presentationml/2006/main">
+  <p:cSld>
+    <p:spTree>
+      <p:nvGrpSpPr>
+        <p:cNvPr id="1" name=""/>
+        <p:cNvGrpSpPr/>
+        <p:nvPr/>
+      </p:nvGrpSpPr>
+      <p:grpSpPr>
+        <a:xfrm>
+          <a:off x="0" y="0"/>
+          <a:ext cx="0" cy="0"/>
+          <a:chOff x="0" y="0"/>
+          <a:chExt cx="0" cy="0"/>
+        </a:xfrm>
+      </p:grpSpPr>
+      <p:sp>
+        <p:nvSpPr>
+          <p:cNvPr id="2" name="Segnaposto immagine diapositiva 1"/>
+          <p:cNvSpPr>
+            <a:spLocks noGrp="1" noRot="1" noChangeAspect="1"/>
+          </p:cNvSpPr>
+          <p:nvPr>
+            <p:ph type="sldImg"/>
+          </p:nvPr>
+        </p:nvSpPr>
+        <p:spPr/>
+      </p:sp>
+      <p:sp>
+        <p:nvSpPr>
+          <p:cNvPr id="3" name="Segnaposto note 2"/>
+          <p:cNvSpPr>
+            <a:spLocks noGrp="1"/>
+          </p:cNvSpPr>
+          <p:nvPr>
+            <p:ph type="body" idx="1"/>
+          </p:nvPr>
+        </p:nvSpPr>
+        <p:spPr/>
+        <p:txBody>
+          <a:bodyPr/>
+          <a:lstStyle/>
+          <a:p>
+            <a:endParaRPr lang="it-IT" dirty="0"/>
+          </a:p>
+        </p:txBody>
+      </p:sp>
+      <p:sp>
+        <p:nvSpPr>
+          <p:cNvPr id="4" name="Segnaposto numero diapositiva 3"/>
+          <p:cNvSpPr>
+            <a:spLocks noGrp="1"/>
+          </p:cNvSpPr>
+          <p:nvPr>
+            <p:ph type="sldNum" sz="quarter" idx="10"/>
+          </p:nvPr>
+        </p:nvSpPr>
+        <p:spPr/>
+        <p:txBody>
+          <a:bodyPr/>
+          <a:lstStyle/>
+          <a:p>
+            <a:fld id="{6BA13414-5DA4-4CBE-8657-E3615AA51221}" type="slidenum">
+              <a:rPr lang="it-IT" smtClean="0"/>
+              <a:t>6</a:t>
+            </a:fld>
+            <a:endParaRPr lang="it-IT"/>
+          </a:p>
+        </p:txBody>
+      </p:sp>
+    </p:spTree>
+    <p:extLst>
+      <p:ext uri="{BB962C8B-B14F-4D97-AF65-F5344CB8AC3E}">
+        <p14:creationId xmlns:p14="http://schemas.microsoft.com/office/powerpoint/2010/main" val="67943228"/>
+      </p:ext>
+    </p:extLst>
+  </p:cSld>
+  <p:clrMapOvr>
+    <a:masterClrMapping/>
+  </p:clrMapOvr>
+</p:notes>
 </file>
 
 <file path=ppt/slideLayouts/slideLayout1.xml><?xml version="1.0" encoding="utf-8"?>
@@ -514,7 +977,7 @@
           <a:p>
             <a:fld id="{AEDAADBE-3CB0-42DC-BD24-E0DB840A0C07}" type="datetimeFigureOut">
               <a:rPr lang="it-IT" smtClean="0"/>
-              <a:t>29/01/2018</a:t>
+              <a:t>30/01/2018</a:t>
             </a:fld>
             <a:endParaRPr lang="it-IT"/>
           </a:p>
@@ -693,7 +1156,7 @@
           <a:p>
             <a:fld id="{AEDAADBE-3CB0-42DC-BD24-E0DB840A0C07}" type="datetimeFigureOut">
               <a:rPr lang="it-IT" smtClean="0"/>
-              <a:t>29/01/2018</a:t>
+              <a:t>30/01/2018</a:t>
             </a:fld>
             <a:endParaRPr lang="it-IT"/>
           </a:p>
@@ -873,7 +1336,7 @@
           <a:p>
             <a:fld id="{AEDAADBE-3CB0-42DC-BD24-E0DB840A0C07}" type="datetimeFigureOut">
               <a:rPr lang="it-IT" smtClean="0"/>
-              <a:t>29/01/2018</a:t>
+              <a:t>30/01/2018</a:t>
             </a:fld>
             <a:endParaRPr lang="it-IT"/>
           </a:p>
@@ -1043,7 +1506,7 @@
           <a:p>
             <a:fld id="{AEDAADBE-3CB0-42DC-BD24-E0DB840A0C07}" type="datetimeFigureOut">
               <a:rPr lang="it-IT" smtClean="0"/>
-              <a:t>29/01/2018</a:t>
+              <a:t>30/01/2018</a:t>
             </a:fld>
             <a:endParaRPr lang="it-IT"/>
           </a:p>
@@ -1356,7 +1819,7 @@
           <a:p>
             <a:fld id="{AEDAADBE-3CB0-42DC-BD24-E0DB840A0C07}" type="datetimeFigureOut">
               <a:rPr lang="it-IT" smtClean="0"/>
-              <a:t>29/01/2018</a:t>
+              <a:t>30/01/2018</a:t>
             </a:fld>
             <a:endParaRPr lang="it-IT"/>
           </a:p>
@@ -1742,7 +2205,7 @@
           <a:p>
             <a:fld id="{AEDAADBE-3CB0-42DC-BD24-E0DB840A0C07}" type="datetimeFigureOut">
               <a:rPr lang="it-IT" smtClean="0"/>
-              <a:t>29/01/2018</a:t>
+              <a:t>30/01/2018</a:t>
             </a:fld>
             <a:endParaRPr lang="it-IT"/>
           </a:p>
@@ -2176,7 +2639,7 @@
           <a:p>
             <a:fld id="{AEDAADBE-3CB0-42DC-BD24-E0DB840A0C07}" type="datetimeFigureOut">
               <a:rPr lang="it-IT" smtClean="0"/>
-              <a:t>29/01/2018</a:t>
+              <a:t>30/01/2018</a:t>
             </a:fld>
             <a:endParaRPr lang="it-IT"/>
           </a:p>
@@ -2294,7 +2757,7 @@
           <a:p>
             <a:fld id="{AEDAADBE-3CB0-42DC-BD24-E0DB840A0C07}" type="datetimeFigureOut">
               <a:rPr lang="it-IT" smtClean="0"/>
-              <a:t>29/01/2018</a:t>
+              <a:t>30/01/2018</a:t>
             </a:fld>
             <a:endParaRPr lang="it-IT"/>
           </a:p>
@@ -2389,7 +2852,7 @@
           <a:p>
             <a:fld id="{AEDAADBE-3CB0-42DC-BD24-E0DB840A0C07}" type="datetimeFigureOut">
               <a:rPr lang="it-IT" smtClean="0"/>
-              <a:t>29/01/2018</a:t>
+              <a:t>30/01/2018</a:t>
             </a:fld>
             <a:endParaRPr lang="it-IT"/>
           </a:p>
@@ -2739,7 +3202,7 @@
           <a:p>
             <a:fld id="{AEDAADBE-3CB0-42DC-BD24-E0DB840A0C07}" type="datetimeFigureOut">
               <a:rPr lang="it-IT" smtClean="0"/>
-              <a:t>29/01/2018</a:t>
+              <a:t>30/01/2018</a:t>
             </a:fld>
             <a:endParaRPr lang="it-IT"/>
           </a:p>
@@ -3164,7 +3627,7 @@
           <a:p>
             <a:fld id="{AEDAADBE-3CB0-42DC-BD24-E0DB840A0C07}" type="datetimeFigureOut">
               <a:rPr lang="it-IT" smtClean="0"/>
-              <a:t>29/01/2018</a:t>
+              <a:t>30/01/2018</a:t>
             </a:fld>
             <a:endParaRPr lang="it-IT"/>
           </a:p>
@@ -3445,7 +3908,7 @@
           <a:p>
             <a:fld id="{AEDAADBE-3CB0-42DC-BD24-E0DB840A0C07}" type="datetimeFigureOut">
               <a:rPr lang="it-IT" smtClean="0"/>
-              <a:t>29/01/2018</a:t>
+              <a:t>30/01/2018</a:t>
             </a:fld>
             <a:endParaRPr lang="it-IT"/>
           </a:p>
@@ -4199,6 +4662,8229 @@
 </p:sld>
 </file>
 
+<file path=ppt/slides/slide10.xml><?xml version="1.0" encoding="utf-8"?>
+<p:sld xmlns:a="http://schemas.openxmlformats.org/drawingml/2006/main" xmlns:r="http://schemas.openxmlformats.org/officeDocument/2006/relationships" xmlns:p="http://schemas.openxmlformats.org/presentationml/2006/main">
+  <p:cSld>
+    <p:spTree>
+      <p:nvGrpSpPr>
+        <p:cNvPr id="1" name=""/>
+        <p:cNvGrpSpPr/>
+        <p:nvPr/>
+      </p:nvGrpSpPr>
+      <p:grpSpPr>
+        <a:xfrm>
+          <a:off x="0" y="0"/>
+          <a:ext cx="0" cy="0"/>
+          <a:chOff x="0" y="0"/>
+          <a:chExt cx="0" cy="0"/>
+        </a:xfrm>
+      </p:grpSpPr>
+      <p:sp>
+        <p:nvSpPr>
+          <p:cNvPr id="5" name="Titolo 1">
+            <a:extLst>
+              <a:ext uri="{FF2B5EF4-FFF2-40B4-BE49-F238E27FC236}">
+                <a16:creationId xmlns:a16="http://schemas.microsoft.com/office/drawing/2014/main" id="{262DD9E5-D330-4BE5-AE12-73C4BC5571D9}"/>
+              </a:ext>
+            </a:extLst>
+          </p:cNvPr>
+          <p:cNvSpPr>
+            <a:spLocks noGrp="1"/>
+          </p:cNvSpPr>
+          <p:nvPr>
+            <p:ph type="title"/>
+          </p:nvPr>
+        </p:nvSpPr>
+        <p:spPr>
+          <a:xfrm>
+            <a:off x="0" y="0"/>
+            <a:ext cx="10058400" cy="1609344"/>
+          </a:xfrm>
+        </p:spPr>
+        <p:txBody>
+          <a:bodyPr>
+            <a:normAutofit/>
+          </a:bodyPr>
+          <a:lstStyle/>
+          <a:p>
+            <a:r>
+              <a:rPr lang="it-IT" sz="4400" b="1" dirty="0">
+                <a:latin typeface="+mn-lt"/>
+              </a:rPr>
+              <a:t>Rappresentanza</a:t>
+            </a:r>
+          </a:p>
+        </p:txBody>
+      </p:sp>
+      <p:sp>
+        <p:nvSpPr>
+          <p:cNvPr id="6" name="CasellaDiTesto 5">
+            <a:extLst>
+              <a:ext uri="{FF2B5EF4-FFF2-40B4-BE49-F238E27FC236}">
+                <a16:creationId xmlns:a16="http://schemas.microsoft.com/office/drawing/2014/main" id="{73254E98-53F9-48F1-A870-62E27BD06EBB}"/>
+              </a:ext>
+            </a:extLst>
+          </p:cNvPr>
+          <p:cNvSpPr txBox="1"/>
+          <p:nvPr/>
+        </p:nvSpPr>
+        <p:spPr>
+          <a:xfrm>
+            <a:off x="196947" y="1446158"/>
+            <a:ext cx="5430129" cy="923330"/>
+          </a:xfrm>
+          <a:prstGeom prst="rect">
+            <a:avLst/>
+          </a:prstGeom>
+          <a:noFill/>
+        </p:spPr>
+        <p:txBody>
+          <a:bodyPr wrap="square" rtlCol="0">
+            <a:spAutoFit/>
+          </a:bodyPr>
+          <a:lstStyle/>
+          <a:p>
+            <a:r>
+              <a:rPr lang="it-IT" dirty="0"/>
+              <a:t>Processo di business mediante il quale l’azienda cerca nuovi clienti e gestisce le offerte per i clienti già acquisiti in funzione della loro fedeltà.</a:t>
+            </a:r>
+          </a:p>
+        </p:txBody>
+      </p:sp>
+      <p:pic>
+        <p:nvPicPr>
+          <p:cNvPr id="6146" name="Picture 2" descr="Risultati immagini per rappresentanza">
+            <a:extLst>
+              <a:ext uri="{FF2B5EF4-FFF2-40B4-BE49-F238E27FC236}">
+                <a16:creationId xmlns:a16="http://schemas.microsoft.com/office/drawing/2014/main" id="{0C566E1B-9FC3-48AE-A98E-8687ACB2D3CE}"/>
+              </a:ext>
+            </a:extLst>
+          </p:cNvPr>
+          <p:cNvPicPr>
+            <a:picLocks noChangeAspect="1" noChangeArrowheads="1"/>
+          </p:cNvPicPr>
+          <p:nvPr/>
+        </p:nvPicPr>
+        <p:blipFill>
+          <a:blip r:embed="rId2">
+            <a:extLst>
+              <a:ext uri="{28A0092B-C50C-407E-A947-70E740481C1C}">
+                <a14:useLocalDpi xmlns:a14="http://schemas.microsoft.com/office/drawing/2010/main" val="0"/>
+              </a:ext>
+            </a:extLst>
+          </a:blip>
+          <a:srcRect/>
+          <a:stretch>
+            <a:fillRect/>
+          </a:stretch>
+        </p:blipFill>
+        <p:spPr bwMode="auto">
+          <a:xfrm>
+            <a:off x="6096000" y="1057275"/>
+            <a:ext cx="5715001" cy="2986088"/>
+          </a:xfrm>
+          <a:prstGeom prst="rect">
+            <a:avLst/>
+          </a:prstGeom>
+          <a:noFill/>
+          <a:extLst>
+            <a:ext uri="{909E8E84-426E-40DD-AFC4-6F175D3DCCD1}">
+              <a14:hiddenFill xmlns:a14="http://schemas.microsoft.com/office/drawing/2010/main">
+                <a:solidFill>
+                  <a:srgbClr val="FFFFFF"/>
+                </a:solidFill>
+              </a14:hiddenFill>
+            </a:ext>
+          </a:extLst>
+        </p:spPr>
+      </p:pic>
+      <p:pic>
+        <p:nvPicPr>
+          <p:cNvPr id="6148" name="Picture 4" descr="Risultati immagini per sconti">
+            <a:extLst>
+              <a:ext uri="{FF2B5EF4-FFF2-40B4-BE49-F238E27FC236}">
+                <a16:creationId xmlns:a16="http://schemas.microsoft.com/office/drawing/2014/main" id="{0EACDE02-1251-4C86-A6EC-D123EC2516EB}"/>
+              </a:ext>
+            </a:extLst>
+          </p:cNvPr>
+          <p:cNvPicPr>
+            <a:picLocks noChangeAspect="1" noChangeArrowheads="1"/>
+          </p:cNvPicPr>
+          <p:nvPr/>
+        </p:nvPicPr>
+        <p:blipFill>
+          <a:blip r:embed="rId3">
+            <a:extLst>
+              <a:ext uri="{28A0092B-C50C-407E-A947-70E740481C1C}">
+                <a14:useLocalDpi xmlns:a14="http://schemas.microsoft.com/office/drawing/2010/main" val="0"/>
+              </a:ext>
+            </a:extLst>
+          </a:blip>
+          <a:srcRect/>
+          <a:stretch>
+            <a:fillRect/>
+          </a:stretch>
+        </p:blipFill>
+        <p:spPr bwMode="auto">
+          <a:xfrm>
+            <a:off x="1257300" y="3429000"/>
+            <a:ext cx="4191000" cy="2362200"/>
+          </a:xfrm>
+          <a:prstGeom prst="rect">
+            <a:avLst/>
+          </a:prstGeom>
+          <a:noFill/>
+          <a:extLst>
+            <a:ext uri="{909E8E84-426E-40DD-AFC4-6F175D3DCCD1}">
+              <a14:hiddenFill xmlns:a14="http://schemas.microsoft.com/office/drawing/2010/main">
+                <a:solidFill>
+                  <a:srgbClr val="FFFFFF"/>
+                </a:solidFill>
+              </a14:hiddenFill>
+            </a:ext>
+          </a:extLst>
+        </p:spPr>
+      </p:pic>
+    </p:spTree>
+    <p:extLst>
+      <p:ext uri="{BB962C8B-B14F-4D97-AF65-F5344CB8AC3E}">
+        <p14:creationId xmlns:p14="http://schemas.microsoft.com/office/powerpoint/2010/main" val="2634270607"/>
+      </p:ext>
+    </p:extLst>
+  </p:cSld>
+  <p:clrMapOvr>
+    <a:masterClrMapping/>
+  </p:clrMapOvr>
+</p:sld>
+</file>
+
+<file path=ppt/slides/slide11.xml><?xml version="1.0" encoding="utf-8"?>
+<p:sld xmlns:a="http://schemas.openxmlformats.org/drawingml/2006/main" xmlns:r="http://schemas.openxmlformats.org/officeDocument/2006/relationships" xmlns:p="http://schemas.openxmlformats.org/presentationml/2006/main">
+  <p:cSld>
+    <p:spTree>
+      <p:nvGrpSpPr>
+        <p:cNvPr id="1" name=""/>
+        <p:cNvGrpSpPr/>
+        <p:nvPr/>
+      </p:nvGrpSpPr>
+      <p:grpSpPr>
+        <a:xfrm>
+          <a:off x="0" y="0"/>
+          <a:ext cx="0" cy="0"/>
+          <a:chOff x="0" y="0"/>
+          <a:chExt cx="0" cy="0"/>
+        </a:xfrm>
+      </p:grpSpPr>
+      <p:sp>
+        <p:nvSpPr>
+          <p:cNvPr id="5" name="Titolo 1">
+            <a:extLst>
+              <a:ext uri="{FF2B5EF4-FFF2-40B4-BE49-F238E27FC236}">
+                <a16:creationId xmlns:a16="http://schemas.microsoft.com/office/drawing/2014/main" id="{262DD9E5-D330-4BE5-AE12-73C4BC5571D9}"/>
+              </a:ext>
+            </a:extLst>
+          </p:cNvPr>
+          <p:cNvSpPr>
+            <a:spLocks noGrp="1"/>
+          </p:cNvSpPr>
+          <p:nvPr>
+            <p:ph type="title"/>
+          </p:nvPr>
+        </p:nvSpPr>
+        <p:spPr>
+          <a:xfrm>
+            <a:off x="0" y="0"/>
+            <a:ext cx="10058400" cy="1609344"/>
+          </a:xfrm>
+        </p:spPr>
+        <p:txBody>
+          <a:bodyPr>
+            <a:normAutofit/>
+          </a:bodyPr>
+          <a:lstStyle/>
+          <a:p>
+            <a:r>
+              <a:rPr lang="it-IT" sz="4400" b="1" dirty="0">
+                <a:latin typeface="+mn-lt"/>
+              </a:rPr>
+              <a:t>Gestione dipendenti</a:t>
+            </a:r>
+          </a:p>
+        </p:txBody>
+      </p:sp>
+      <p:sp>
+        <p:nvSpPr>
+          <p:cNvPr id="6" name="CasellaDiTesto 5">
+            <a:extLst>
+              <a:ext uri="{FF2B5EF4-FFF2-40B4-BE49-F238E27FC236}">
+                <a16:creationId xmlns:a16="http://schemas.microsoft.com/office/drawing/2014/main" id="{73254E98-53F9-48F1-A870-62E27BD06EBB}"/>
+              </a:ext>
+            </a:extLst>
+          </p:cNvPr>
+          <p:cNvSpPr txBox="1"/>
+          <p:nvPr/>
+        </p:nvSpPr>
+        <p:spPr>
+          <a:xfrm>
+            <a:off x="196947" y="1446158"/>
+            <a:ext cx="5430129" cy="1200329"/>
+          </a:xfrm>
+          <a:prstGeom prst="rect">
+            <a:avLst/>
+          </a:prstGeom>
+          <a:noFill/>
+        </p:spPr>
+        <p:txBody>
+          <a:bodyPr wrap="square" rtlCol="0">
+            <a:spAutoFit/>
+          </a:bodyPr>
+          <a:lstStyle/>
+          <a:p>
+            <a:r>
+              <a:rPr lang="it-IT" dirty="0"/>
+              <a:t>Processo di business mediante il quale l’azienda tiene conto delle presenze dei dipendenti. Quotidianamente sono segnate le presenze dei dipendenti con le ore di lavoro. </a:t>
+            </a:r>
+          </a:p>
+        </p:txBody>
+      </p:sp>
+      <p:pic>
+        <p:nvPicPr>
+          <p:cNvPr id="5122" name="Picture 2" descr="Risultati immagini per registro presenze">
+            <a:extLst>
+              <a:ext uri="{FF2B5EF4-FFF2-40B4-BE49-F238E27FC236}">
+                <a16:creationId xmlns:a16="http://schemas.microsoft.com/office/drawing/2014/main" id="{BCB1BADE-4978-4C02-A922-298D2913E256}"/>
+              </a:ext>
+            </a:extLst>
+          </p:cNvPr>
+          <p:cNvPicPr>
+            <a:picLocks noChangeAspect="1" noChangeArrowheads="1"/>
+          </p:cNvPicPr>
+          <p:nvPr/>
+        </p:nvPicPr>
+        <p:blipFill>
+          <a:blip r:embed="rId2">
+            <a:extLst>
+              <a:ext uri="{28A0092B-C50C-407E-A947-70E740481C1C}">
+                <a14:useLocalDpi xmlns:a14="http://schemas.microsoft.com/office/drawing/2010/main" val="0"/>
+              </a:ext>
+            </a:extLst>
+          </a:blip>
+          <a:srcRect/>
+          <a:stretch>
+            <a:fillRect/>
+          </a:stretch>
+        </p:blipFill>
+        <p:spPr bwMode="auto">
+          <a:xfrm>
+            <a:off x="6564926" y="1860585"/>
+            <a:ext cx="4381500" cy="4381500"/>
+          </a:xfrm>
+          <a:prstGeom prst="rect">
+            <a:avLst/>
+          </a:prstGeom>
+          <a:noFill/>
+          <a:extLst>
+            <a:ext uri="{909E8E84-426E-40DD-AFC4-6F175D3DCCD1}">
+              <a14:hiddenFill xmlns:a14="http://schemas.microsoft.com/office/drawing/2010/main">
+                <a:solidFill>
+                  <a:srgbClr val="FFFFFF"/>
+                </a:solidFill>
+              </a14:hiddenFill>
+            </a:ext>
+          </a:extLst>
+        </p:spPr>
+      </p:pic>
+      <p:pic>
+        <p:nvPicPr>
+          <p:cNvPr id="5124" name="Picture 4" descr="Risultati immagini per registro presenze">
+            <a:extLst>
+              <a:ext uri="{FF2B5EF4-FFF2-40B4-BE49-F238E27FC236}">
+                <a16:creationId xmlns:a16="http://schemas.microsoft.com/office/drawing/2014/main" id="{4534D101-7A6F-4C79-818C-6CD8E3040571}"/>
+              </a:ext>
+            </a:extLst>
+          </p:cNvPr>
+          <p:cNvPicPr>
+            <a:picLocks noChangeAspect="1" noChangeArrowheads="1"/>
+          </p:cNvPicPr>
+          <p:nvPr/>
+        </p:nvPicPr>
+        <p:blipFill>
+          <a:blip r:embed="rId3">
+            <a:extLst>
+              <a:ext uri="{28A0092B-C50C-407E-A947-70E740481C1C}">
+                <a14:useLocalDpi xmlns:a14="http://schemas.microsoft.com/office/drawing/2010/main" val="0"/>
+              </a:ext>
+            </a:extLst>
+          </a:blip>
+          <a:srcRect/>
+          <a:stretch>
+            <a:fillRect/>
+          </a:stretch>
+        </p:blipFill>
+        <p:spPr bwMode="auto">
+          <a:xfrm>
+            <a:off x="992723" y="2905125"/>
+            <a:ext cx="3838575" cy="3590925"/>
+          </a:xfrm>
+          <a:prstGeom prst="rect">
+            <a:avLst/>
+          </a:prstGeom>
+          <a:noFill/>
+          <a:extLst>
+            <a:ext uri="{909E8E84-426E-40DD-AFC4-6F175D3DCCD1}">
+              <a14:hiddenFill xmlns:a14="http://schemas.microsoft.com/office/drawing/2010/main">
+                <a:solidFill>
+                  <a:srgbClr val="FFFFFF"/>
+                </a:solidFill>
+              </a14:hiddenFill>
+            </a:ext>
+          </a:extLst>
+        </p:spPr>
+      </p:pic>
+    </p:spTree>
+    <p:extLst>
+      <p:ext uri="{BB962C8B-B14F-4D97-AF65-F5344CB8AC3E}">
+        <p14:creationId xmlns:p14="http://schemas.microsoft.com/office/powerpoint/2010/main" val="2719157544"/>
+      </p:ext>
+    </p:extLst>
+  </p:cSld>
+  <p:clrMapOvr>
+    <a:masterClrMapping/>
+  </p:clrMapOvr>
+</p:sld>
+</file>
+
+<file path=ppt/slides/slide12.xml><?xml version="1.0" encoding="utf-8"?>
+<p:sld xmlns:a="http://schemas.openxmlformats.org/drawingml/2006/main" xmlns:r="http://schemas.openxmlformats.org/officeDocument/2006/relationships" xmlns:p="http://schemas.openxmlformats.org/presentationml/2006/main">
+  <p:cSld>
+    <p:spTree>
+      <p:nvGrpSpPr>
+        <p:cNvPr id="1" name=""/>
+        <p:cNvGrpSpPr/>
+        <p:nvPr/>
+      </p:nvGrpSpPr>
+      <p:grpSpPr>
+        <a:xfrm>
+          <a:off x="0" y="0"/>
+          <a:ext cx="0" cy="0"/>
+          <a:chOff x="0" y="0"/>
+          <a:chExt cx="0" cy="0"/>
+        </a:xfrm>
+      </p:grpSpPr>
+      <p:sp>
+        <p:nvSpPr>
+          <p:cNvPr id="5" name="Titolo 1">
+            <a:extLst>
+              <a:ext uri="{FF2B5EF4-FFF2-40B4-BE49-F238E27FC236}">
+                <a16:creationId xmlns:a16="http://schemas.microsoft.com/office/drawing/2014/main" id="{262DD9E5-D330-4BE5-AE12-73C4BC5571D9}"/>
+              </a:ext>
+            </a:extLst>
+          </p:cNvPr>
+          <p:cNvSpPr>
+            <a:spLocks noGrp="1"/>
+          </p:cNvSpPr>
+          <p:nvPr>
+            <p:ph type="title"/>
+          </p:nvPr>
+        </p:nvSpPr>
+        <p:spPr>
+          <a:xfrm>
+            <a:off x="0" y="0"/>
+            <a:ext cx="10058400" cy="1609344"/>
+          </a:xfrm>
+        </p:spPr>
+        <p:txBody>
+          <a:bodyPr>
+            <a:normAutofit/>
+          </a:bodyPr>
+          <a:lstStyle/>
+          <a:p>
+            <a:r>
+              <a:rPr lang="it-IT" sz="4400" b="1" dirty="0">
+                <a:latin typeface="+mn-lt"/>
+              </a:rPr>
+              <a:t>Come sono questi processi?</a:t>
+            </a:r>
+          </a:p>
+        </p:txBody>
+      </p:sp>
+      <p:sp>
+        <p:nvSpPr>
+          <p:cNvPr id="2" name="Rettangolo 1">
+            <a:extLst>
+              <a:ext uri="{FF2B5EF4-FFF2-40B4-BE49-F238E27FC236}">
+                <a16:creationId xmlns:a16="http://schemas.microsoft.com/office/drawing/2014/main" id="{DA506CC9-B609-467B-9F67-C95511C909C2}"/>
+              </a:ext>
+            </a:extLst>
+          </p:cNvPr>
+          <p:cNvSpPr/>
+          <p:nvPr/>
+        </p:nvSpPr>
+        <p:spPr>
+          <a:xfrm>
+            <a:off x="73242" y="1621568"/>
+            <a:ext cx="3504036" cy="707886"/>
+          </a:xfrm>
+          <a:prstGeom prst="rect">
+            <a:avLst/>
+          </a:prstGeom>
+          <a:noFill/>
+        </p:spPr>
+        <p:txBody>
+          <a:bodyPr wrap="none" lIns="91440" tIns="45720" rIns="91440" bIns="45720">
+            <a:spAutoFit/>
+          </a:bodyPr>
+          <a:lstStyle/>
+          <a:p>
+            <a:pPr algn="ctr"/>
+            <a:r>
+              <a:rPr lang="it-IT" sz="4000" b="0" cap="none" spc="0" dirty="0">
+                <a:ln w="0"/>
+                <a:solidFill>
+                  <a:schemeClr val="accent1"/>
+                </a:solidFill>
+                <a:effectLst>
+                  <a:outerShdw blurRad="38100" dist="25400" dir="5400000" algn="ctr" rotWithShape="0">
+                    <a:srgbClr val="6E747A">
+                      <a:alpha val="43000"/>
+                    </a:srgbClr>
+                  </a:outerShdw>
+                </a:effectLst>
+              </a:rPr>
+              <a:t>Poco efficienti</a:t>
+            </a:r>
+          </a:p>
+        </p:txBody>
+      </p:sp>
+      <p:sp>
+        <p:nvSpPr>
+          <p:cNvPr id="7" name="Rettangolo 6">
+            <a:extLst>
+              <a:ext uri="{FF2B5EF4-FFF2-40B4-BE49-F238E27FC236}">
+                <a16:creationId xmlns:a16="http://schemas.microsoft.com/office/drawing/2014/main" id="{E91B8808-C535-42C1-A960-55EECB4AF110}"/>
+              </a:ext>
+            </a:extLst>
+          </p:cNvPr>
+          <p:cNvSpPr/>
+          <p:nvPr/>
+        </p:nvSpPr>
+        <p:spPr>
+          <a:xfrm>
+            <a:off x="6776945" y="1621568"/>
+            <a:ext cx="3675557" cy="707886"/>
+          </a:xfrm>
+          <a:prstGeom prst="rect">
+            <a:avLst/>
+          </a:prstGeom>
+          <a:noFill/>
+        </p:spPr>
+        <p:txBody>
+          <a:bodyPr wrap="none" lIns="91440" tIns="45720" rIns="91440" bIns="45720">
+            <a:spAutoFit/>
+          </a:bodyPr>
+          <a:lstStyle/>
+          <a:p>
+            <a:pPr algn="ctr"/>
+            <a:r>
+              <a:rPr lang="it-IT" sz="4000" b="0" cap="none" spc="0" dirty="0">
+                <a:ln w="0"/>
+                <a:solidFill>
+                  <a:schemeClr val="accent1"/>
+                </a:solidFill>
+                <a:effectLst>
+                  <a:outerShdw blurRad="38100" dist="25400" dir="5400000" algn="ctr" rotWithShape="0">
+                    <a:srgbClr val="6E747A">
+                      <a:alpha val="43000"/>
+                    </a:srgbClr>
+                  </a:outerShdw>
+                </a:effectLst>
+              </a:rPr>
+              <a:t>Poco affidabili </a:t>
+            </a:r>
+          </a:p>
+        </p:txBody>
+      </p:sp>
+      <p:sp>
+        <p:nvSpPr>
+          <p:cNvPr id="8" name="Rettangolo 7">
+            <a:extLst>
+              <a:ext uri="{FF2B5EF4-FFF2-40B4-BE49-F238E27FC236}">
+                <a16:creationId xmlns:a16="http://schemas.microsoft.com/office/drawing/2014/main" id="{04980DB7-7539-4781-ABF2-80946328FE07}"/>
+              </a:ext>
+            </a:extLst>
+          </p:cNvPr>
+          <p:cNvSpPr/>
+          <p:nvPr/>
+        </p:nvSpPr>
+        <p:spPr>
+          <a:xfrm>
+            <a:off x="239695" y="3973161"/>
+            <a:ext cx="1343638" cy="707886"/>
+          </a:xfrm>
+          <a:prstGeom prst="rect">
+            <a:avLst/>
+          </a:prstGeom>
+          <a:noFill/>
+        </p:spPr>
+        <p:txBody>
+          <a:bodyPr wrap="none" lIns="91440" tIns="45720" rIns="91440" bIns="45720">
+            <a:spAutoFit/>
+          </a:bodyPr>
+          <a:lstStyle/>
+          <a:p>
+            <a:pPr algn="ctr"/>
+            <a:r>
+              <a:rPr lang="it-IT" sz="4000" b="0" cap="none" spc="0" dirty="0">
+                <a:ln w="0"/>
+                <a:solidFill>
+                  <a:schemeClr val="accent1"/>
+                </a:solidFill>
+                <a:effectLst>
+                  <a:outerShdw blurRad="38100" dist="25400" dir="5400000" algn="ctr" rotWithShape="0">
+                    <a:srgbClr val="6E747A">
+                      <a:alpha val="43000"/>
+                    </a:srgbClr>
+                  </a:outerShdw>
+                </a:effectLst>
+              </a:rPr>
+              <a:t>Lenti</a:t>
+            </a:r>
+          </a:p>
+        </p:txBody>
+      </p:sp>
+      <p:sp>
+        <p:nvSpPr>
+          <p:cNvPr id="9" name="Rettangolo 8">
+            <a:extLst>
+              <a:ext uri="{FF2B5EF4-FFF2-40B4-BE49-F238E27FC236}">
+                <a16:creationId xmlns:a16="http://schemas.microsoft.com/office/drawing/2014/main" id="{A91094AF-D1BC-4ACB-A051-4E06FACA77C1}"/>
+              </a:ext>
+            </a:extLst>
+          </p:cNvPr>
+          <p:cNvSpPr/>
+          <p:nvPr/>
+        </p:nvSpPr>
+        <p:spPr>
+          <a:xfrm>
+            <a:off x="6776945" y="4042144"/>
+            <a:ext cx="2054087" cy="707886"/>
+          </a:xfrm>
+          <a:prstGeom prst="rect">
+            <a:avLst/>
+          </a:prstGeom>
+          <a:noFill/>
+        </p:spPr>
+        <p:txBody>
+          <a:bodyPr wrap="none" lIns="91440" tIns="45720" rIns="91440" bIns="45720">
+            <a:spAutoFit/>
+          </a:bodyPr>
+          <a:lstStyle/>
+          <a:p>
+            <a:pPr algn="ctr"/>
+            <a:r>
+              <a:rPr lang="it-IT" sz="4000" b="0" cap="none" spc="0" dirty="0">
+                <a:ln w="0"/>
+                <a:solidFill>
+                  <a:schemeClr val="accent1"/>
+                </a:solidFill>
+                <a:effectLst>
+                  <a:outerShdw blurRad="38100" dist="25400" dir="5400000" algn="ctr" rotWithShape="0">
+                    <a:srgbClr val="6E747A">
+                      <a:alpha val="43000"/>
+                    </a:srgbClr>
+                  </a:outerShdw>
+                </a:effectLst>
+              </a:rPr>
+              <a:t>Onerosi</a:t>
+            </a:r>
+          </a:p>
+        </p:txBody>
+      </p:sp>
+      <p:sp>
+        <p:nvSpPr>
+          <p:cNvPr id="3" name="Rettangolo 2">
+            <a:extLst>
+              <a:ext uri="{FF2B5EF4-FFF2-40B4-BE49-F238E27FC236}">
+                <a16:creationId xmlns:a16="http://schemas.microsoft.com/office/drawing/2014/main" id="{3831DCF1-CABE-4BB6-A4E4-49EE869CE8D3}"/>
+              </a:ext>
+            </a:extLst>
+          </p:cNvPr>
+          <p:cNvSpPr/>
+          <p:nvPr/>
+        </p:nvSpPr>
+        <p:spPr>
+          <a:xfrm>
+            <a:off x="73244" y="2317310"/>
+            <a:ext cx="5525698" cy="1631216"/>
+          </a:xfrm>
+          <a:prstGeom prst="rect">
+            <a:avLst/>
+          </a:prstGeom>
+          <a:noFill/>
+        </p:spPr>
+        <p:txBody>
+          <a:bodyPr wrap="square" lIns="91440" tIns="45720" rIns="91440" bIns="45720">
+            <a:spAutoFit/>
+          </a:bodyPr>
+          <a:lstStyle/>
+          <a:p>
+            <a:pPr algn="ctr"/>
+            <a:r>
+              <a:rPr lang="it-IT" sz="2000" b="0" cap="none" spc="0" dirty="0">
+                <a:ln w="0"/>
+                <a:solidFill>
+                  <a:schemeClr val="tx1"/>
+                </a:solidFill>
+                <a:effectLst>
+                  <a:outerShdw blurRad="38100" dist="19050" dir="2700000" algn="tl" rotWithShape="0">
+                    <a:schemeClr val="dk1">
+                      <a:alpha val="40000"/>
+                    </a:schemeClr>
+                  </a:outerShdw>
+                </a:effectLst>
+              </a:rPr>
+              <a:t>Informazione diverse su registri diversi:</a:t>
+            </a:r>
+          </a:p>
+          <a:p>
+            <a:pPr marL="342900" indent="-342900">
+              <a:buFontTx/>
+              <a:buChar char="-"/>
+            </a:pPr>
+            <a:r>
+              <a:rPr lang="it-IT" sz="2000" b="0" cap="none" spc="0" dirty="0">
+                <a:ln w="0"/>
+                <a:solidFill>
+                  <a:schemeClr val="tx1"/>
+                </a:solidFill>
+                <a:effectLst>
+                  <a:outerShdw blurRad="38100" dist="19050" dir="2700000" algn="tl" rotWithShape="0">
+                    <a:schemeClr val="dk1">
+                      <a:alpha val="40000"/>
+                    </a:schemeClr>
+                  </a:outerShdw>
+                </a:effectLst>
+              </a:rPr>
+              <a:t>Registro ordini</a:t>
+            </a:r>
+          </a:p>
+          <a:p>
+            <a:pPr marL="342900" indent="-342900">
+              <a:buFontTx/>
+              <a:buChar char="-"/>
+            </a:pPr>
+            <a:r>
+              <a:rPr lang="it-IT" sz="2000" b="0" cap="none" spc="0" dirty="0">
+                <a:ln w="0"/>
+                <a:solidFill>
+                  <a:schemeClr val="tx1"/>
+                </a:solidFill>
+                <a:effectLst>
+                  <a:outerShdw blurRad="38100" dist="19050" dir="2700000" algn="tl" rotWithShape="0">
+                    <a:schemeClr val="dk1">
+                      <a:alpha val="40000"/>
+                    </a:schemeClr>
+                  </a:outerShdw>
+                </a:effectLst>
+              </a:rPr>
+              <a:t>Registro Presenze</a:t>
+            </a:r>
+          </a:p>
+          <a:p>
+            <a:pPr marL="342900" indent="-342900">
+              <a:buFontTx/>
+              <a:buChar char="-"/>
+            </a:pPr>
+            <a:r>
+              <a:rPr lang="it-IT" sz="2000" dirty="0">
+                <a:ln w="0"/>
+                <a:effectLst>
+                  <a:outerShdw blurRad="38100" dist="19050" dir="2700000" algn="tl" rotWithShape="0">
+                    <a:schemeClr val="dk1">
+                      <a:alpha val="40000"/>
+                    </a:schemeClr>
+                  </a:outerShdw>
+                </a:effectLst>
+              </a:rPr>
+              <a:t>Registro ordini ai fornitori</a:t>
+            </a:r>
+          </a:p>
+          <a:p>
+            <a:pPr marL="342900" indent="-342900">
+              <a:buFontTx/>
+              <a:buChar char="-"/>
+            </a:pPr>
+            <a:r>
+              <a:rPr lang="it-IT" sz="2000" b="0" cap="none" spc="0" dirty="0">
+                <a:ln w="0"/>
+                <a:solidFill>
+                  <a:schemeClr val="tx1"/>
+                </a:solidFill>
+                <a:effectLst>
+                  <a:outerShdw blurRad="38100" dist="19050" dir="2700000" algn="tl" rotWithShape="0">
+                    <a:schemeClr val="dk1">
+                      <a:alpha val="40000"/>
+                    </a:schemeClr>
+                  </a:outerShdw>
+                </a:effectLst>
+              </a:rPr>
+              <a:t>Registro dei clienti</a:t>
+            </a:r>
+          </a:p>
+        </p:txBody>
+      </p:sp>
+      <p:sp>
+        <p:nvSpPr>
+          <p:cNvPr id="12" name="Rettangolo 11">
+            <a:extLst>
+              <a:ext uri="{FF2B5EF4-FFF2-40B4-BE49-F238E27FC236}">
+                <a16:creationId xmlns:a16="http://schemas.microsoft.com/office/drawing/2014/main" id="{244F7694-CACE-45ED-AC46-823B4334E3C5}"/>
+              </a:ext>
+            </a:extLst>
+          </p:cNvPr>
+          <p:cNvSpPr/>
+          <p:nvPr/>
+        </p:nvSpPr>
+        <p:spPr>
+          <a:xfrm>
+            <a:off x="6273802" y="2329454"/>
+            <a:ext cx="5525698" cy="707886"/>
+          </a:xfrm>
+          <a:prstGeom prst="rect">
+            <a:avLst/>
+          </a:prstGeom>
+          <a:noFill/>
+        </p:spPr>
+        <p:txBody>
+          <a:bodyPr wrap="square" lIns="91440" tIns="45720" rIns="91440" bIns="45720">
+            <a:spAutoFit/>
+          </a:bodyPr>
+          <a:lstStyle/>
+          <a:p>
+            <a:pPr algn="ctr"/>
+            <a:r>
+              <a:rPr lang="it-IT" sz="2000" b="0" cap="none" spc="0" dirty="0">
+                <a:ln w="0"/>
+                <a:solidFill>
+                  <a:schemeClr val="tx1"/>
+                </a:solidFill>
+                <a:effectLst>
+                  <a:outerShdw blurRad="38100" dist="19050" dir="2700000" algn="tl" rotWithShape="0">
+                    <a:schemeClr val="dk1">
+                      <a:alpha val="40000"/>
+                    </a:schemeClr>
+                  </a:outerShdw>
+                </a:effectLst>
+              </a:rPr>
+              <a:t>Tutto si basa su registri cartacei: </a:t>
+            </a:r>
+          </a:p>
+          <a:p>
+            <a:pPr algn="ctr"/>
+            <a:r>
+              <a:rPr lang="it-IT" sz="2000" dirty="0">
+                <a:ln w="0"/>
+                <a:effectLst>
+                  <a:outerShdw blurRad="38100" dist="19050" dir="2700000" algn="tl" rotWithShape="0">
+                    <a:schemeClr val="dk1">
+                      <a:alpha val="40000"/>
+                    </a:schemeClr>
+                  </a:outerShdw>
+                </a:effectLst>
+              </a:rPr>
+              <a:t>Se si perde un foglio? …</a:t>
+            </a:r>
+            <a:endParaRPr lang="it-IT" sz="2000" b="0" cap="none" spc="0" dirty="0">
+              <a:ln w="0"/>
+              <a:solidFill>
+                <a:schemeClr val="tx1"/>
+              </a:solidFill>
+              <a:effectLst>
+                <a:outerShdw blurRad="38100" dist="19050" dir="2700000" algn="tl" rotWithShape="0">
+                  <a:schemeClr val="dk1">
+                    <a:alpha val="40000"/>
+                  </a:schemeClr>
+                </a:outerShdw>
+              </a:effectLst>
+            </a:endParaRPr>
+          </a:p>
+        </p:txBody>
+      </p:sp>
+      <p:pic>
+        <p:nvPicPr>
+          <p:cNvPr id="7170" name="Picture 2" descr="Risultati immagini per dubbio">
+            <a:extLst>
+              <a:ext uri="{FF2B5EF4-FFF2-40B4-BE49-F238E27FC236}">
+                <a16:creationId xmlns:a16="http://schemas.microsoft.com/office/drawing/2014/main" id="{81DFA4EC-EA1A-4184-95B6-BF3758E5F406}"/>
+              </a:ext>
+            </a:extLst>
+          </p:cNvPr>
+          <p:cNvPicPr>
+            <a:picLocks noChangeAspect="1" noChangeArrowheads="1"/>
+          </p:cNvPicPr>
+          <p:nvPr/>
+        </p:nvPicPr>
+        <p:blipFill>
+          <a:blip r:embed="rId2">
+            <a:extLst>
+              <a:ext uri="{28A0092B-C50C-407E-A947-70E740481C1C}">
+                <a14:useLocalDpi xmlns:a14="http://schemas.microsoft.com/office/drawing/2010/main" val="0"/>
+              </a:ext>
+            </a:extLst>
+          </a:blip>
+          <a:srcRect/>
+          <a:stretch>
+            <a:fillRect/>
+          </a:stretch>
+        </p:blipFill>
+        <p:spPr bwMode="auto">
+          <a:xfrm>
+            <a:off x="10452502" y="2933581"/>
+            <a:ext cx="1152911" cy="1152911"/>
+          </a:xfrm>
+          <a:prstGeom prst="rect">
+            <a:avLst/>
+          </a:prstGeom>
+          <a:noFill/>
+          <a:extLst>
+            <a:ext uri="{909E8E84-426E-40DD-AFC4-6F175D3DCCD1}">
+              <a14:hiddenFill xmlns:a14="http://schemas.microsoft.com/office/drawing/2010/main">
+                <a:solidFill>
+                  <a:srgbClr val="FFFFFF"/>
+                </a:solidFill>
+              </a14:hiddenFill>
+            </a:ext>
+          </a:extLst>
+        </p:spPr>
+      </p:pic>
+      <p:sp>
+        <p:nvSpPr>
+          <p:cNvPr id="14" name="Rettangolo 13">
+            <a:extLst>
+              <a:ext uri="{FF2B5EF4-FFF2-40B4-BE49-F238E27FC236}">
+                <a16:creationId xmlns:a16="http://schemas.microsoft.com/office/drawing/2014/main" id="{95BA2515-AC09-471F-AE89-E28C73561A85}"/>
+              </a:ext>
+            </a:extLst>
+          </p:cNvPr>
+          <p:cNvSpPr/>
+          <p:nvPr/>
+        </p:nvSpPr>
+        <p:spPr>
+          <a:xfrm>
+            <a:off x="73244" y="4705682"/>
+            <a:ext cx="5525698" cy="1015663"/>
+          </a:xfrm>
+          <a:prstGeom prst="rect">
+            <a:avLst/>
+          </a:prstGeom>
+          <a:noFill/>
+        </p:spPr>
+        <p:txBody>
+          <a:bodyPr wrap="square" lIns="91440" tIns="45720" rIns="91440" bIns="45720">
+            <a:spAutoFit/>
+          </a:bodyPr>
+          <a:lstStyle/>
+          <a:p>
+            <a:r>
+              <a:rPr lang="it-IT" sz="2000" b="0" cap="none" spc="0" dirty="0">
+                <a:ln w="0"/>
+                <a:solidFill>
+                  <a:schemeClr val="tx1"/>
+                </a:solidFill>
+                <a:effectLst>
+                  <a:outerShdw blurRad="38100" dist="19050" dir="2700000" algn="tl" rotWithShape="0">
+                    <a:schemeClr val="dk1">
+                      <a:alpha val="40000"/>
+                    </a:schemeClr>
+                  </a:outerShdw>
+                </a:effectLst>
+              </a:rPr>
+              <a:t>- Troppo tempo per ordinare il lavoro</a:t>
+            </a:r>
+          </a:p>
+          <a:p>
+            <a:r>
+              <a:rPr lang="it-IT" sz="2000" dirty="0">
+                <a:ln w="0"/>
+                <a:effectLst>
+                  <a:outerShdw blurRad="38100" dist="19050" dir="2700000" algn="tl" rotWithShape="0">
+                    <a:schemeClr val="dk1">
+                      <a:alpha val="40000"/>
+                    </a:schemeClr>
+                  </a:outerShdw>
+                </a:effectLst>
+              </a:rPr>
+              <a:t>- Troppo tempo per ricercare qualche informazione</a:t>
+            </a:r>
+          </a:p>
+        </p:txBody>
+      </p:sp>
+      <p:sp>
+        <p:nvSpPr>
+          <p:cNvPr id="15" name="Rettangolo 14">
+            <a:extLst>
+              <a:ext uri="{FF2B5EF4-FFF2-40B4-BE49-F238E27FC236}">
+                <a16:creationId xmlns:a16="http://schemas.microsoft.com/office/drawing/2014/main" id="{72E08EBF-2D8F-4914-A388-011CD1BA0E21}"/>
+              </a:ext>
+            </a:extLst>
+          </p:cNvPr>
+          <p:cNvSpPr/>
+          <p:nvPr/>
+        </p:nvSpPr>
+        <p:spPr>
+          <a:xfrm>
+            <a:off x="6666302" y="4705682"/>
+            <a:ext cx="5525698" cy="1631216"/>
+          </a:xfrm>
+          <a:prstGeom prst="rect">
+            <a:avLst/>
+          </a:prstGeom>
+          <a:noFill/>
+        </p:spPr>
+        <p:txBody>
+          <a:bodyPr wrap="square" lIns="91440" tIns="45720" rIns="91440" bIns="45720">
+            <a:spAutoFit/>
+          </a:bodyPr>
+          <a:lstStyle/>
+          <a:p>
+            <a:r>
+              <a:rPr lang="it-IT" sz="2000" dirty="0">
+                <a:ln w="0"/>
+                <a:effectLst>
+                  <a:outerShdw blurRad="38100" dist="19050" dir="2700000" algn="tl" rotWithShape="0">
+                    <a:schemeClr val="dk1">
+                      <a:alpha val="40000"/>
+                    </a:schemeClr>
+                  </a:outerShdw>
+                </a:effectLst>
+              </a:rPr>
+              <a:t>Quanto tempo ci vuole per ordinare il registro degli ordini?</a:t>
+            </a:r>
+          </a:p>
+          <a:p>
+            <a:r>
+              <a:rPr lang="it-IT" sz="2000" dirty="0">
+                <a:ln w="0"/>
+                <a:effectLst>
+                  <a:outerShdw blurRad="38100" dist="19050" dir="2700000" algn="tl" rotWithShape="0">
+                    <a:schemeClr val="dk1">
+                      <a:alpha val="40000"/>
+                    </a:schemeClr>
+                  </a:outerShdw>
+                </a:effectLst>
+              </a:rPr>
+              <a:t>Quanto tempo è necessario per contare i prodotti in magazzino?</a:t>
+            </a:r>
+          </a:p>
+          <a:p>
+            <a:endParaRPr lang="it-IT" sz="2000" dirty="0">
+              <a:ln w="0"/>
+              <a:effectLst>
+                <a:outerShdw blurRad="38100" dist="19050" dir="2700000" algn="tl" rotWithShape="0">
+                  <a:schemeClr val="dk1">
+                    <a:alpha val="40000"/>
+                  </a:schemeClr>
+                </a:outerShdw>
+              </a:effectLst>
+            </a:endParaRPr>
+          </a:p>
+        </p:txBody>
+      </p:sp>
+      <p:pic>
+        <p:nvPicPr>
+          <p:cNvPr id="7172" name="Picture 4" descr="Risultati immagini per bocciato">
+            <a:extLst>
+              <a:ext uri="{FF2B5EF4-FFF2-40B4-BE49-F238E27FC236}">
+                <a16:creationId xmlns:a16="http://schemas.microsoft.com/office/drawing/2014/main" id="{9B3D9E9A-C77C-46F4-BE13-443F4FF608A8}"/>
+              </a:ext>
+            </a:extLst>
+          </p:cNvPr>
+          <p:cNvPicPr>
+            <a:picLocks noChangeAspect="1" noChangeArrowheads="1"/>
+          </p:cNvPicPr>
+          <p:nvPr/>
+        </p:nvPicPr>
+        <p:blipFill>
+          <a:blip r:embed="rId3">
+            <a:extLst>
+              <a:ext uri="{28A0092B-C50C-407E-A947-70E740481C1C}">
+                <a14:useLocalDpi xmlns:a14="http://schemas.microsoft.com/office/drawing/2010/main" val="0"/>
+              </a:ext>
+            </a:extLst>
+          </a:blip>
+          <a:srcRect/>
+          <a:stretch>
+            <a:fillRect/>
+          </a:stretch>
+        </p:blipFill>
+        <p:spPr bwMode="auto">
+          <a:xfrm>
+            <a:off x="4035743" y="2916655"/>
+            <a:ext cx="2572949" cy="1473598"/>
+          </a:xfrm>
+          <a:prstGeom prst="rect">
+            <a:avLst/>
+          </a:prstGeom>
+          <a:noFill/>
+          <a:extLst>
+            <a:ext uri="{909E8E84-426E-40DD-AFC4-6F175D3DCCD1}">
+              <a14:hiddenFill xmlns:a14="http://schemas.microsoft.com/office/drawing/2010/main">
+                <a:solidFill>
+                  <a:srgbClr val="FFFFFF"/>
+                </a:solidFill>
+              </a14:hiddenFill>
+            </a:ext>
+          </a:extLst>
+        </p:spPr>
+      </p:pic>
+    </p:spTree>
+    <p:extLst>
+      <p:ext uri="{BB962C8B-B14F-4D97-AF65-F5344CB8AC3E}">
+        <p14:creationId xmlns:p14="http://schemas.microsoft.com/office/powerpoint/2010/main" val="4225976706"/>
+      </p:ext>
+    </p:extLst>
+  </p:cSld>
+  <p:clrMapOvr>
+    <a:masterClrMapping/>
+  </p:clrMapOvr>
+</p:sld>
+</file>
+
+<file path=ppt/slides/slide13.xml><?xml version="1.0" encoding="utf-8"?>
+<p:sld xmlns:a="http://schemas.openxmlformats.org/drawingml/2006/main" xmlns:r="http://schemas.openxmlformats.org/officeDocument/2006/relationships" xmlns:p="http://schemas.openxmlformats.org/presentationml/2006/main">
+  <p:cSld>
+    <p:spTree>
+      <p:nvGrpSpPr>
+        <p:cNvPr id="1" name=""/>
+        <p:cNvGrpSpPr/>
+        <p:nvPr/>
+      </p:nvGrpSpPr>
+      <p:grpSpPr>
+        <a:xfrm>
+          <a:off x="0" y="0"/>
+          <a:ext cx="0" cy="0"/>
+          <a:chOff x="0" y="0"/>
+          <a:chExt cx="0" cy="0"/>
+        </a:xfrm>
+      </p:grpSpPr>
+      <p:sp>
+        <p:nvSpPr>
+          <p:cNvPr id="5" name="Titolo 1">
+            <a:extLst>
+              <a:ext uri="{FF2B5EF4-FFF2-40B4-BE49-F238E27FC236}">
+                <a16:creationId xmlns:a16="http://schemas.microsoft.com/office/drawing/2014/main" id="{262DD9E5-D330-4BE5-AE12-73C4BC5571D9}"/>
+              </a:ext>
+            </a:extLst>
+          </p:cNvPr>
+          <p:cNvSpPr>
+            <a:spLocks noGrp="1"/>
+          </p:cNvSpPr>
+          <p:nvPr>
+            <p:ph type="title"/>
+          </p:nvPr>
+        </p:nvSpPr>
+        <p:spPr>
+          <a:xfrm>
+            <a:off x="0" y="0"/>
+            <a:ext cx="10058400" cy="1609344"/>
+          </a:xfrm>
+        </p:spPr>
+        <p:txBody>
+          <a:bodyPr>
+            <a:normAutofit/>
+          </a:bodyPr>
+          <a:lstStyle/>
+          <a:p>
+            <a:r>
+              <a:rPr lang="it-IT" sz="4400" b="1" dirty="0">
+                <a:latin typeface="+mn-lt"/>
+              </a:rPr>
+              <a:t>Come Si migliorano?</a:t>
+            </a:r>
+          </a:p>
+        </p:txBody>
+      </p:sp>
+      <p:sp>
+        <p:nvSpPr>
+          <p:cNvPr id="2" name="Rettangolo 1">
+            <a:extLst>
+              <a:ext uri="{FF2B5EF4-FFF2-40B4-BE49-F238E27FC236}">
+                <a16:creationId xmlns:a16="http://schemas.microsoft.com/office/drawing/2014/main" id="{DA506CC9-B609-467B-9F67-C95511C909C2}"/>
+              </a:ext>
+            </a:extLst>
+          </p:cNvPr>
+          <p:cNvSpPr/>
+          <p:nvPr/>
+        </p:nvSpPr>
+        <p:spPr>
+          <a:xfrm>
+            <a:off x="73244" y="1252427"/>
+            <a:ext cx="7324056" cy="646331"/>
+          </a:xfrm>
+          <a:prstGeom prst="rect">
+            <a:avLst/>
+          </a:prstGeom>
+          <a:noFill/>
+        </p:spPr>
+        <p:txBody>
+          <a:bodyPr wrap="none" lIns="91440" tIns="45720" rIns="91440" bIns="45720">
+            <a:spAutoFit/>
+          </a:bodyPr>
+          <a:lstStyle/>
+          <a:p>
+            <a:pPr algn="ctr"/>
+            <a:r>
+              <a:rPr lang="it-IT" sz="3600" b="0" cap="none" spc="0" dirty="0">
+                <a:ln w="0"/>
+                <a:solidFill>
+                  <a:schemeClr val="accent1"/>
+                </a:solidFill>
+                <a:effectLst>
+                  <a:outerShdw blurRad="38100" dist="25400" dir="5400000" algn="ctr" rotWithShape="0">
+                    <a:srgbClr val="6E747A">
+                      <a:alpha val="43000"/>
+                    </a:srgbClr>
+                  </a:outerShdw>
+                </a:effectLst>
+              </a:rPr>
+              <a:t>Eliminazione dei registri cartacei </a:t>
+            </a:r>
+          </a:p>
+        </p:txBody>
+      </p:sp>
+      <p:sp>
+        <p:nvSpPr>
+          <p:cNvPr id="8" name="Rettangolo 7">
+            <a:extLst>
+              <a:ext uri="{FF2B5EF4-FFF2-40B4-BE49-F238E27FC236}">
+                <a16:creationId xmlns:a16="http://schemas.microsoft.com/office/drawing/2014/main" id="{04980DB7-7539-4781-ABF2-80946328FE07}"/>
+              </a:ext>
+            </a:extLst>
+          </p:cNvPr>
+          <p:cNvSpPr/>
+          <p:nvPr/>
+        </p:nvSpPr>
+        <p:spPr>
+          <a:xfrm>
+            <a:off x="63604" y="4827355"/>
+            <a:ext cx="10536602" cy="646331"/>
+          </a:xfrm>
+          <a:prstGeom prst="rect">
+            <a:avLst/>
+          </a:prstGeom>
+          <a:noFill/>
+        </p:spPr>
+        <p:txBody>
+          <a:bodyPr wrap="none" lIns="91440" tIns="45720" rIns="91440" bIns="45720">
+            <a:spAutoFit/>
+          </a:bodyPr>
+          <a:lstStyle/>
+          <a:p>
+            <a:pPr algn="ctr"/>
+            <a:r>
+              <a:rPr lang="it-IT" sz="3600" b="0" cap="none" spc="0" dirty="0">
+                <a:ln w="0"/>
+                <a:solidFill>
+                  <a:schemeClr val="accent1"/>
+                </a:solidFill>
+                <a:effectLst>
+                  <a:outerShdw blurRad="38100" dist="25400" dir="5400000" algn="ctr" rotWithShape="0">
+                    <a:srgbClr val="6E747A">
+                      <a:alpha val="43000"/>
+                    </a:srgbClr>
+                  </a:outerShdw>
+                </a:effectLst>
+              </a:rPr>
+              <a:t>Informazioni organizzate in un’unica base di dati </a:t>
+            </a:r>
+          </a:p>
+        </p:txBody>
+      </p:sp>
+      <p:sp>
+        <p:nvSpPr>
+          <p:cNvPr id="9" name="Rettangolo 8">
+            <a:extLst>
+              <a:ext uri="{FF2B5EF4-FFF2-40B4-BE49-F238E27FC236}">
+                <a16:creationId xmlns:a16="http://schemas.microsoft.com/office/drawing/2014/main" id="{A91094AF-D1BC-4ACB-A051-4E06FACA77C1}"/>
+              </a:ext>
+            </a:extLst>
+          </p:cNvPr>
+          <p:cNvSpPr/>
+          <p:nvPr/>
+        </p:nvSpPr>
+        <p:spPr>
+          <a:xfrm>
+            <a:off x="73244" y="3056767"/>
+            <a:ext cx="7720767" cy="646331"/>
+          </a:xfrm>
+          <a:prstGeom prst="rect">
+            <a:avLst/>
+          </a:prstGeom>
+          <a:noFill/>
+        </p:spPr>
+        <p:txBody>
+          <a:bodyPr wrap="none" lIns="91440" tIns="45720" rIns="91440" bIns="45720">
+            <a:spAutoFit/>
+          </a:bodyPr>
+          <a:lstStyle/>
+          <a:p>
+            <a:pPr algn="ctr"/>
+            <a:r>
+              <a:rPr lang="it-IT" sz="3600" b="0" cap="none" spc="0" dirty="0">
+                <a:ln w="0"/>
+                <a:solidFill>
+                  <a:schemeClr val="accent1"/>
+                </a:solidFill>
+                <a:effectLst>
+                  <a:outerShdw blurRad="38100" dist="25400" dir="5400000" algn="ctr" rotWithShape="0">
+                    <a:srgbClr val="6E747A">
+                      <a:alpha val="43000"/>
+                    </a:srgbClr>
+                  </a:outerShdw>
+                </a:effectLst>
+              </a:rPr>
+              <a:t>Automazione delle attività aziendali</a:t>
+            </a:r>
+          </a:p>
+        </p:txBody>
+      </p:sp>
+      <p:sp>
+        <p:nvSpPr>
+          <p:cNvPr id="3" name="Rettangolo 2">
+            <a:extLst>
+              <a:ext uri="{FF2B5EF4-FFF2-40B4-BE49-F238E27FC236}">
+                <a16:creationId xmlns:a16="http://schemas.microsoft.com/office/drawing/2014/main" id="{3831DCF1-CABE-4BB6-A4E4-49EE869CE8D3}"/>
+              </a:ext>
+            </a:extLst>
+          </p:cNvPr>
+          <p:cNvSpPr/>
+          <p:nvPr/>
+        </p:nvSpPr>
+        <p:spPr>
+          <a:xfrm>
+            <a:off x="73244" y="1908253"/>
+            <a:ext cx="5525698" cy="1015663"/>
+          </a:xfrm>
+          <a:prstGeom prst="rect">
+            <a:avLst/>
+          </a:prstGeom>
+          <a:noFill/>
+        </p:spPr>
+        <p:txBody>
+          <a:bodyPr wrap="square" lIns="91440" tIns="45720" rIns="91440" bIns="45720">
+            <a:spAutoFit/>
+          </a:bodyPr>
+          <a:lstStyle/>
+          <a:p>
+            <a:r>
+              <a:rPr lang="it-IT" sz="2000" b="0" cap="none" spc="0" dirty="0">
+                <a:ln w="0"/>
+                <a:solidFill>
+                  <a:schemeClr val="tx1"/>
+                </a:solidFill>
+                <a:effectLst>
+                  <a:outerShdw blurRad="38100" dist="19050" dir="2700000" algn="tl" rotWithShape="0">
+                    <a:schemeClr val="dk1">
+                      <a:alpha val="40000"/>
+                    </a:schemeClr>
+                  </a:outerShdw>
+                </a:effectLst>
+              </a:rPr>
+              <a:t>Eliminazione dei registri in quanto possono causare confusione, sono poco affidabili e difficili da gestire </a:t>
+            </a:r>
+          </a:p>
+        </p:txBody>
+      </p:sp>
+      <p:sp>
+        <p:nvSpPr>
+          <p:cNvPr id="14" name="Rettangolo 13">
+            <a:extLst>
+              <a:ext uri="{FF2B5EF4-FFF2-40B4-BE49-F238E27FC236}">
+                <a16:creationId xmlns:a16="http://schemas.microsoft.com/office/drawing/2014/main" id="{95BA2515-AC09-471F-AE89-E28C73561A85}"/>
+              </a:ext>
+            </a:extLst>
+          </p:cNvPr>
+          <p:cNvSpPr/>
+          <p:nvPr/>
+        </p:nvSpPr>
+        <p:spPr>
+          <a:xfrm>
+            <a:off x="195305" y="3634321"/>
+            <a:ext cx="5525698" cy="1015663"/>
+          </a:xfrm>
+          <a:prstGeom prst="rect">
+            <a:avLst/>
+          </a:prstGeom>
+          <a:noFill/>
+        </p:spPr>
+        <p:txBody>
+          <a:bodyPr wrap="square" lIns="91440" tIns="45720" rIns="91440" bIns="45720">
+            <a:spAutoFit/>
+          </a:bodyPr>
+          <a:lstStyle/>
+          <a:p>
+            <a:r>
+              <a:rPr lang="it-IT" sz="2000" dirty="0">
+                <a:ln w="0"/>
+                <a:effectLst>
+                  <a:outerShdw blurRad="38100" dist="19050" dir="2700000" algn="tl" rotWithShape="0">
+                    <a:schemeClr val="dk1">
+                      <a:alpha val="40000"/>
+                    </a:schemeClr>
+                  </a:outerShdw>
+                </a:effectLst>
+              </a:rPr>
+              <a:t>Attività onerose, possono essere svolte con l’aiuto di un calcolatore che le possa rendere più semplici e veloci. </a:t>
+            </a:r>
+          </a:p>
+        </p:txBody>
+      </p:sp>
+      <p:sp>
+        <p:nvSpPr>
+          <p:cNvPr id="15" name="Rettangolo 14">
+            <a:extLst>
+              <a:ext uri="{FF2B5EF4-FFF2-40B4-BE49-F238E27FC236}">
+                <a16:creationId xmlns:a16="http://schemas.microsoft.com/office/drawing/2014/main" id="{72E08EBF-2D8F-4914-A388-011CD1BA0E21}"/>
+              </a:ext>
+            </a:extLst>
+          </p:cNvPr>
+          <p:cNvSpPr/>
+          <p:nvPr/>
+        </p:nvSpPr>
+        <p:spPr>
+          <a:xfrm>
+            <a:off x="195304" y="5398941"/>
+            <a:ext cx="6754135" cy="707886"/>
+          </a:xfrm>
+          <a:prstGeom prst="rect">
+            <a:avLst/>
+          </a:prstGeom>
+          <a:noFill/>
+        </p:spPr>
+        <p:txBody>
+          <a:bodyPr wrap="square" lIns="91440" tIns="45720" rIns="91440" bIns="45720">
+            <a:spAutoFit/>
+          </a:bodyPr>
+          <a:lstStyle/>
+          <a:p>
+            <a:r>
+              <a:rPr lang="it-IT" sz="2000" dirty="0">
+                <a:ln w="0"/>
+                <a:effectLst>
+                  <a:outerShdw blurRad="38100" dist="19050" dir="2700000" algn="tl" rotWithShape="0">
+                    <a:schemeClr val="dk1">
+                      <a:alpha val="40000"/>
+                    </a:schemeClr>
+                  </a:outerShdw>
+                </a:effectLst>
+              </a:rPr>
+              <a:t>Le informazioni sono opportunamente strutturate al fine di una reperibilità e gestione più semplice</a:t>
+            </a:r>
+          </a:p>
+        </p:txBody>
+      </p:sp>
+      <p:pic>
+        <p:nvPicPr>
+          <p:cNvPr id="8194" name="Picture 2" descr="Risultati immagini per tick">
+            <a:extLst>
+              <a:ext uri="{FF2B5EF4-FFF2-40B4-BE49-F238E27FC236}">
+                <a16:creationId xmlns:a16="http://schemas.microsoft.com/office/drawing/2014/main" id="{F4E79A6D-604C-40A6-A245-1D506EA9092F}"/>
+              </a:ext>
+            </a:extLst>
+          </p:cNvPr>
+          <p:cNvPicPr>
+            <a:picLocks noChangeAspect="1" noChangeArrowheads="1"/>
+          </p:cNvPicPr>
+          <p:nvPr/>
+        </p:nvPicPr>
+        <p:blipFill>
+          <a:blip r:embed="rId2">
+            <a:extLst>
+              <a:ext uri="{28A0092B-C50C-407E-A947-70E740481C1C}">
+                <a14:useLocalDpi xmlns:a14="http://schemas.microsoft.com/office/drawing/2010/main" val="0"/>
+              </a:ext>
+            </a:extLst>
+          </a:blip>
+          <a:srcRect/>
+          <a:stretch>
+            <a:fillRect/>
+          </a:stretch>
+        </p:blipFill>
+        <p:spPr bwMode="auto">
+          <a:xfrm>
+            <a:off x="7397300" y="1147585"/>
+            <a:ext cx="764736" cy="751173"/>
+          </a:xfrm>
+          <a:prstGeom prst="rect">
+            <a:avLst/>
+          </a:prstGeom>
+          <a:noFill/>
+          <a:extLst>
+            <a:ext uri="{909E8E84-426E-40DD-AFC4-6F175D3DCCD1}">
+              <a14:hiddenFill xmlns:a14="http://schemas.microsoft.com/office/drawing/2010/main">
+                <a:solidFill>
+                  <a:srgbClr val="FFFFFF"/>
+                </a:solidFill>
+              </a14:hiddenFill>
+            </a:ext>
+          </a:extLst>
+        </p:spPr>
+      </p:pic>
+      <p:pic>
+        <p:nvPicPr>
+          <p:cNvPr id="13" name="Picture 2" descr="Risultati immagini per tick">
+            <a:extLst>
+              <a:ext uri="{FF2B5EF4-FFF2-40B4-BE49-F238E27FC236}">
+                <a16:creationId xmlns:a16="http://schemas.microsoft.com/office/drawing/2014/main" id="{FBC3A8F0-5352-4C33-993B-594124853A2B}"/>
+              </a:ext>
+            </a:extLst>
+          </p:cNvPr>
+          <p:cNvPicPr>
+            <a:picLocks noChangeAspect="1" noChangeArrowheads="1"/>
+          </p:cNvPicPr>
+          <p:nvPr/>
+        </p:nvPicPr>
+        <p:blipFill>
+          <a:blip r:embed="rId2">
+            <a:extLst>
+              <a:ext uri="{28A0092B-C50C-407E-A947-70E740481C1C}">
+                <a14:useLocalDpi xmlns:a14="http://schemas.microsoft.com/office/drawing/2010/main" val="0"/>
+              </a:ext>
+            </a:extLst>
+          </a:blip>
+          <a:srcRect/>
+          <a:stretch>
+            <a:fillRect/>
+          </a:stretch>
+        </p:blipFill>
+        <p:spPr bwMode="auto">
+          <a:xfrm>
+            <a:off x="10636049" y="4647768"/>
+            <a:ext cx="764736" cy="751173"/>
+          </a:xfrm>
+          <a:prstGeom prst="rect">
+            <a:avLst/>
+          </a:prstGeom>
+          <a:noFill/>
+          <a:extLst>
+            <a:ext uri="{909E8E84-426E-40DD-AFC4-6F175D3DCCD1}">
+              <a14:hiddenFill xmlns:a14="http://schemas.microsoft.com/office/drawing/2010/main">
+                <a:solidFill>
+                  <a:srgbClr val="FFFFFF"/>
+                </a:solidFill>
+              </a14:hiddenFill>
+            </a:ext>
+          </a:extLst>
+        </p:spPr>
+      </p:pic>
+      <p:pic>
+        <p:nvPicPr>
+          <p:cNvPr id="16" name="Picture 2" descr="Risultati immagini per tick">
+            <a:extLst>
+              <a:ext uri="{FF2B5EF4-FFF2-40B4-BE49-F238E27FC236}">
+                <a16:creationId xmlns:a16="http://schemas.microsoft.com/office/drawing/2014/main" id="{4C539EFC-3075-47B5-8454-E2D1F37FC84F}"/>
+              </a:ext>
+            </a:extLst>
+          </p:cNvPr>
+          <p:cNvPicPr>
+            <a:picLocks noChangeAspect="1" noChangeArrowheads="1"/>
+          </p:cNvPicPr>
+          <p:nvPr/>
+        </p:nvPicPr>
+        <p:blipFill>
+          <a:blip r:embed="rId2">
+            <a:extLst>
+              <a:ext uri="{28A0092B-C50C-407E-A947-70E740481C1C}">
+                <a14:useLocalDpi xmlns:a14="http://schemas.microsoft.com/office/drawing/2010/main" val="0"/>
+              </a:ext>
+            </a:extLst>
+          </a:blip>
+          <a:srcRect/>
+          <a:stretch>
+            <a:fillRect/>
+          </a:stretch>
+        </p:blipFill>
+        <p:spPr bwMode="auto">
+          <a:xfrm>
+            <a:off x="8004654" y="2842763"/>
+            <a:ext cx="764736" cy="751173"/>
+          </a:xfrm>
+          <a:prstGeom prst="rect">
+            <a:avLst/>
+          </a:prstGeom>
+          <a:noFill/>
+          <a:extLst>
+            <a:ext uri="{909E8E84-426E-40DD-AFC4-6F175D3DCCD1}">
+              <a14:hiddenFill xmlns:a14="http://schemas.microsoft.com/office/drawing/2010/main">
+                <a:solidFill>
+                  <a:srgbClr val="FFFFFF"/>
+                </a:solidFill>
+              </a14:hiddenFill>
+            </a:ext>
+          </a:extLst>
+        </p:spPr>
+      </p:pic>
+    </p:spTree>
+    <p:extLst>
+      <p:ext uri="{BB962C8B-B14F-4D97-AF65-F5344CB8AC3E}">
+        <p14:creationId xmlns:p14="http://schemas.microsoft.com/office/powerpoint/2010/main" val="2331737736"/>
+      </p:ext>
+    </p:extLst>
+  </p:cSld>
+  <p:clrMapOvr>
+    <a:masterClrMapping/>
+  </p:clrMapOvr>
+</p:sld>
+</file>
+
+<file path=ppt/slides/slide14.xml><?xml version="1.0" encoding="utf-8"?>
+<p:sld xmlns:a="http://schemas.openxmlformats.org/drawingml/2006/main" xmlns:r="http://schemas.openxmlformats.org/officeDocument/2006/relationships" xmlns:p="http://schemas.openxmlformats.org/presentationml/2006/main">
+  <p:cSld>
+    <p:spTree>
+      <p:nvGrpSpPr>
+        <p:cNvPr id="1" name=""/>
+        <p:cNvGrpSpPr/>
+        <p:nvPr/>
+      </p:nvGrpSpPr>
+      <p:grpSpPr>
+        <a:xfrm>
+          <a:off x="0" y="0"/>
+          <a:ext cx="0" cy="0"/>
+          <a:chOff x="0" y="0"/>
+          <a:chExt cx="0" cy="0"/>
+        </a:xfrm>
+      </p:grpSpPr>
+      <p:sp>
+        <p:nvSpPr>
+          <p:cNvPr id="4" name="Rettangolo 3">
+            <a:extLst>
+              <a:ext uri="{FF2B5EF4-FFF2-40B4-BE49-F238E27FC236}">
+                <a16:creationId xmlns:a16="http://schemas.microsoft.com/office/drawing/2014/main" id="{FD77A96F-D9C1-4169-83DF-3CE6C666A5C8}"/>
+              </a:ext>
+            </a:extLst>
+          </p:cNvPr>
+          <p:cNvSpPr/>
+          <p:nvPr/>
+        </p:nvSpPr>
+        <p:spPr>
+          <a:xfrm>
+            <a:off x="839593" y="132919"/>
+            <a:ext cx="10512814" cy="923330"/>
+          </a:xfrm>
+          <a:prstGeom prst="rect">
+            <a:avLst/>
+          </a:prstGeom>
+          <a:noFill/>
+        </p:spPr>
+        <p:txBody>
+          <a:bodyPr wrap="none" lIns="91440" tIns="45720" rIns="91440" bIns="45720">
+            <a:spAutoFit/>
+          </a:bodyPr>
+          <a:lstStyle/>
+          <a:p>
+            <a:pPr algn="ctr"/>
+            <a:r>
+              <a:rPr lang="it-IT" sz="5400" b="1" cap="none" spc="0" dirty="0">
+                <a:ln w="12700">
+                  <a:solidFill>
+                    <a:schemeClr val="tx2">
+                      <a:lumMod val="75000"/>
+                    </a:schemeClr>
+                  </a:solidFill>
+                  <a:prstDash val="solid"/>
+                </a:ln>
+                <a:pattFill prst="dkUpDiag">
+                  <a:fgClr>
+                    <a:schemeClr val="tx2"/>
+                  </a:fgClr>
+                  <a:bgClr>
+                    <a:schemeClr val="tx2">
+                      <a:lumMod val="20000"/>
+                      <a:lumOff val="80000"/>
+                    </a:schemeClr>
+                  </a:bgClr>
+                </a:pattFill>
+                <a:effectLst>
+                  <a:outerShdw dist="38100" dir="2640000" algn="bl" rotWithShape="0">
+                    <a:schemeClr val="tx2">
+                      <a:lumMod val="75000"/>
+                    </a:schemeClr>
+                  </a:outerShdw>
+                </a:effectLst>
+              </a:rPr>
+              <a:t>Tutto questo realizzato grazie:</a:t>
+            </a:r>
+          </a:p>
+        </p:txBody>
+      </p:sp>
+      <p:pic>
+        <p:nvPicPr>
+          <p:cNvPr id="9218" name="Picture 2" descr="Risultati immagini per ERP">
+            <a:extLst>
+              <a:ext uri="{FF2B5EF4-FFF2-40B4-BE49-F238E27FC236}">
+                <a16:creationId xmlns:a16="http://schemas.microsoft.com/office/drawing/2014/main" id="{DFC50938-9B11-414F-8840-11F34A080474}"/>
+              </a:ext>
+            </a:extLst>
+          </p:cNvPr>
+          <p:cNvPicPr>
+            <a:picLocks noChangeAspect="1" noChangeArrowheads="1"/>
+          </p:cNvPicPr>
+          <p:nvPr/>
+        </p:nvPicPr>
+        <p:blipFill>
+          <a:blip r:embed="rId2">
+            <a:extLst>
+              <a:ext uri="{28A0092B-C50C-407E-A947-70E740481C1C}">
+                <a14:useLocalDpi xmlns:a14="http://schemas.microsoft.com/office/drawing/2010/main" val="0"/>
+              </a:ext>
+            </a:extLst>
+          </a:blip>
+          <a:srcRect/>
+          <a:stretch>
+            <a:fillRect/>
+          </a:stretch>
+        </p:blipFill>
+        <p:spPr bwMode="auto">
+          <a:xfrm>
+            <a:off x="0" y="1056249"/>
+            <a:ext cx="5303887" cy="5932171"/>
+          </a:xfrm>
+          <a:prstGeom prst="rect">
+            <a:avLst/>
+          </a:prstGeom>
+          <a:noFill/>
+          <a:extLst>
+            <a:ext uri="{909E8E84-426E-40DD-AFC4-6F175D3DCCD1}">
+              <a14:hiddenFill xmlns:a14="http://schemas.microsoft.com/office/drawing/2010/main">
+                <a:solidFill>
+                  <a:srgbClr val="FFFFFF"/>
+                </a:solidFill>
+              </a14:hiddenFill>
+            </a:ext>
+          </a:extLst>
+        </p:spPr>
+      </p:pic>
+      <p:pic>
+        <p:nvPicPr>
+          <p:cNvPr id="9220" name="Picture 4" descr="Risultati immagini per ERP">
+            <a:extLst>
+              <a:ext uri="{FF2B5EF4-FFF2-40B4-BE49-F238E27FC236}">
+                <a16:creationId xmlns:a16="http://schemas.microsoft.com/office/drawing/2014/main" id="{CC08050B-4155-49D0-892D-6BFCA66524D4}"/>
+              </a:ext>
+            </a:extLst>
+          </p:cNvPr>
+          <p:cNvPicPr>
+            <a:picLocks noChangeAspect="1" noChangeArrowheads="1"/>
+          </p:cNvPicPr>
+          <p:nvPr/>
+        </p:nvPicPr>
+        <p:blipFill>
+          <a:blip r:embed="rId3">
+            <a:extLst>
+              <a:ext uri="{28A0092B-C50C-407E-A947-70E740481C1C}">
+                <a14:useLocalDpi xmlns:a14="http://schemas.microsoft.com/office/drawing/2010/main" val="0"/>
+              </a:ext>
+            </a:extLst>
+          </a:blip>
+          <a:srcRect/>
+          <a:stretch>
+            <a:fillRect/>
+          </a:stretch>
+        </p:blipFill>
+        <p:spPr bwMode="auto">
+          <a:xfrm>
+            <a:off x="5240290" y="1490658"/>
+            <a:ext cx="3295650" cy="3295650"/>
+          </a:xfrm>
+          <a:prstGeom prst="rect">
+            <a:avLst/>
+          </a:prstGeom>
+          <a:noFill/>
+          <a:extLst>
+            <a:ext uri="{909E8E84-426E-40DD-AFC4-6F175D3DCCD1}">
+              <a14:hiddenFill xmlns:a14="http://schemas.microsoft.com/office/drawing/2010/main">
+                <a:solidFill>
+                  <a:srgbClr val="FFFFFF"/>
+                </a:solidFill>
+              </a14:hiddenFill>
+            </a:ext>
+          </a:extLst>
+        </p:spPr>
+      </p:pic>
+      <p:sp>
+        <p:nvSpPr>
+          <p:cNvPr id="5" name="Rettangolo 4">
+            <a:extLst>
+              <a:ext uri="{FF2B5EF4-FFF2-40B4-BE49-F238E27FC236}">
+                <a16:creationId xmlns:a16="http://schemas.microsoft.com/office/drawing/2014/main" id="{920F8E4C-DA28-486B-A96A-ECC4C9E581B8}"/>
+              </a:ext>
+            </a:extLst>
+          </p:cNvPr>
+          <p:cNvSpPr/>
+          <p:nvPr/>
+        </p:nvSpPr>
+        <p:spPr>
+          <a:xfrm>
+            <a:off x="8218441" y="1650476"/>
+            <a:ext cx="3572068" cy="923330"/>
+          </a:xfrm>
+          <a:prstGeom prst="rect">
+            <a:avLst/>
+          </a:prstGeom>
+          <a:noFill/>
+        </p:spPr>
+        <p:txBody>
+          <a:bodyPr wrap="none" lIns="91440" tIns="45720" rIns="91440" bIns="45720">
+            <a:spAutoFit/>
+          </a:bodyPr>
+          <a:lstStyle/>
+          <a:p>
+            <a:pPr algn="ctr"/>
+            <a:r>
+              <a:rPr lang="it-IT" sz="5400" b="0" cap="none" spc="0" dirty="0">
+                <a:ln w="0"/>
+                <a:solidFill>
+                  <a:schemeClr val="tx1"/>
+                </a:solidFill>
+                <a:effectLst>
+                  <a:outerShdw blurRad="38100" dist="19050" dir="2700000" algn="tl" rotWithShape="0">
+                    <a:schemeClr val="dk1">
+                      <a:alpha val="40000"/>
+                    </a:schemeClr>
+                  </a:outerShdw>
+                </a:effectLst>
+              </a:rPr>
+              <a:t>Enterprise</a:t>
+            </a:r>
+          </a:p>
+        </p:txBody>
+      </p:sp>
+      <p:sp>
+        <p:nvSpPr>
+          <p:cNvPr id="8" name="Rettangolo 7">
+            <a:extLst>
+              <a:ext uri="{FF2B5EF4-FFF2-40B4-BE49-F238E27FC236}">
+                <a16:creationId xmlns:a16="http://schemas.microsoft.com/office/drawing/2014/main" id="{E9B927A5-E2C7-40E4-B029-F5F00BE6BEEA}"/>
+              </a:ext>
+            </a:extLst>
+          </p:cNvPr>
+          <p:cNvSpPr/>
+          <p:nvPr/>
+        </p:nvSpPr>
+        <p:spPr>
+          <a:xfrm>
+            <a:off x="8218441" y="2729068"/>
+            <a:ext cx="3124125" cy="923330"/>
+          </a:xfrm>
+          <a:prstGeom prst="rect">
+            <a:avLst/>
+          </a:prstGeom>
+          <a:noFill/>
+        </p:spPr>
+        <p:txBody>
+          <a:bodyPr wrap="none" lIns="91440" tIns="45720" rIns="91440" bIns="45720">
+            <a:spAutoFit/>
+          </a:bodyPr>
+          <a:lstStyle/>
+          <a:p>
+            <a:pPr algn="ctr"/>
+            <a:r>
+              <a:rPr lang="it-IT" sz="5400" b="0" cap="none" spc="0" dirty="0">
+                <a:ln w="0"/>
+                <a:solidFill>
+                  <a:schemeClr val="tx1"/>
+                </a:solidFill>
+                <a:effectLst>
+                  <a:outerShdw blurRad="38100" dist="19050" dir="2700000" algn="tl" rotWithShape="0">
+                    <a:schemeClr val="dk1">
+                      <a:alpha val="40000"/>
+                    </a:schemeClr>
+                  </a:outerShdw>
+                </a:effectLst>
+              </a:rPr>
+              <a:t>Resource</a:t>
+            </a:r>
+          </a:p>
+        </p:txBody>
+      </p:sp>
+      <p:sp>
+        <p:nvSpPr>
+          <p:cNvPr id="9" name="Rettangolo 8">
+            <a:extLst>
+              <a:ext uri="{FF2B5EF4-FFF2-40B4-BE49-F238E27FC236}">
+                <a16:creationId xmlns:a16="http://schemas.microsoft.com/office/drawing/2014/main" id="{8B787F7A-6556-4578-9967-E9CF16CC4DF9}"/>
+              </a:ext>
+            </a:extLst>
+          </p:cNvPr>
+          <p:cNvSpPr/>
+          <p:nvPr/>
+        </p:nvSpPr>
+        <p:spPr>
+          <a:xfrm>
+            <a:off x="8218441" y="3754376"/>
+            <a:ext cx="2978701" cy="923330"/>
+          </a:xfrm>
+          <a:prstGeom prst="rect">
+            <a:avLst/>
+          </a:prstGeom>
+          <a:noFill/>
+        </p:spPr>
+        <p:txBody>
+          <a:bodyPr wrap="none" lIns="91440" tIns="45720" rIns="91440" bIns="45720">
+            <a:spAutoFit/>
+          </a:bodyPr>
+          <a:lstStyle/>
+          <a:p>
+            <a:pPr algn="ctr"/>
+            <a:r>
+              <a:rPr lang="it-IT" sz="5400" b="0" cap="none" spc="0" dirty="0">
+                <a:ln w="0"/>
+                <a:solidFill>
+                  <a:schemeClr val="tx1"/>
+                </a:solidFill>
+                <a:effectLst>
+                  <a:outerShdw blurRad="38100" dist="19050" dir="2700000" algn="tl" rotWithShape="0">
+                    <a:schemeClr val="dk1">
+                      <a:alpha val="40000"/>
+                    </a:schemeClr>
+                  </a:outerShdw>
+                </a:effectLst>
+              </a:rPr>
+              <a:t>Planning</a:t>
+            </a:r>
+          </a:p>
+        </p:txBody>
+      </p:sp>
+    </p:spTree>
+    <p:extLst>
+      <p:ext uri="{BB962C8B-B14F-4D97-AF65-F5344CB8AC3E}">
+        <p14:creationId xmlns:p14="http://schemas.microsoft.com/office/powerpoint/2010/main" val="2135493748"/>
+      </p:ext>
+    </p:extLst>
+  </p:cSld>
+  <p:clrMapOvr>
+    <a:masterClrMapping/>
+  </p:clrMapOvr>
+</p:sld>
+</file>
+
+<file path=ppt/slides/slide15.xml><?xml version="1.0" encoding="utf-8"?>
+<p:sld xmlns:a="http://schemas.openxmlformats.org/drawingml/2006/main" xmlns:r="http://schemas.openxmlformats.org/officeDocument/2006/relationships" xmlns:p="http://schemas.openxmlformats.org/presentationml/2006/main">
+  <p:cSld>
+    <p:spTree>
+      <p:nvGrpSpPr>
+        <p:cNvPr id="1" name=""/>
+        <p:cNvGrpSpPr/>
+        <p:nvPr/>
+      </p:nvGrpSpPr>
+      <p:grpSpPr>
+        <a:xfrm>
+          <a:off x="0" y="0"/>
+          <a:ext cx="0" cy="0"/>
+          <a:chOff x="0" y="0"/>
+          <a:chExt cx="0" cy="0"/>
+        </a:xfrm>
+      </p:grpSpPr>
+      <p:sp>
+        <p:nvSpPr>
+          <p:cNvPr id="4" name="Rettangolo 3">
+            <a:extLst>
+              <a:ext uri="{FF2B5EF4-FFF2-40B4-BE49-F238E27FC236}">
+                <a16:creationId xmlns:a16="http://schemas.microsoft.com/office/drawing/2014/main" id="{57349BA0-74EB-4174-9EDB-15D05649F0A4}"/>
+              </a:ext>
+            </a:extLst>
+          </p:cNvPr>
+          <p:cNvSpPr/>
+          <p:nvPr/>
+        </p:nvSpPr>
+        <p:spPr>
+          <a:xfrm>
+            <a:off x="0" y="139728"/>
+            <a:ext cx="9908482" cy="707886"/>
+          </a:xfrm>
+          <a:prstGeom prst="rect">
+            <a:avLst/>
+          </a:prstGeom>
+          <a:noFill/>
+        </p:spPr>
+        <p:txBody>
+          <a:bodyPr wrap="none" lIns="91440" tIns="45720" rIns="91440" bIns="45720">
+            <a:spAutoFit/>
+          </a:bodyPr>
+          <a:lstStyle/>
+          <a:p>
+            <a:pPr algn="ctr"/>
+            <a:r>
+              <a:rPr lang="it-IT" sz="4000" b="1" cap="none" spc="0" dirty="0">
+                <a:ln w="12700">
+                  <a:solidFill>
+                    <a:schemeClr val="accent3">
+                      <a:lumMod val="50000"/>
+                    </a:schemeClr>
+                  </a:solidFill>
+                  <a:prstDash val="solid"/>
+                </a:ln>
+                <a:pattFill prst="narHorz">
+                  <a:fgClr>
+                    <a:schemeClr val="accent3"/>
+                  </a:fgClr>
+                  <a:bgClr>
+                    <a:schemeClr val="accent3">
+                      <a:lumMod val="40000"/>
+                      <a:lumOff val="60000"/>
+                    </a:schemeClr>
+                  </a:bgClr>
+                </a:pattFill>
+                <a:effectLst>
+                  <a:innerShdw blurRad="177800">
+                    <a:schemeClr val="accent3">
+                      <a:lumMod val="50000"/>
+                    </a:schemeClr>
+                  </a:innerShdw>
+                </a:effectLst>
+              </a:rPr>
+              <a:t>Cos’è un sistema ERP e come vi aiuta?</a:t>
+            </a:r>
+          </a:p>
+        </p:txBody>
+      </p:sp>
+      <p:sp>
+        <p:nvSpPr>
+          <p:cNvPr id="6" name="Rettangolo 5">
+            <a:extLst>
+              <a:ext uri="{FF2B5EF4-FFF2-40B4-BE49-F238E27FC236}">
+                <a16:creationId xmlns:a16="http://schemas.microsoft.com/office/drawing/2014/main" id="{A6A4BA66-2D9A-4446-A856-A2EE9119526D}"/>
+              </a:ext>
+            </a:extLst>
+          </p:cNvPr>
+          <p:cNvSpPr/>
+          <p:nvPr/>
+        </p:nvSpPr>
+        <p:spPr>
+          <a:xfrm>
+            <a:off x="572266" y="1755459"/>
+            <a:ext cx="9851543" cy="4031873"/>
+          </a:xfrm>
+          <a:prstGeom prst="rect">
+            <a:avLst/>
+          </a:prstGeom>
+          <a:noFill/>
+        </p:spPr>
+        <p:txBody>
+          <a:bodyPr wrap="none" lIns="91440" tIns="45720" rIns="91440" bIns="45720">
+            <a:spAutoFit/>
+          </a:bodyPr>
+          <a:lstStyle/>
+          <a:p>
+            <a:r>
+              <a:rPr lang="it-IT" sz="3200" b="0" cap="none" spc="0" dirty="0">
+                <a:ln w="0"/>
+                <a:solidFill>
+                  <a:schemeClr val="tx1"/>
+                </a:solidFill>
+                <a:effectLst>
+                  <a:outerShdw blurRad="38100" dist="19050" dir="2700000" algn="tl" rotWithShape="0">
+                    <a:schemeClr val="dk1">
+                      <a:alpha val="40000"/>
+                    </a:schemeClr>
+                  </a:outerShdw>
+                </a:effectLst>
+              </a:rPr>
+              <a:t>Un sistema ERP :</a:t>
+            </a:r>
+          </a:p>
+          <a:p>
+            <a:pPr marL="457200" indent="-457200">
+              <a:buFontTx/>
+              <a:buChar char="-"/>
+            </a:pPr>
+            <a:r>
+              <a:rPr lang="it-IT" sz="3200" b="0" cap="none" spc="0" dirty="0">
+                <a:ln w="0"/>
+                <a:solidFill>
+                  <a:schemeClr val="tx1"/>
+                </a:solidFill>
+                <a:effectLst>
+                  <a:outerShdw blurRad="38100" dist="19050" dir="2700000" algn="tl" rotWithShape="0">
+                    <a:schemeClr val="dk1">
+                      <a:alpha val="40000"/>
+                    </a:schemeClr>
+                  </a:outerShdw>
+                </a:effectLst>
+              </a:rPr>
+              <a:t>Consente di gestire tutte le informazioni r</a:t>
+            </a:r>
+            <a:r>
+              <a:rPr lang="it-IT" sz="3200" dirty="0">
+                <a:ln w="0"/>
+                <a:effectLst>
+                  <a:outerShdw blurRad="38100" dist="19050" dir="2700000" algn="tl" rotWithShape="0">
+                    <a:schemeClr val="dk1">
+                      <a:alpha val="40000"/>
+                    </a:schemeClr>
+                  </a:outerShdw>
+                </a:effectLst>
+              </a:rPr>
+              <a:t>ilevanti</a:t>
+            </a:r>
+            <a:br>
+              <a:rPr lang="it-IT" sz="3200" dirty="0">
+                <a:ln w="0"/>
+                <a:effectLst>
+                  <a:outerShdw blurRad="38100" dist="19050" dir="2700000" algn="tl" rotWithShape="0">
+                    <a:schemeClr val="dk1">
+                      <a:alpha val="40000"/>
+                    </a:schemeClr>
+                  </a:outerShdw>
+                </a:effectLst>
+              </a:rPr>
+            </a:br>
+            <a:r>
+              <a:rPr lang="it-IT" sz="3200" dirty="0">
+                <a:ln w="0"/>
+                <a:effectLst>
+                  <a:outerShdw blurRad="38100" dist="19050" dir="2700000" algn="tl" rotWithShape="0">
+                    <a:schemeClr val="dk1">
+                      <a:alpha val="40000"/>
+                    </a:schemeClr>
+                  </a:outerShdw>
+                </a:effectLst>
+              </a:rPr>
+              <a:t> e le transazioni che operano su di esse </a:t>
+            </a:r>
+          </a:p>
+          <a:p>
+            <a:endParaRPr lang="it-IT" sz="3200" dirty="0">
+              <a:ln w="0"/>
+              <a:effectLst>
+                <a:outerShdw blurRad="38100" dist="19050" dir="2700000" algn="tl" rotWithShape="0">
+                  <a:schemeClr val="dk1">
+                    <a:alpha val="40000"/>
+                  </a:schemeClr>
+                </a:outerShdw>
+              </a:effectLst>
+            </a:endParaRPr>
+          </a:p>
+          <a:p>
+            <a:pPr marL="457200" indent="-457200">
+              <a:buFontTx/>
+              <a:buChar char="-"/>
+            </a:pPr>
+            <a:r>
+              <a:rPr lang="it-IT" sz="3200" b="0" cap="none" spc="0" dirty="0">
+                <a:ln w="0"/>
+                <a:solidFill>
+                  <a:schemeClr val="tx1"/>
+                </a:solidFill>
+                <a:effectLst>
+                  <a:outerShdw blurRad="38100" dist="19050" dir="2700000" algn="tl" rotWithShape="0">
+                    <a:schemeClr val="dk1">
+                      <a:alpha val="40000"/>
+                    </a:schemeClr>
+                  </a:outerShdw>
+                </a:effectLst>
+              </a:rPr>
+              <a:t>Consente l’esecuzi</a:t>
+            </a:r>
+            <a:r>
+              <a:rPr lang="it-IT" sz="3200" dirty="0">
+                <a:ln w="0"/>
+                <a:effectLst>
+                  <a:outerShdw blurRad="38100" dist="19050" dir="2700000" algn="tl" rotWithShape="0">
+                    <a:schemeClr val="dk1">
+                      <a:alpha val="40000"/>
+                    </a:schemeClr>
+                  </a:outerShdw>
+                </a:effectLst>
+              </a:rPr>
+              <a:t>one coordinata dei </a:t>
+            </a:r>
+            <a:br>
+              <a:rPr lang="it-IT" sz="3200" dirty="0">
+                <a:ln w="0"/>
+                <a:effectLst>
+                  <a:outerShdw blurRad="38100" dist="19050" dir="2700000" algn="tl" rotWithShape="0">
+                    <a:schemeClr val="dk1">
+                      <a:alpha val="40000"/>
+                    </a:schemeClr>
+                  </a:outerShdw>
+                </a:effectLst>
+              </a:rPr>
+            </a:br>
+            <a:r>
+              <a:rPr lang="it-IT" sz="3200" dirty="0">
+                <a:ln w="0"/>
+                <a:effectLst>
+                  <a:outerShdw blurRad="38100" dist="19050" dir="2700000" algn="tl" rotWithShape="0">
+                    <a:schemeClr val="dk1">
+                      <a:alpha val="40000"/>
+                    </a:schemeClr>
+                  </a:outerShdw>
+                </a:effectLst>
+              </a:rPr>
+              <a:t>	processi interni all’azienda</a:t>
+            </a:r>
+          </a:p>
+          <a:p>
+            <a:endParaRPr lang="it-IT" sz="3200" dirty="0">
+              <a:ln w="0"/>
+              <a:effectLst>
+                <a:outerShdw blurRad="38100" dist="19050" dir="2700000" algn="tl" rotWithShape="0">
+                  <a:schemeClr val="dk1">
+                    <a:alpha val="40000"/>
+                  </a:schemeClr>
+                </a:outerShdw>
+              </a:effectLst>
+            </a:endParaRPr>
+          </a:p>
+          <a:p>
+            <a:r>
+              <a:rPr lang="it-IT" sz="3200" b="0" cap="none" spc="0" dirty="0">
+                <a:ln w="0"/>
+                <a:solidFill>
+                  <a:schemeClr val="tx1"/>
+                </a:solidFill>
+                <a:effectLst>
+                  <a:outerShdw blurRad="38100" dist="19050" dir="2700000" algn="tl" rotWithShape="0">
+                    <a:schemeClr val="dk1">
+                      <a:alpha val="40000"/>
+                    </a:schemeClr>
+                  </a:outerShdw>
+                </a:effectLst>
+              </a:rPr>
+              <a:t>- Supporta il controllo di tut</a:t>
+            </a:r>
+            <a:r>
+              <a:rPr lang="it-IT" sz="3200" dirty="0">
+                <a:ln w="0"/>
+                <a:effectLst>
+                  <a:outerShdw blurRad="38100" dist="19050" dir="2700000" algn="tl" rotWithShape="0">
+                    <a:schemeClr val="dk1">
+                      <a:alpha val="40000"/>
+                    </a:schemeClr>
+                  </a:outerShdw>
+                </a:effectLst>
+              </a:rPr>
+              <a:t>te le risorse aziendali</a:t>
+            </a:r>
+            <a:endParaRPr lang="it-IT" sz="3200" b="0" cap="none" spc="0" dirty="0">
+              <a:ln w="0"/>
+              <a:solidFill>
+                <a:schemeClr val="tx1"/>
+              </a:solidFill>
+              <a:effectLst>
+                <a:outerShdw blurRad="38100" dist="19050" dir="2700000" algn="tl" rotWithShape="0">
+                  <a:schemeClr val="dk1">
+                    <a:alpha val="40000"/>
+                  </a:schemeClr>
+                </a:outerShdw>
+              </a:effectLst>
+            </a:endParaRPr>
+          </a:p>
+        </p:txBody>
+      </p:sp>
+      <p:pic>
+        <p:nvPicPr>
+          <p:cNvPr id="8" name="Picture 2" descr="Risultati immagini per tick">
+            <a:extLst>
+              <a:ext uri="{FF2B5EF4-FFF2-40B4-BE49-F238E27FC236}">
+                <a16:creationId xmlns:a16="http://schemas.microsoft.com/office/drawing/2014/main" id="{DFC6616A-4E63-4F2D-8615-2E75A42F4CD4}"/>
+              </a:ext>
+            </a:extLst>
+          </p:cNvPr>
+          <p:cNvPicPr>
+            <a:picLocks noChangeAspect="1" noChangeArrowheads="1"/>
+          </p:cNvPicPr>
+          <p:nvPr/>
+        </p:nvPicPr>
+        <p:blipFill>
+          <a:blip r:embed="rId2">
+            <a:extLst>
+              <a:ext uri="{28A0092B-C50C-407E-A947-70E740481C1C}">
+                <a14:useLocalDpi xmlns:a14="http://schemas.microsoft.com/office/drawing/2010/main" val="0"/>
+              </a:ext>
+            </a:extLst>
+          </a:blip>
+          <a:srcRect/>
+          <a:stretch>
+            <a:fillRect/>
+          </a:stretch>
+        </p:blipFill>
+        <p:spPr bwMode="auto">
+          <a:xfrm>
+            <a:off x="10554837" y="2634070"/>
+            <a:ext cx="764736" cy="751173"/>
+          </a:xfrm>
+          <a:prstGeom prst="rect">
+            <a:avLst/>
+          </a:prstGeom>
+          <a:noFill/>
+          <a:extLst>
+            <a:ext uri="{909E8E84-426E-40DD-AFC4-6F175D3DCCD1}">
+              <a14:hiddenFill xmlns:a14="http://schemas.microsoft.com/office/drawing/2010/main">
+                <a:solidFill>
+                  <a:srgbClr val="FFFFFF"/>
+                </a:solidFill>
+              </a14:hiddenFill>
+            </a:ext>
+          </a:extLst>
+        </p:spPr>
+      </p:pic>
+      <p:pic>
+        <p:nvPicPr>
+          <p:cNvPr id="9" name="Picture 2" descr="Risultati immagini per tick">
+            <a:extLst>
+              <a:ext uri="{FF2B5EF4-FFF2-40B4-BE49-F238E27FC236}">
+                <a16:creationId xmlns:a16="http://schemas.microsoft.com/office/drawing/2014/main" id="{06C26923-C054-40D1-AB6E-B04343C4FAD7}"/>
+              </a:ext>
+            </a:extLst>
+          </p:cNvPr>
+          <p:cNvPicPr>
+            <a:picLocks noChangeAspect="1" noChangeArrowheads="1"/>
+          </p:cNvPicPr>
+          <p:nvPr/>
+        </p:nvPicPr>
+        <p:blipFill>
+          <a:blip r:embed="rId2">
+            <a:extLst>
+              <a:ext uri="{28A0092B-C50C-407E-A947-70E740481C1C}">
+                <a14:useLocalDpi xmlns:a14="http://schemas.microsoft.com/office/drawing/2010/main" val="0"/>
+              </a:ext>
+            </a:extLst>
+          </a:blip>
+          <a:srcRect/>
+          <a:stretch>
+            <a:fillRect/>
+          </a:stretch>
+        </p:blipFill>
+        <p:spPr bwMode="auto">
+          <a:xfrm>
+            <a:off x="10554837" y="4835240"/>
+            <a:ext cx="764736" cy="751173"/>
+          </a:xfrm>
+          <a:prstGeom prst="rect">
+            <a:avLst/>
+          </a:prstGeom>
+          <a:noFill/>
+          <a:extLst>
+            <a:ext uri="{909E8E84-426E-40DD-AFC4-6F175D3DCCD1}">
+              <a14:hiddenFill xmlns:a14="http://schemas.microsoft.com/office/drawing/2010/main">
+                <a:solidFill>
+                  <a:srgbClr val="FFFFFF"/>
+                </a:solidFill>
+              </a14:hiddenFill>
+            </a:ext>
+          </a:extLst>
+        </p:spPr>
+      </p:pic>
+      <p:pic>
+        <p:nvPicPr>
+          <p:cNvPr id="10" name="Picture 2" descr="Risultati immagini per tick">
+            <a:extLst>
+              <a:ext uri="{FF2B5EF4-FFF2-40B4-BE49-F238E27FC236}">
+                <a16:creationId xmlns:a16="http://schemas.microsoft.com/office/drawing/2014/main" id="{81328780-3826-4D9D-BAA9-F93E078D65CD}"/>
+              </a:ext>
+            </a:extLst>
+          </p:cNvPr>
+          <p:cNvPicPr>
+            <a:picLocks noChangeAspect="1" noChangeArrowheads="1"/>
+          </p:cNvPicPr>
+          <p:nvPr/>
+        </p:nvPicPr>
+        <p:blipFill>
+          <a:blip r:embed="rId2">
+            <a:extLst>
+              <a:ext uri="{28A0092B-C50C-407E-A947-70E740481C1C}">
+                <a14:useLocalDpi xmlns:a14="http://schemas.microsoft.com/office/drawing/2010/main" val="0"/>
+              </a:ext>
+            </a:extLst>
+          </a:blip>
+          <a:srcRect/>
+          <a:stretch>
+            <a:fillRect/>
+          </a:stretch>
+        </p:blipFill>
+        <p:spPr bwMode="auto">
+          <a:xfrm>
+            <a:off x="10554837" y="3671382"/>
+            <a:ext cx="764736" cy="751173"/>
+          </a:xfrm>
+          <a:prstGeom prst="rect">
+            <a:avLst/>
+          </a:prstGeom>
+          <a:noFill/>
+          <a:extLst>
+            <a:ext uri="{909E8E84-426E-40DD-AFC4-6F175D3DCCD1}">
+              <a14:hiddenFill xmlns:a14="http://schemas.microsoft.com/office/drawing/2010/main">
+                <a:solidFill>
+                  <a:srgbClr val="FFFFFF"/>
+                </a:solidFill>
+              </a14:hiddenFill>
+            </a:ext>
+          </a:extLst>
+        </p:spPr>
+      </p:pic>
+    </p:spTree>
+    <p:extLst>
+      <p:ext uri="{BB962C8B-B14F-4D97-AF65-F5344CB8AC3E}">
+        <p14:creationId xmlns:p14="http://schemas.microsoft.com/office/powerpoint/2010/main" val="696592485"/>
+      </p:ext>
+    </p:extLst>
+  </p:cSld>
+  <p:clrMapOvr>
+    <a:masterClrMapping/>
+  </p:clrMapOvr>
+</p:sld>
+</file>
+
+<file path=ppt/slides/slide16.xml><?xml version="1.0" encoding="utf-8"?>
+<p:sld xmlns:a="http://schemas.openxmlformats.org/drawingml/2006/main" xmlns:r="http://schemas.openxmlformats.org/officeDocument/2006/relationships" xmlns:p="http://schemas.openxmlformats.org/presentationml/2006/main">
+  <p:cSld>
+    <p:spTree>
+      <p:nvGrpSpPr>
+        <p:cNvPr id="1" name=""/>
+        <p:cNvGrpSpPr/>
+        <p:nvPr/>
+      </p:nvGrpSpPr>
+      <p:grpSpPr>
+        <a:xfrm>
+          <a:off x="0" y="0"/>
+          <a:ext cx="0" cy="0"/>
+          <a:chOff x="0" y="0"/>
+          <a:chExt cx="0" cy="0"/>
+        </a:xfrm>
+      </p:grpSpPr>
+      <p:sp>
+        <p:nvSpPr>
+          <p:cNvPr id="4" name="Rettangolo 3">
+            <a:extLst>
+              <a:ext uri="{FF2B5EF4-FFF2-40B4-BE49-F238E27FC236}">
+                <a16:creationId xmlns:a16="http://schemas.microsoft.com/office/drawing/2014/main" id="{57349BA0-74EB-4174-9EDB-15D05649F0A4}"/>
+              </a:ext>
+            </a:extLst>
+          </p:cNvPr>
+          <p:cNvSpPr/>
+          <p:nvPr/>
+        </p:nvSpPr>
+        <p:spPr>
+          <a:xfrm>
+            <a:off x="572266" y="239671"/>
+            <a:ext cx="6226320" cy="830997"/>
+          </a:xfrm>
+          <a:prstGeom prst="rect">
+            <a:avLst/>
+          </a:prstGeom>
+          <a:noFill/>
+        </p:spPr>
+        <p:txBody>
+          <a:bodyPr wrap="none" lIns="91440" tIns="45720" rIns="91440" bIns="45720">
+            <a:spAutoFit/>
+          </a:bodyPr>
+          <a:lstStyle/>
+          <a:p>
+            <a:pPr algn="ctr"/>
+            <a:r>
+              <a:rPr lang="it-IT" sz="4800" b="1" cap="none" spc="0" dirty="0">
+                <a:ln w="12700">
+                  <a:solidFill>
+                    <a:schemeClr val="accent3">
+                      <a:lumMod val="50000"/>
+                    </a:schemeClr>
+                  </a:solidFill>
+                  <a:prstDash val="solid"/>
+                </a:ln>
+                <a:pattFill prst="narHorz">
+                  <a:fgClr>
+                    <a:schemeClr val="accent3"/>
+                  </a:fgClr>
+                  <a:bgClr>
+                    <a:schemeClr val="accent3">
+                      <a:lumMod val="40000"/>
+                      <a:lumOff val="60000"/>
+                    </a:schemeClr>
+                  </a:bgClr>
+                </a:pattFill>
+                <a:effectLst>
+                  <a:innerShdw blurRad="177800">
+                    <a:schemeClr val="accent3">
+                      <a:lumMod val="50000"/>
+                    </a:schemeClr>
+                  </a:innerShdw>
+                </a:effectLst>
+              </a:rPr>
+              <a:t>L’ERP scelto per voi</a:t>
+            </a:r>
+          </a:p>
+        </p:txBody>
+      </p:sp>
+      <p:pic>
+        <p:nvPicPr>
+          <p:cNvPr id="10242" name="Picture 2" descr="Risultati immagini per odoo">
+            <a:extLst>
+              <a:ext uri="{FF2B5EF4-FFF2-40B4-BE49-F238E27FC236}">
+                <a16:creationId xmlns:a16="http://schemas.microsoft.com/office/drawing/2014/main" id="{25D99690-3205-430A-AC27-DCE855A9C1F7}"/>
+              </a:ext>
+            </a:extLst>
+          </p:cNvPr>
+          <p:cNvPicPr>
+            <a:picLocks noChangeAspect="1" noChangeArrowheads="1"/>
+          </p:cNvPicPr>
+          <p:nvPr/>
+        </p:nvPicPr>
+        <p:blipFill>
+          <a:blip r:embed="rId2">
+            <a:extLst>
+              <a:ext uri="{28A0092B-C50C-407E-A947-70E740481C1C}">
+                <a14:useLocalDpi xmlns:a14="http://schemas.microsoft.com/office/drawing/2010/main" val="0"/>
+              </a:ext>
+            </a:extLst>
+          </a:blip>
+          <a:srcRect/>
+          <a:stretch>
+            <a:fillRect/>
+          </a:stretch>
+        </p:blipFill>
+        <p:spPr bwMode="auto">
+          <a:xfrm>
+            <a:off x="222251" y="1019260"/>
+            <a:ext cx="6721475" cy="5599069"/>
+          </a:xfrm>
+          <a:prstGeom prst="rect">
+            <a:avLst/>
+          </a:prstGeom>
+          <a:noFill/>
+          <a:extLst>
+            <a:ext uri="{909E8E84-426E-40DD-AFC4-6F175D3DCCD1}">
+              <a14:hiddenFill xmlns:a14="http://schemas.microsoft.com/office/drawing/2010/main">
+                <a:solidFill>
+                  <a:srgbClr val="FFFFFF"/>
+                </a:solidFill>
+              </a14:hiddenFill>
+            </a:ext>
+          </a:extLst>
+        </p:spPr>
+      </p:pic>
+      <p:pic>
+        <p:nvPicPr>
+          <p:cNvPr id="2" name="Immagine 1">
+            <a:extLst>
+              <a:ext uri="{FF2B5EF4-FFF2-40B4-BE49-F238E27FC236}">
+                <a16:creationId xmlns:a16="http://schemas.microsoft.com/office/drawing/2014/main" id="{7F64E53A-5191-407C-93CA-7FFA3345C5C2}"/>
+              </a:ext>
+            </a:extLst>
+          </p:cNvPr>
+          <p:cNvPicPr>
+            <a:picLocks noChangeAspect="1"/>
+          </p:cNvPicPr>
+          <p:nvPr/>
+        </p:nvPicPr>
+        <p:blipFill>
+          <a:blip r:embed="rId3"/>
+          <a:stretch>
+            <a:fillRect/>
+          </a:stretch>
+        </p:blipFill>
+        <p:spPr>
+          <a:xfrm>
+            <a:off x="7058989" y="2983919"/>
+            <a:ext cx="5133011" cy="3698613"/>
+          </a:xfrm>
+          <a:prstGeom prst="rect">
+            <a:avLst/>
+          </a:prstGeom>
+        </p:spPr>
+      </p:pic>
+      <p:sp>
+        <p:nvSpPr>
+          <p:cNvPr id="3" name="Rettangolo 2">
+            <a:extLst>
+              <a:ext uri="{FF2B5EF4-FFF2-40B4-BE49-F238E27FC236}">
+                <a16:creationId xmlns:a16="http://schemas.microsoft.com/office/drawing/2014/main" id="{8F6D40B6-027C-4E29-8810-FE121B3C8E1C}"/>
+              </a:ext>
+            </a:extLst>
+          </p:cNvPr>
+          <p:cNvSpPr/>
+          <p:nvPr/>
+        </p:nvSpPr>
+        <p:spPr>
+          <a:xfrm>
+            <a:off x="5742472" y="1373203"/>
+            <a:ext cx="5957785" cy="954107"/>
+          </a:xfrm>
+          <a:prstGeom prst="rect">
+            <a:avLst/>
+          </a:prstGeom>
+          <a:noFill/>
+        </p:spPr>
+        <p:txBody>
+          <a:bodyPr wrap="none" lIns="91440" tIns="45720" rIns="91440" bIns="45720">
+            <a:spAutoFit/>
+          </a:bodyPr>
+          <a:lstStyle/>
+          <a:p>
+            <a:r>
+              <a:rPr lang="it-IT" sz="2800" b="0" cap="none" spc="0" dirty="0">
+                <a:ln w="0"/>
+                <a:solidFill>
+                  <a:schemeClr val="tx1"/>
+                </a:solidFill>
+                <a:effectLst>
+                  <a:outerShdw blurRad="38100" dist="19050" dir="2700000" algn="tl" rotWithShape="0">
+                    <a:schemeClr val="dk1">
+                      <a:alpha val="40000"/>
+                    </a:schemeClr>
+                  </a:outerShdw>
+                </a:effectLst>
+              </a:rPr>
+              <a:t>S</a:t>
+            </a:r>
+            <a:r>
+              <a:rPr lang="it-IT" sz="2800" dirty="0">
+                <a:ln w="0"/>
+                <a:effectLst>
+                  <a:outerShdw blurRad="38100" dist="19050" dir="2700000" algn="tl" rotWithShape="0">
+                    <a:schemeClr val="dk1">
+                      <a:alpha val="40000"/>
+                    </a:schemeClr>
+                  </a:outerShdw>
+                </a:effectLst>
+              </a:rPr>
+              <a:t>istema di facile uso. </a:t>
+            </a:r>
+            <a:br>
+              <a:rPr lang="it-IT" sz="2800" dirty="0">
+                <a:ln w="0"/>
+                <a:effectLst>
+                  <a:outerShdw blurRad="38100" dist="19050" dir="2700000" algn="tl" rotWithShape="0">
+                    <a:schemeClr val="dk1">
+                      <a:alpha val="40000"/>
+                    </a:schemeClr>
+                  </a:outerShdw>
+                </a:effectLst>
+              </a:rPr>
+            </a:br>
+            <a:r>
+              <a:rPr lang="it-IT" sz="2800" dirty="0">
+                <a:ln w="0"/>
+                <a:effectLst>
+                  <a:outerShdw blurRad="38100" dist="19050" dir="2700000" algn="tl" rotWithShape="0">
+                    <a:schemeClr val="dk1">
+                      <a:alpha val="40000"/>
+                    </a:schemeClr>
+                  </a:outerShdw>
+                </a:effectLst>
+              </a:rPr>
+              <a:t>Supporto a tutti i processi aziendali</a:t>
+            </a:r>
+            <a:endParaRPr lang="it-IT" sz="2800" b="0" cap="none" spc="0" dirty="0">
+              <a:ln w="0"/>
+              <a:solidFill>
+                <a:schemeClr val="tx1"/>
+              </a:solidFill>
+              <a:effectLst>
+                <a:outerShdw blurRad="38100" dist="19050" dir="2700000" algn="tl" rotWithShape="0">
+                  <a:schemeClr val="dk1">
+                    <a:alpha val="40000"/>
+                  </a:schemeClr>
+                </a:outerShdw>
+              </a:effectLst>
+            </a:endParaRPr>
+          </a:p>
+        </p:txBody>
+      </p:sp>
+    </p:spTree>
+    <p:extLst>
+      <p:ext uri="{BB962C8B-B14F-4D97-AF65-F5344CB8AC3E}">
+        <p14:creationId xmlns:p14="http://schemas.microsoft.com/office/powerpoint/2010/main" val="1829104722"/>
+      </p:ext>
+    </p:extLst>
+  </p:cSld>
+  <p:clrMapOvr>
+    <a:masterClrMapping/>
+  </p:clrMapOvr>
+</p:sld>
+</file>
+
+<file path=ppt/slides/slide17.xml><?xml version="1.0" encoding="utf-8"?>
+<p:sld xmlns:a="http://schemas.openxmlformats.org/drawingml/2006/main" xmlns:r="http://schemas.openxmlformats.org/officeDocument/2006/relationships" xmlns:p="http://schemas.openxmlformats.org/presentationml/2006/main">
+  <p:cSld>
+    <p:spTree>
+      <p:nvGrpSpPr>
+        <p:cNvPr id="1" name=""/>
+        <p:cNvGrpSpPr/>
+        <p:nvPr/>
+      </p:nvGrpSpPr>
+      <p:grpSpPr>
+        <a:xfrm>
+          <a:off x="0" y="0"/>
+          <a:ext cx="0" cy="0"/>
+          <a:chOff x="0" y="0"/>
+          <a:chExt cx="0" cy="0"/>
+        </a:xfrm>
+      </p:grpSpPr>
+      <p:sp>
+        <p:nvSpPr>
+          <p:cNvPr id="4" name="Rettangolo 3">
+            <a:extLst>
+              <a:ext uri="{FF2B5EF4-FFF2-40B4-BE49-F238E27FC236}">
+                <a16:creationId xmlns:a16="http://schemas.microsoft.com/office/drawing/2014/main" id="{57349BA0-74EB-4174-9EDB-15D05649F0A4}"/>
+              </a:ext>
+            </a:extLst>
+          </p:cNvPr>
+          <p:cNvSpPr/>
+          <p:nvPr/>
+        </p:nvSpPr>
+        <p:spPr>
+          <a:xfrm>
+            <a:off x="222251" y="254259"/>
+            <a:ext cx="4748929" cy="830997"/>
+          </a:xfrm>
+          <a:prstGeom prst="rect">
+            <a:avLst/>
+          </a:prstGeom>
+          <a:noFill/>
+        </p:spPr>
+        <p:txBody>
+          <a:bodyPr wrap="none" lIns="91440" tIns="45720" rIns="91440" bIns="45720">
+            <a:spAutoFit/>
+          </a:bodyPr>
+          <a:lstStyle/>
+          <a:p>
+            <a:pPr algn="ctr"/>
+            <a:r>
+              <a:rPr lang="it-IT" sz="4800" b="1" cap="none" spc="0" dirty="0">
+                <a:ln w="12700">
+                  <a:solidFill>
+                    <a:schemeClr val="accent3">
+                      <a:lumMod val="50000"/>
+                    </a:schemeClr>
+                  </a:solidFill>
+                  <a:prstDash val="solid"/>
+                </a:ln>
+                <a:pattFill prst="narHorz">
+                  <a:fgClr>
+                    <a:schemeClr val="accent3"/>
+                  </a:fgClr>
+                  <a:bgClr>
+                    <a:schemeClr val="accent3">
+                      <a:lumMod val="40000"/>
+                      <a:lumOff val="60000"/>
+                    </a:schemeClr>
+                  </a:bgClr>
+                </a:pattFill>
+                <a:effectLst>
+                  <a:innerShdw blurRad="177800">
+                    <a:schemeClr val="accent3">
+                      <a:lumMod val="50000"/>
+                    </a:schemeClr>
+                  </a:innerShdw>
+                </a:effectLst>
+              </a:rPr>
+              <a:t>Cosa vi serve? </a:t>
+            </a:r>
+          </a:p>
+        </p:txBody>
+      </p:sp>
+      <p:pic>
+        <p:nvPicPr>
+          <p:cNvPr id="7" name="Immagine 6">
+            <a:extLst>
+              <a:ext uri="{FF2B5EF4-FFF2-40B4-BE49-F238E27FC236}">
+                <a16:creationId xmlns:a16="http://schemas.microsoft.com/office/drawing/2014/main" id="{126D5145-ABEF-40B1-90CF-3B4ED74680FF}"/>
+              </a:ext>
+            </a:extLst>
+          </p:cNvPr>
+          <p:cNvPicPr>
+            <a:picLocks noChangeAspect="1"/>
+          </p:cNvPicPr>
+          <p:nvPr/>
+        </p:nvPicPr>
+        <p:blipFill>
+          <a:blip r:embed="rId2"/>
+          <a:stretch>
+            <a:fillRect/>
+          </a:stretch>
+        </p:blipFill>
+        <p:spPr>
+          <a:xfrm>
+            <a:off x="755146" y="1337768"/>
+            <a:ext cx="3409950" cy="942975"/>
+          </a:xfrm>
+          <a:prstGeom prst="rect">
+            <a:avLst/>
+          </a:prstGeom>
+        </p:spPr>
+      </p:pic>
+      <p:pic>
+        <p:nvPicPr>
+          <p:cNvPr id="8" name="Immagine 7">
+            <a:extLst>
+              <a:ext uri="{FF2B5EF4-FFF2-40B4-BE49-F238E27FC236}">
+                <a16:creationId xmlns:a16="http://schemas.microsoft.com/office/drawing/2014/main" id="{69EF9E70-4902-41E0-88CE-36EBA163F17D}"/>
+              </a:ext>
+            </a:extLst>
+          </p:cNvPr>
+          <p:cNvPicPr>
+            <a:picLocks noChangeAspect="1"/>
+          </p:cNvPicPr>
+          <p:nvPr/>
+        </p:nvPicPr>
+        <p:blipFill>
+          <a:blip r:embed="rId3"/>
+          <a:stretch>
+            <a:fillRect/>
+          </a:stretch>
+        </p:blipFill>
+        <p:spPr>
+          <a:xfrm>
+            <a:off x="746886" y="2799991"/>
+            <a:ext cx="3305175" cy="876300"/>
+          </a:xfrm>
+          <a:prstGeom prst="rect">
+            <a:avLst/>
+          </a:prstGeom>
+        </p:spPr>
+      </p:pic>
+      <p:pic>
+        <p:nvPicPr>
+          <p:cNvPr id="9" name="Immagine 8">
+            <a:extLst>
+              <a:ext uri="{FF2B5EF4-FFF2-40B4-BE49-F238E27FC236}">
+                <a16:creationId xmlns:a16="http://schemas.microsoft.com/office/drawing/2014/main" id="{947C9E41-2311-4BEC-9CF3-27113FFC3DE6}"/>
+              </a:ext>
+            </a:extLst>
+          </p:cNvPr>
+          <p:cNvPicPr>
+            <a:picLocks noChangeAspect="1"/>
+          </p:cNvPicPr>
+          <p:nvPr/>
+        </p:nvPicPr>
+        <p:blipFill>
+          <a:blip r:embed="rId4"/>
+          <a:stretch>
+            <a:fillRect/>
+          </a:stretch>
+        </p:blipFill>
+        <p:spPr>
+          <a:xfrm>
+            <a:off x="746886" y="4204042"/>
+            <a:ext cx="3219450" cy="847725"/>
+          </a:xfrm>
+          <a:prstGeom prst="rect">
+            <a:avLst/>
+          </a:prstGeom>
+        </p:spPr>
+      </p:pic>
+      <p:pic>
+        <p:nvPicPr>
+          <p:cNvPr id="10" name="Immagine 9">
+            <a:extLst>
+              <a:ext uri="{FF2B5EF4-FFF2-40B4-BE49-F238E27FC236}">
+                <a16:creationId xmlns:a16="http://schemas.microsoft.com/office/drawing/2014/main" id="{6D4CCC4F-653B-4185-98B1-7907AD8B5B02}"/>
+              </a:ext>
+            </a:extLst>
+          </p:cNvPr>
+          <p:cNvPicPr>
+            <a:picLocks noChangeAspect="1"/>
+          </p:cNvPicPr>
+          <p:nvPr/>
+        </p:nvPicPr>
+        <p:blipFill>
+          <a:blip r:embed="rId5"/>
+          <a:stretch>
+            <a:fillRect/>
+          </a:stretch>
+        </p:blipFill>
+        <p:spPr>
+          <a:xfrm>
+            <a:off x="713833" y="5723097"/>
+            <a:ext cx="3295650" cy="876300"/>
+          </a:xfrm>
+          <a:prstGeom prst="rect">
+            <a:avLst/>
+          </a:prstGeom>
+        </p:spPr>
+      </p:pic>
+      <p:sp>
+        <p:nvSpPr>
+          <p:cNvPr id="17" name="Rettangolo 16">
+            <a:extLst>
+              <a:ext uri="{FF2B5EF4-FFF2-40B4-BE49-F238E27FC236}">
+                <a16:creationId xmlns:a16="http://schemas.microsoft.com/office/drawing/2014/main" id="{1435B519-4EBA-45C0-AEC1-ADBEFC4C6297}"/>
+              </a:ext>
+            </a:extLst>
+          </p:cNvPr>
+          <p:cNvSpPr/>
+          <p:nvPr/>
+        </p:nvSpPr>
+        <p:spPr>
+          <a:xfrm>
+            <a:off x="6224853" y="1311645"/>
+            <a:ext cx="3870739" cy="954107"/>
+          </a:xfrm>
+          <a:prstGeom prst="rect">
+            <a:avLst/>
+          </a:prstGeom>
+          <a:noFill/>
+        </p:spPr>
+        <p:txBody>
+          <a:bodyPr wrap="none" lIns="91440" tIns="45720" rIns="91440" bIns="45720">
+            <a:spAutoFit/>
+          </a:bodyPr>
+          <a:lstStyle/>
+          <a:p>
+            <a:pPr algn="ctr"/>
+            <a:r>
+              <a:rPr lang="it-IT" sz="2800" b="0" cap="none" spc="0" dirty="0">
+                <a:ln w="0"/>
+                <a:solidFill>
+                  <a:schemeClr val="tx1"/>
+                </a:solidFill>
+                <a:effectLst>
+                  <a:outerShdw blurRad="38100" dist="19050" dir="2700000" algn="tl" rotWithShape="0">
+                    <a:schemeClr val="dk1">
+                      <a:alpha val="40000"/>
+                    </a:schemeClr>
+                  </a:outerShdw>
+                </a:effectLst>
+              </a:rPr>
+              <a:t>Rapporto con i clienti: </a:t>
+            </a:r>
+            <a:br>
+              <a:rPr lang="it-IT" sz="2800" b="0" cap="none" spc="0" dirty="0">
+                <a:ln w="0"/>
+                <a:solidFill>
+                  <a:schemeClr val="tx1"/>
+                </a:solidFill>
+                <a:effectLst>
+                  <a:outerShdw blurRad="38100" dist="19050" dir="2700000" algn="tl" rotWithShape="0">
+                    <a:schemeClr val="dk1">
+                      <a:alpha val="40000"/>
+                    </a:schemeClr>
+                  </a:outerShdw>
+                </a:effectLst>
+              </a:rPr>
+            </a:br>
+            <a:r>
+              <a:rPr lang="it-IT" sz="2800" b="0" cap="none" spc="0" dirty="0">
+                <a:ln w="0"/>
+                <a:solidFill>
+                  <a:schemeClr val="tx1"/>
+                </a:solidFill>
+                <a:effectLst>
+                  <a:outerShdw blurRad="38100" dist="19050" dir="2700000" algn="tl" rotWithShape="0">
+                    <a:schemeClr val="dk1">
+                      <a:alpha val="40000"/>
+                    </a:schemeClr>
+                  </a:outerShdw>
+                </a:effectLst>
+              </a:rPr>
+              <a:t>incontri, offerte</a:t>
+            </a:r>
+          </a:p>
+        </p:txBody>
+      </p:sp>
+      <p:sp>
+        <p:nvSpPr>
+          <p:cNvPr id="24" name="Rettangolo 23">
+            <a:extLst>
+              <a:ext uri="{FF2B5EF4-FFF2-40B4-BE49-F238E27FC236}">
+                <a16:creationId xmlns:a16="http://schemas.microsoft.com/office/drawing/2014/main" id="{8DB2C69F-6170-4A4C-A8FD-E2CB17C1640E}"/>
+              </a:ext>
+            </a:extLst>
+          </p:cNvPr>
+          <p:cNvSpPr/>
+          <p:nvPr/>
+        </p:nvSpPr>
+        <p:spPr>
+          <a:xfrm>
+            <a:off x="6224853" y="3942151"/>
+            <a:ext cx="3165482" cy="954107"/>
+          </a:xfrm>
+          <a:prstGeom prst="rect">
+            <a:avLst/>
+          </a:prstGeom>
+          <a:noFill/>
+        </p:spPr>
+        <p:txBody>
+          <a:bodyPr wrap="none" lIns="91440" tIns="45720" rIns="91440" bIns="45720">
+            <a:spAutoFit/>
+          </a:bodyPr>
+          <a:lstStyle/>
+          <a:p>
+            <a:pPr algn="ctr"/>
+            <a:r>
+              <a:rPr lang="it-IT" sz="2800" b="0" cap="none" spc="0" dirty="0">
+                <a:ln w="0"/>
+                <a:solidFill>
+                  <a:schemeClr val="tx1"/>
+                </a:solidFill>
+                <a:effectLst>
+                  <a:outerShdw blurRad="38100" dist="19050" dir="2700000" algn="tl" rotWithShape="0">
+                    <a:schemeClr val="dk1">
+                      <a:alpha val="40000"/>
+                    </a:schemeClr>
+                  </a:outerShdw>
+                </a:effectLst>
+              </a:rPr>
+              <a:t>Gestione vendite: </a:t>
+            </a:r>
+            <a:br>
+              <a:rPr lang="it-IT" sz="2800" b="0" cap="none" spc="0" dirty="0">
+                <a:ln w="0"/>
+                <a:solidFill>
+                  <a:schemeClr val="tx1"/>
+                </a:solidFill>
+                <a:effectLst>
+                  <a:outerShdw blurRad="38100" dist="19050" dir="2700000" algn="tl" rotWithShape="0">
+                    <a:schemeClr val="dk1">
+                      <a:alpha val="40000"/>
+                    </a:schemeClr>
+                  </a:outerShdw>
+                </a:effectLst>
+              </a:rPr>
+            </a:br>
+            <a:r>
+              <a:rPr lang="it-IT" sz="2800" b="0" cap="none" spc="0" dirty="0">
+                <a:ln w="0"/>
+                <a:solidFill>
+                  <a:schemeClr val="tx1"/>
+                </a:solidFill>
+                <a:effectLst>
+                  <a:outerShdw blurRad="38100" dist="19050" dir="2700000" algn="tl" rotWithShape="0">
+                    <a:schemeClr val="dk1">
+                      <a:alpha val="40000"/>
+                    </a:schemeClr>
+                  </a:outerShdw>
+                </a:effectLst>
+              </a:rPr>
+              <a:t>preventivi, fatture</a:t>
+            </a:r>
+          </a:p>
+        </p:txBody>
+      </p:sp>
+      <p:sp>
+        <p:nvSpPr>
+          <p:cNvPr id="25" name="Rettangolo 24">
+            <a:extLst>
+              <a:ext uri="{FF2B5EF4-FFF2-40B4-BE49-F238E27FC236}">
+                <a16:creationId xmlns:a16="http://schemas.microsoft.com/office/drawing/2014/main" id="{E1788B48-F758-4512-8AFB-6549A9831C60}"/>
+              </a:ext>
+            </a:extLst>
+          </p:cNvPr>
+          <p:cNvSpPr/>
+          <p:nvPr/>
+        </p:nvSpPr>
+        <p:spPr>
+          <a:xfrm>
+            <a:off x="6224853" y="2521985"/>
+            <a:ext cx="3513077" cy="954107"/>
+          </a:xfrm>
+          <a:prstGeom prst="rect">
+            <a:avLst/>
+          </a:prstGeom>
+          <a:noFill/>
+        </p:spPr>
+        <p:txBody>
+          <a:bodyPr wrap="none" lIns="91440" tIns="45720" rIns="91440" bIns="45720">
+            <a:spAutoFit/>
+          </a:bodyPr>
+          <a:lstStyle/>
+          <a:p>
+            <a:pPr algn="ctr"/>
+            <a:r>
+              <a:rPr lang="it-IT" sz="2800" b="0" cap="none" spc="0" dirty="0">
+                <a:ln w="0"/>
+                <a:solidFill>
+                  <a:schemeClr val="tx1"/>
+                </a:solidFill>
+                <a:effectLst>
+                  <a:outerShdw blurRad="38100" dist="19050" dir="2700000" algn="tl" rotWithShape="0">
+                    <a:schemeClr val="dk1">
+                      <a:alpha val="40000"/>
+                    </a:schemeClr>
+                  </a:outerShdw>
+                </a:effectLst>
+              </a:rPr>
+              <a:t>Gestione inventario </a:t>
+            </a:r>
+            <a:br>
+              <a:rPr lang="it-IT" sz="2800" b="0" cap="none" spc="0" dirty="0">
+                <a:ln w="0"/>
+                <a:solidFill>
+                  <a:schemeClr val="tx1"/>
+                </a:solidFill>
+                <a:effectLst>
+                  <a:outerShdw blurRad="38100" dist="19050" dir="2700000" algn="tl" rotWithShape="0">
+                    <a:schemeClr val="dk1">
+                      <a:alpha val="40000"/>
+                    </a:schemeClr>
+                  </a:outerShdw>
+                </a:effectLst>
+              </a:rPr>
+            </a:br>
+            <a:r>
+              <a:rPr lang="it-IT" sz="2800" b="0" cap="none" spc="0" dirty="0">
+                <a:ln w="0"/>
+                <a:solidFill>
+                  <a:schemeClr val="tx1"/>
+                </a:solidFill>
+                <a:effectLst>
+                  <a:outerShdw blurRad="38100" dist="19050" dir="2700000" algn="tl" rotWithShape="0">
+                    <a:schemeClr val="dk1">
+                      <a:alpha val="40000"/>
+                    </a:schemeClr>
+                  </a:outerShdw>
+                </a:effectLst>
+              </a:rPr>
+              <a:t>e magazzino</a:t>
+            </a:r>
+          </a:p>
+        </p:txBody>
+      </p:sp>
+      <p:sp>
+        <p:nvSpPr>
+          <p:cNvPr id="26" name="Rettangolo 25">
+            <a:extLst>
+              <a:ext uri="{FF2B5EF4-FFF2-40B4-BE49-F238E27FC236}">
+                <a16:creationId xmlns:a16="http://schemas.microsoft.com/office/drawing/2014/main" id="{1F39E6FB-E3B0-4C6F-842B-857242C74C31}"/>
+              </a:ext>
+            </a:extLst>
+          </p:cNvPr>
+          <p:cNvSpPr/>
+          <p:nvPr/>
+        </p:nvSpPr>
+        <p:spPr>
+          <a:xfrm>
+            <a:off x="6224853" y="5642836"/>
+            <a:ext cx="2731837" cy="954107"/>
+          </a:xfrm>
+          <a:prstGeom prst="rect">
+            <a:avLst/>
+          </a:prstGeom>
+          <a:noFill/>
+        </p:spPr>
+        <p:txBody>
+          <a:bodyPr wrap="none" lIns="91440" tIns="45720" rIns="91440" bIns="45720">
+            <a:spAutoFit/>
+          </a:bodyPr>
+          <a:lstStyle/>
+          <a:p>
+            <a:pPr algn="ctr"/>
+            <a:r>
+              <a:rPr lang="it-IT" sz="2800" b="0" cap="none" spc="0" dirty="0">
+                <a:ln w="0"/>
+                <a:solidFill>
+                  <a:schemeClr val="tx1"/>
+                </a:solidFill>
+                <a:effectLst>
+                  <a:outerShdw blurRad="38100" dist="19050" dir="2700000" algn="tl" rotWithShape="0">
+                    <a:schemeClr val="dk1">
+                      <a:alpha val="40000"/>
+                    </a:schemeClr>
+                  </a:outerShdw>
+                </a:effectLst>
+              </a:rPr>
+              <a:t>Comunicazioni </a:t>
+            </a:r>
+            <a:br>
+              <a:rPr lang="it-IT" sz="2800" b="0" cap="none" spc="0" dirty="0">
+                <a:ln w="0"/>
+                <a:solidFill>
+                  <a:schemeClr val="tx1"/>
+                </a:solidFill>
+                <a:effectLst>
+                  <a:outerShdw blurRad="38100" dist="19050" dir="2700000" algn="tl" rotWithShape="0">
+                    <a:schemeClr val="dk1">
+                      <a:alpha val="40000"/>
+                    </a:schemeClr>
+                  </a:outerShdw>
+                </a:effectLst>
+              </a:rPr>
+            </a:br>
+            <a:r>
+              <a:rPr lang="it-IT" sz="2800" b="0" cap="none" spc="0" dirty="0">
+                <a:ln w="0"/>
+                <a:solidFill>
+                  <a:schemeClr val="tx1"/>
+                </a:solidFill>
+                <a:effectLst>
+                  <a:outerShdw blurRad="38100" dist="19050" dir="2700000" algn="tl" rotWithShape="0">
+                    <a:schemeClr val="dk1">
+                      <a:alpha val="40000"/>
+                    </a:schemeClr>
+                  </a:outerShdw>
+                </a:effectLst>
+              </a:rPr>
+              <a:t>aziendali</a:t>
+            </a:r>
+          </a:p>
+        </p:txBody>
+      </p:sp>
+      <p:sp>
+        <p:nvSpPr>
+          <p:cNvPr id="22" name="Freccia a destra 21">
+            <a:extLst>
+              <a:ext uri="{FF2B5EF4-FFF2-40B4-BE49-F238E27FC236}">
+                <a16:creationId xmlns:a16="http://schemas.microsoft.com/office/drawing/2014/main" id="{38957AB7-AC9E-4211-8B4B-CB0DBCC53C00}"/>
+              </a:ext>
+            </a:extLst>
+          </p:cNvPr>
+          <p:cNvSpPr/>
+          <p:nvPr/>
+        </p:nvSpPr>
+        <p:spPr>
+          <a:xfrm>
+            <a:off x="4673280" y="1662134"/>
+            <a:ext cx="1097280" cy="253130"/>
+          </a:xfrm>
+          <a:prstGeom prst="rightArrow">
+            <a:avLst/>
+          </a:prstGeom>
+        </p:spPr>
+        <p:style>
+          <a:lnRef idx="2">
+            <a:schemeClr val="accent1">
+              <a:shade val="50000"/>
+            </a:schemeClr>
+          </a:lnRef>
+          <a:fillRef idx="1">
+            <a:schemeClr val="accent1"/>
+          </a:fillRef>
+          <a:effectRef idx="0">
+            <a:schemeClr val="accent1"/>
+          </a:effectRef>
+          <a:fontRef idx="minor">
+            <a:schemeClr val="lt1"/>
+          </a:fontRef>
+        </p:style>
+        <p:txBody>
+          <a:bodyPr rtlCol="0" anchor="ctr"/>
+          <a:lstStyle/>
+          <a:p>
+            <a:pPr algn="ctr"/>
+            <a:endParaRPr lang="it-IT"/>
+          </a:p>
+        </p:txBody>
+      </p:sp>
+      <p:sp>
+        <p:nvSpPr>
+          <p:cNvPr id="28" name="Freccia a destra 27">
+            <a:extLst>
+              <a:ext uri="{FF2B5EF4-FFF2-40B4-BE49-F238E27FC236}">
+                <a16:creationId xmlns:a16="http://schemas.microsoft.com/office/drawing/2014/main" id="{AB901163-F0F0-4925-90FA-9A313472AA26}"/>
+              </a:ext>
+            </a:extLst>
+          </p:cNvPr>
+          <p:cNvSpPr/>
+          <p:nvPr/>
+        </p:nvSpPr>
+        <p:spPr>
+          <a:xfrm>
+            <a:off x="4673280" y="3024481"/>
+            <a:ext cx="1097280" cy="253130"/>
+          </a:xfrm>
+          <a:prstGeom prst="rightArrow">
+            <a:avLst/>
+          </a:prstGeom>
+        </p:spPr>
+        <p:style>
+          <a:lnRef idx="2">
+            <a:schemeClr val="accent1">
+              <a:shade val="50000"/>
+            </a:schemeClr>
+          </a:lnRef>
+          <a:fillRef idx="1">
+            <a:schemeClr val="accent1"/>
+          </a:fillRef>
+          <a:effectRef idx="0">
+            <a:schemeClr val="accent1"/>
+          </a:effectRef>
+          <a:fontRef idx="minor">
+            <a:schemeClr val="lt1"/>
+          </a:fontRef>
+        </p:style>
+        <p:txBody>
+          <a:bodyPr rtlCol="0" anchor="ctr"/>
+          <a:lstStyle/>
+          <a:p>
+            <a:pPr algn="ctr"/>
+            <a:endParaRPr lang="it-IT"/>
+          </a:p>
+        </p:txBody>
+      </p:sp>
+      <p:sp>
+        <p:nvSpPr>
+          <p:cNvPr id="29" name="Freccia a destra 28">
+            <a:extLst>
+              <a:ext uri="{FF2B5EF4-FFF2-40B4-BE49-F238E27FC236}">
+                <a16:creationId xmlns:a16="http://schemas.microsoft.com/office/drawing/2014/main" id="{5C19EEFA-3ECC-4261-8413-00D669019692}"/>
+              </a:ext>
+            </a:extLst>
+          </p:cNvPr>
+          <p:cNvSpPr/>
+          <p:nvPr/>
+        </p:nvSpPr>
+        <p:spPr>
+          <a:xfrm>
+            <a:off x="4673280" y="4419205"/>
+            <a:ext cx="1097280" cy="253130"/>
+          </a:xfrm>
+          <a:prstGeom prst="rightArrow">
+            <a:avLst/>
+          </a:prstGeom>
+        </p:spPr>
+        <p:style>
+          <a:lnRef idx="2">
+            <a:schemeClr val="accent1">
+              <a:shade val="50000"/>
+            </a:schemeClr>
+          </a:lnRef>
+          <a:fillRef idx="1">
+            <a:schemeClr val="accent1"/>
+          </a:fillRef>
+          <a:effectRef idx="0">
+            <a:schemeClr val="accent1"/>
+          </a:effectRef>
+          <a:fontRef idx="minor">
+            <a:schemeClr val="lt1"/>
+          </a:fontRef>
+        </p:style>
+        <p:txBody>
+          <a:bodyPr rtlCol="0" anchor="ctr"/>
+          <a:lstStyle/>
+          <a:p>
+            <a:pPr algn="ctr"/>
+            <a:endParaRPr lang="it-IT"/>
+          </a:p>
+        </p:txBody>
+      </p:sp>
+      <p:sp>
+        <p:nvSpPr>
+          <p:cNvPr id="30" name="Freccia a destra 29">
+            <a:extLst>
+              <a:ext uri="{FF2B5EF4-FFF2-40B4-BE49-F238E27FC236}">
+                <a16:creationId xmlns:a16="http://schemas.microsoft.com/office/drawing/2014/main" id="{A263AC7A-7EF8-4CA3-AC46-1D4E8E0ACA0E}"/>
+              </a:ext>
+            </a:extLst>
+          </p:cNvPr>
+          <p:cNvSpPr/>
+          <p:nvPr/>
+        </p:nvSpPr>
+        <p:spPr>
+          <a:xfrm>
+            <a:off x="4673280" y="6034682"/>
+            <a:ext cx="1097280" cy="253130"/>
+          </a:xfrm>
+          <a:prstGeom prst="rightArrow">
+            <a:avLst/>
+          </a:prstGeom>
+        </p:spPr>
+        <p:style>
+          <a:lnRef idx="2">
+            <a:schemeClr val="accent1">
+              <a:shade val="50000"/>
+            </a:schemeClr>
+          </a:lnRef>
+          <a:fillRef idx="1">
+            <a:schemeClr val="accent1"/>
+          </a:fillRef>
+          <a:effectRef idx="0">
+            <a:schemeClr val="accent1"/>
+          </a:effectRef>
+          <a:fontRef idx="minor">
+            <a:schemeClr val="lt1"/>
+          </a:fontRef>
+        </p:style>
+        <p:txBody>
+          <a:bodyPr rtlCol="0" anchor="ctr"/>
+          <a:lstStyle/>
+          <a:p>
+            <a:pPr algn="ctr"/>
+            <a:endParaRPr lang="it-IT"/>
+          </a:p>
+        </p:txBody>
+      </p:sp>
+    </p:spTree>
+    <p:extLst>
+      <p:ext uri="{BB962C8B-B14F-4D97-AF65-F5344CB8AC3E}">
+        <p14:creationId xmlns:p14="http://schemas.microsoft.com/office/powerpoint/2010/main" val="1556963298"/>
+      </p:ext>
+    </p:extLst>
+  </p:cSld>
+  <p:clrMapOvr>
+    <a:masterClrMapping/>
+  </p:clrMapOvr>
+</p:sld>
+</file>
+
+<file path=ppt/slides/slide18.xml><?xml version="1.0" encoding="utf-8"?>
+<p:sld xmlns:a="http://schemas.openxmlformats.org/drawingml/2006/main" xmlns:r="http://schemas.openxmlformats.org/officeDocument/2006/relationships" xmlns:p="http://schemas.openxmlformats.org/presentationml/2006/main">
+  <p:cSld>
+    <p:spTree>
+      <p:nvGrpSpPr>
+        <p:cNvPr id="1" name=""/>
+        <p:cNvGrpSpPr/>
+        <p:nvPr/>
+      </p:nvGrpSpPr>
+      <p:grpSpPr>
+        <a:xfrm>
+          <a:off x="0" y="0"/>
+          <a:ext cx="0" cy="0"/>
+          <a:chOff x="0" y="0"/>
+          <a:chExt cx="0" cy="0"/>
+        </a:xfrm>
+      </p:grpSpPr>
+      <p:pic>
+        <p:nvPicPr>
+          <p:cNvPr id="4" name="Immagine 3">
+            <a:extLst>
+              <a:ext uri="{FF2B5EF4-FFF2-40B4-BE49-F238E27FC236}">
+                <a16:creationId xmlns:a16="http://schemas.microsoft.com/office/drawing/2014/main" id="{961A79DC-4BFB-4BD6-A39B-9E5160582807}"/>
+              </a:ext>
+            </a:extLst>
+          </p:cNvPr>
+          <p:cNvPicPr>
+            <a:picLocks noChangeAspect="1"/>
+          </p:cNvPicPr>
+          <p:nvPr/>
+        </p:nvPicPr>
+        <p:blipFill>
+          <a:blip r:embed="rId2"/>
+          <a:stretch>
+            <a:fillRect/>
+          </a:stretch>
+        </p:blipFill>
+        <p:spPr>
+          <a:xfrm>
+            <a:off x="642939" y="289103"/>
+            <a:ext cx="3295650" cy="857250"/>
+          </a:xfrm>
+          <a:prstGeom prst="rect">
+            <a:avLst/>
+          </a:prstGeom>
+        </p:spPr>
+      </p:pic>
+      <p:pic>
+        <p:nvPicPr>
+          <p:cNvPr id="5" name="Immagine 4">
+            <a:extLst>
+              <a:ext uri="{FF2B5EF4-FFF2-40B4-BE49-F238E27FC236}">
+                <a16:creationId xmlns:a16="http://schemas.microsoft.com/office/drawing/2014/main" id="{8D2CC583-9162-4F03-A259-C0BB96A107B0}"/>
+              </a:ext>
+            </a:extLst>
+          </p:cNvPr>
+          <p:cNvPicPr>
+            <a:picLocks noChangeAspect="1"/>
+          </p:cNvPicPr>
+          <p:nvPr/>
+        </p:nvPicPr>
+        <p:blipFill>
+          <a:blip r:embed="rId3"/>
+          <a:stretch>
+            <a:fillRect/>
+          </a:stretch>
+        </p:blipFill>
+        <p:spPr>
+          <a:xfrm>
+            <a:off x="623889" y="5692597"/>
+            <a:ext cx="3238500" cy="876300"/>
+          </a:xfrm>
+          <a:prstGeom prst="rect">
+            <a:avLst/>
+          </a:prstGeom>
+        </p:spPr>
+      </p:pic>
+      <p:pic>
+        <p:nvPicPr>
+          <p:cNvPr id="6" name="Immagine 5">
+            <a:extLst>
+              <a:ext uri="{FF2B5EF4-FFF2-40B4-BE49-F238E27FC236}">
+                <a16:creationId xmlns:a16="http://schemas.microsoft.com/office/drawing/2014/main" id="{77225044-7C6B-4388-9E83-984C1C671EBC}"/>
+              </a:ext>
+            </a:extLst>
+          </p:cNvPr>
+          <p:cNvPicPr>
+            <a:picLocks noChangeAspect="1"/>
+          </p:cNvPicPr>
+          <p:nvPr/>
+        </p:nvPicPr>
+        <p:blipFill>
+          <a:blip r:embed="rId4"/>
+          <a:stretch>
+            <a:fillRect/>
+          </a:stretch>
+        </p:blipFill>
+        <p:spPr>
+          <a:xfrm>
+            <a:off x="633414" y="3288944"/>
+            <a:ext cx="3314700" cy="876300"/>
+          </a:xfrm>
+          <a:prstGeom prst="rect">
+            <a:avLst/>
+          </a:prstGeom>
+        </p:spPr>
+      </p:pic>
+      <p:pic>
+        <p:nvPicPr>
+          <p:cNvPr id="7" name="Immagine 6">
+            <a:extLst>
+              <a:ext uri="{FF2B5EF4-FFF2-40B4-BE49-F238E27FC236}">
+                <a16:creationId xmlns:a16="http://schemas.microsoft.com/office/drawing/2014/main" id="{432350A1-B564-479C-B0B1-28FD90AFF7EA}"/>
+              </a:ext>
+            </a:extLst>
+          </p:cNvPr>
+          <p:cNvPicPr>
+            <a:picLocks noChangeAspect="1"/>
+          </p:cNvPicPr>
+          <p:nvPr/>
+        </p:nvPicPr>
+        <p:blipFill>
+          <a:blip r:embed="rId5"/>
+          <a:stretch>
+            <a:fillRect/>
+          </a:stretch>
+        </p:blipFill>
+        <p:spPr>
+          <a:xfrm>
+            <a:off x="633414" y="1347253"/>
+            <a:ext cx="3238500" cy="828675"/>
+          </a:xfrm>
+          <a:prstGeom prst="rect">
+            <a:avLst/>
+          </a:prstGeom>
+        </p:spPr>
+      </p:pic>
+      <p:pic>
+        <p:nvPicPr>
+          <p:cNvPr id="8" name="Immagine 7">
+            <a:extLst>
+              <a:ext uri="{FF2B5EF4-FFF2-40B4-BE49-F238E27FC236}">
+                <a16:creationId xmlns:a16="http://schemas.microsoft.com/office/drawing/2014/main" id="{DC95F220-F3A1-408D-A561-7B1C87744648}"/>
+              </a:ext>
+            </a:extLst>
+          </p:cNvPr>
+          <p:cNvPicPr>
+            <a:picLocks noChangeAspect="1"/>
+          </p:cNvPicPr>
+          <p:nvPr/>
+        </p:nvPicPr>
+        <p:blipFill>
+          <a:blip r:embed="rId6"/>
+          <a:stretch>
+            <a:fillRect/>
+          </a:stretch>
+        </p:blipFill>
+        <p:spPr>
+          <a:xfrm>
+            <a:off x="642939" y="2103786"/>
+            <a:ext cx="3219450" cy="866775"/>
+          </a:xfrm>
+          <a:prstGeom prst="rect">
+            <a:avLst/>
+          </a:prstGeom>
+        </p:spPr>
+      </p:pic>
+      <p:pic>
+        <p:nvPicPr>
+          <p:cNvPr id="9" name="Immagine 8">
+            <a:extLst>
+              <a:ext uri="{FF2B5EF4-FFF2-40B4-BE49-F238E27FC236}">
+                <a16:creationId xmlns:a16="http://schemas.microsoft.com/office/drawing/2014/main" id="{9BA056B5-F6E8-4F65-940F-6523B6E2BD3A}"/>
+              </a:ext>
+            </a:extLst>
+          </p:cNvPr>
+          <p:cNvPicPr>
+            <a:picLocks noChangeAspect="1"/>
+          </p:cNvPicPr>
+          <p:nvPr/>
+        </p:nvPicPr>
+        <p:blipFill>
+          <a:blip r:embed="rId7"/>
+          <a:stretch>
+            <a:fillRect/>
+          </a:stretch>
+        </p:blipFill>
+        <p:spPr>
+          <a:xfrm>
+            <a:off x="642939" y="4533025"/>
+            <a:ext cx="3267075" cy="838200"/>
+          </a:xfrm>
+          <a:prstGeom prst="rect">
+            <a:avLst/>
+          </a:prstGeom>
+        </p:spPr>
+      </p:pic>
+      <p:sp>
+        <p:nvSpPr>
+          <p:cNvPr id="10" name="Freccia a destra 9">
+            <a:extLst>
+              <a:ext uri="{FF2B5EF4-FFF2-40B4-BE49-F238E27FC236}">
+                <a16:creationId xmlns:a16="http://schemas.microsoft.com/office/drawing/2014/main" id="{0AE15C81-8E71-4410-AC21-0F36D4242EF8}"/>
+              </a:ext>
+            </a:extLst>
+          </p:cNvPr>
+          <p:cNvSpPr/>
+          <p:nvPr/>
+        </p:nvSpPr>
+        <p:spPr>
+          <a:xfrm>
+            <a:off x="4539637" y="2103786"/>
+            <a:ext cx="1097280" cy="253130"/>
+          </a:xfrm>
+          <a:prstGeom prst="rightArrow">
+            <a:avLst/>
+          </a:prstGeom>
+        </p:spPr>
+        <p:style>
+          <a:lnRef idx="2">
+            <a:schemeClr val="accent1">
+              <a:shade val="50000"/>
+            </a:schemeClr>
+          </a:lnRef>
+          <a:fillRef idx="1">
+            <a:schemeClr val="accent1"/>
+          </a:fillRef>
+          <a:effectRef idx="0">
+            <a:schemeClr val="accent1"/>
+          </a:effectRef>
+          <a:fontRef idx="minor">
+            <a:schemeClr val="lt1"/>
+          </a:fontRef>
+        </p:style>
+        <p:txBody>
+          <a:bodyPr rtlCol="0" anchor="ctr"/>
+          <a:lstStyle/>
+          <a:p>
+            <a:pPr algn="ctr"/>
+            <a:endParaRPr lang="it-IT"/>
+          </a:p>
+        </p:txBody>
+      </p:sp>
+      <p:sp>
+        <p:nvSpPr>
+          <p:cNvPr id="11" name="Freccia a destra 10">
+            <a:extLst>
+              <a:ext uri="{FF2B5EF4-FFF2-40B4-BE49-F238E27FC236}">
+                <a16:creationId xmlns:a16="http://schemas.microsoft.com/office/drawing/2014/main" id="{46C737AA-CC00-48E9-955A-E10297424C7B}"/>
+              </a:ext>
+            </a:extLst>
+          </p:cNvPr>
+          <p:cNvSpPr/>
+          <p:nvPr/>
+        </p:nvSpPr>
+        <p:spPr>
+          <a:xfrm>
+            <a:off x="4495551" y="3627927"/>
+            <a:ext cx="1097280" cy="253130"/>
+          </a:xfrm>
+          <a:prstGeom prst="rightArrow">
+            <a:avLst/>
+          </a:prstGeom>
+        </p:spPr>
+        <p:style>
+          <a:lnRef idx="2">
+            <a:schemeClr val="accent1">
+              <a:shade val="50000"/>
+            </a:schemeClr>
+          </a:lnRef>
+          <a:fillRef idx="1">
+            <a:schemeClr val="accent1"/>
+          </a:fillRef>
+          <a:effectRef idx="0">
+            <a:schemeClr val="accent1"/>
+          </a:effectRef>
+          <a:fontRef idx="minor">
+            <a:schemeClr val="lt1"/>
+          </a:fontRef>
+        </p:style>
+        <p:txBody>
+          <a:bodyPr rtlCol="0" anchor="ctr"/>
+          <a:lstStyle/>
+          <a:p>
+            <a:pPr algn="ctr"/>
+            <a:endParaRPr lang="it-IT"/>
+          </a:p>
+        </p:txBody>
+      </p:sp>
+      <p:sp>
+        <p:nvSpPr>
+          <p:cNvPr id="12" name="Freccia a destra 11">
+            <a:extLst>
+              <a:ext uri="{FF2B5EF4-FFF2-40B4-BE49-F238E27FC236}">
+                <a16:creationId xmlns:a16="http://schemas.microsoft.com/office/drawing/2014/main" id="{69D2DF0A-D025-4C20-8B10-A26006A2BF21}"/>
+              </a:ext>
+            </a:extLst>
+          </p:cNvPr>
+          <p:cNvSpPr/>
+          <p:nvPr/>
+        </p:nvSpPr>
+        <p:spPr>
+          <a:xfrm>
+            <a:off x="4495551" y="4947237"/>
+            <a:ext cx="1097280" cy="253130"/>
+          </a:xfrm>
+          <a:prstGeom prst="rightArrow">
+            <a:avLst/>
+          </a:prstGeom>
+        </p:spPr>
+        <p:style>
+          <a:lnRef idx="2">
+            <a:schemeClr val="accent1">
+              <a:shade val="50000"/>
+            </a:schemeClr>
+          </a:lnRef>
+          <a:fillRef idx="1">
+            <a:schemeClr val="accent1"/>
+          </a:fillRef>
+          <a:effectRef idx="0">
+            <a:schemeClr val="accent1"/>
+          </a:effectRef>
+          <a:fontRef idx="minor">
+            <a:schemeClr val="lt1"/>
+          </a:fontRef>
+        </p:style>
+        <p:txBody>
+          <a:bodyPr rtlCol="0" anchor="ctr"/>
+          <a:lstStyle/>
+          <a:p>
+            <a:pPr algn="ctr"/>
+            <a:endParaRPr lang="it-IT"/>
+          </a:p>
+        </p:txBody>
+      </p:sp>
+      <p:sp>
+        <p:nvSpPr>
+          <p:cNvPr id="13" name="Freccia a destra 12">
+            <a:extLst>
+              <a:ext uri="{FF2B5EF4-FFF2-40B4-BE49-F238E27FC236}">
+                <a16:creationId xmlns:a16="http://schemas.microsoft.com/office/drawing/2014/main" id="{0FEE1C63-06E2-410E-938B-52F1C8EE4F82}"/>
+              </a:ext>
+            </a:extLst>
+          </p:cNvPr>
+          <p:cNvSpPr/>
+          <p:nvPr/>
+        </p:nvSpPr>
+        <p:spPr>
+          <a:xfrm>
+            <a:off x="4539637" y="6099980"/>
+            <a:ext cx="1097280" cy="253130"/>
+          </a:xfrm>
+          <a:prstGeom prst="rightArrow">
+            <a:avLst/>
+          </a:prstGeom>
+        </p:spPr>
+        <p:style>
+          <a:lnRef idx="2">
+            <a:schemeClr val="accent1">
+              <a:shade val="50000"/>
+            </a:schemeClr>
+          </a:lnRef>
+          <a:fillRef idx="1">
+            <a:schemeClr val="accent1"/>
+          </a:fillRef>
+          <a:effectRef idx="0">
+            <a:schemeClr val="accent1"/>
+          </a:effectRef>
+          <a:fontRef idx="minor">
+            <a:schemeClr val="lt1"/>
+          </a:fontRef>
+        </p:style>
+        <p:txBody>
+          <a:bodyPr rtlCol="0" anchor="ctr"/>
+          <a:lstStyle/>
+          <a:p>
+            <a:pPr algn="ctr"/>
+            <a:endParaRPr lang="it-IT"/>
+          </a:p>
+        </p:txBody>
+      </p:sp>
+      <p:sp>
+        <p:nvSpPr>
+          <p:cNvPr id="14" name="Freccia a destra 13">
+            <a:extLst>
+              <a:ext uri="{FF2B5EF4-FFF2-40B4-BE49-F238E27FC236}">
+                <a16:creationId xmlns:a16="http://schemas.microsoft.com/office/drawing/2014/main" id="{F75569EE-9CFD-42BF-ADA3-258A792CD1F5}"/>
+              </a:ext>
+            </a:extLst>
+          </p:cNvPr>
+          <p:cNvSpPr/>
+          <p:nvPr/>
+        </p:nvSpPr>
+        <p:spPr>
+          <a:xfrm>
+            <a:off x="4495551" y="495862"/>
+            <a:ext cx="1097280" cy="253130"/>
+          </a:xfrm>
+          <a:prstGeom prst="rightArrow">
+            <a:avLst/>
+          </a:prstGeom>
+        </p:spPr>
+        <p:style>
+          <a:lnRef idx="2">
+            <a:schemeClr val="accent1">
+              <a:shade val="50000"/>
+            </a:schemeClr>
+          </a:lnRef>
+          <a:fillRef idx="1">
+            <a:schemeClr val="accent1"/>
+          </a:fillRef>
+          <a:effectRef idx="0">
+            <a:schemeClr val="accent1"/>
+          </a:effectRef>
+          <a:fontRef idx="minor">
+            <a:schemeClr val="lt1"/>
+          </a:fontRef>
+        </p:style>
+        <p:txBody>
+          <a:bodyPr rtlCol="0" anchor="ctr"/>
+          <a:lstStyle/>
+          <a:p>
+            <a:pPr algn="ctr"/>
+            <a:endParaRPr lang="it-IT"/>
+          </a:p>
+        </p:txBody>
+      </p:sp>
+      <p:sp>
+        <p:nvSpPr>
+          <p:cNvPr id="15" name="Rettangolo 14">
+            <a:extLst>
+              <a:ext uri="{FF2B5EF4-FFF2-40B4-BE49-F238E27FC236}">
+                <a16:creationId xmlns:a16="http://schemas.microsoft.com/office/drawing/2014/main" id="{A2960CCC-F826-4088-94D6-6BF4FB621644}"/>
+              </a:ext>
+            </a:extLst>
+          </p:cNvPr>
+          <p:cNvSpPr/>
+          <p:nvPr/>
+        </p:nvSpPr>
+        <p:spPr>
+          <a:xfrm>
+            <a:off x="5968098" y="1764718"/>
+            <a:ext cx="4703980" cy="954107"/>
+          </a:xfrm>
+          <a:prstGeom prst="rect">
+            <a:avLst/>
+          </a:prstGeom>
+          <a:noFill/>
+        </p:spPr>
+        <p:txBody>
+          <a:bodyPr wrap="none" lIns="91440" tIns="45720" rIns="91440" bIns="45720">
+            <a:spAutoFit/>
+          </a:bodyPr>
+          <a:lstStyle/>
+          <a:p>
+            <a:pPr algn="ctr"/>
+            <a:r>
+              <a:rPr lang="it-IT" sz="2800" b="0" cap="none" spc="0" dirty="0">
+                <a:ln w="0"/>
+                <a:solidFill>
+                  <a:schemeClr val="tx1"/>
+                </a:solidFill>
+                <a:effectLst>
+                  <a:outerShdw blurRad="38100" dist="19050" dir="2700000" algn="tl" rotWithShape="0">
+                    <a:schemeClr val="dk1">
+                      <a:alpha val="40000"/>
+                    </a:schemeClr>
+                  </a:outerShdw>
+                </a:effectLst>
+              </a:rPr>
+              <a:t>E-commerce: </a:t>
+            </a:r>
+            <a:br>
+              <a:rPr lang="it-IT" sz="2800" b="0" cap="none" spc="0" dirty="0">
+                <a:ln w="0"/>
+                <a:solidFill>
+                  <a:schemeClr val="tx1"/>
+                </a:solidFill>
+                <a:effectLst>
+                  <a:outerShdw blurRad="38100" dist="19050" dir="2700000" algn="tl" rotWithShape="0">
+                    <a:schemeClr val="dk1">
+                      <a:alpha val="40000"/>
+                    </a:schemeClr>
+                  </a:outerShdw>
+                </a:effectLst>
+              </a:rPr>
+            </a:br>
+            <a:r>
+              <a:rPr lang="it-IT" sz="2800" b="0" cap="none" spc="0" dirty="0">
+                <a:ln w="0"/>
+                <a:solidFill>
+                  <a:schemeClr val="tx1"/>
+                </a:solidFill>
+                <a:effectLst>
+                  <a:outerShdw blurRad="38100" dist="19050" dir="2700000" algn="tl" rotWithShape="0">
+                    <a:schemeClr val="dk1">
+                      <a:alpha val="40000"/>
+                    </a:schemeClr>
+                  </a:outerShdw>
+                </a:effectLst>
+              </a:rPr>
+              <a:t>Ampliare i canali di vendita</a:t>
+            </a:r>
+          </a:p>
+        </p:txBody>
+      </p:sp>
+      <p:sp>
+        <p:nvSpPr>
+          <p:cNvPr id="16" name="Rettangolo 15">
+            <a:extLst>
+              <a:ext uri="{FF2B5EF4-FFF2-40B4-BE49-F238E27FC236}">
+                <a16:creationId xmlns:a16="http://schemas.microsoft.com/office/drawing/2014/main" id="{7AB28C7C-0119-4FBB-AF20-346CD6B9BCE9}"/>
+              </a:ext>
+            </a:extLst>
+          </p:cNvPr>
+          <p:cNvSpPr/>
+          <p:nvPr/>
+        </p:nvSpPr>
+        <p:spPr>
+          <a:xfrm>
+            <a:off x="6077464" y="381250"/>
+            <a:ext cx="4504310" cy="523220"/>
+          </a:xfrm>
+          <a:prstGeom prst="rect">
+            <a:avLst/>
+          </a:prstGeom>
+          <a:noFill/>
+        </p:spPr>
+        <p:txBody>
+          <a:bodyPr wrap="none" lIns="91440" tIns="45720" rIns="91440" bIns="45720">
+            <a:spAutoFit/>
+          </a:bodyPr>
+          <a:lstStyle/>
+          <a:p>
+            <a:pPr algn="ctr"/>
+            <a:r>
+              <a:rPr lang="it-IT" sz="2800" b="0" cap="none" spc="0" dirty="0">
+                <a:ln w="0"/>
+                <a:solidFill>
+                  <a:schemeClr val="tx1"/>
+                </a:solidFill>
+                <a:effectLst>
+                  <a:outerShdw blurRad="38100" dist="19050" dir="2700000" algn="tl" rotWithShape="0">
+                    <a:schemeClr val="dk1">
+                      <a:alpha val="40000"/>
+                    </a:schemeClr>
+                  </a:outerShdw>
+                </a:effectLst>
+              </a:rPr>
+              <a:t>Contatti: Clienti e fornitori</a:t>
+            </a:r>
+          </a:p>
+        </p:txBody>
+      </p:sp>
+      <p:sp>
+        <p:nvSpPr>
+          <p:cNvPr id="17" name="Rettangolo 16">
+            <a:extLst>
+              <a:ext uri="{FF2B5EF4-FFF2-40B4-BE49-F238E27FC236}">
+                <a16:creationId xmlns:a16="http://schemas.microsoft.com/office/drawing/2014/main" id="{C9345250-A865-4778-B807-C5BA3A23E764}"/>
+              </a:ext>
+            </a:extLst>
+          </p:cNvPr>
+          <p:cNvSpPr/>
+          <p:nvPr/>
+        </p:nvSpPr>
+        <p:spPr>
+          <a:xfrm>
+            <a:off x="6918494" y="3192996"/>
+            <a:ext cx="2822247" cy="523220"/>
+          </a:xfrm>
+          <a:prstGeom prst="rect">
+            <a:avLst/>
+          </a:prstGeom>
+          <a:noFill/>
+        </p:spPr>
+        <p:txBody>
+          <a:bodyPr wrap="none" lIns="91440" tIns="45720" rIns="91440" bIns="45720">
+            <a:spAutoFit/>
+          </a:bodyPr>
+          <a:lstStyle/>
+          <a:p>
+            <a:pPr algn="ctr"/>
+            <a:r>
+              <a:rPr lang="it-IT" sz="2800" b="0" cap="none" spc="0" dirty="0">
+                <a:ln w="0"/>
+                <a:solidFill>
+                  <a:schemeClr val="tx1"/>
+                </a:solidFill>
+                <a:effectLst>
+                  <a:outerShdw blurRad="38100" dist="19050" dir="2700000" algn="tl" rotWithShape="0">
+                    <a:schemeClr val="dk1">
+                      <a:alpha val="40000"/>
+                    </a:schemeClr>
+                  </a:outerShdw>
+                </a:effectLst>
+              </a:rPr>
+              <a:t>Gestione fatture</a:t>
+            </a:r>
+          </a:p>
+        </p:txBody>
+      </p:sp>
+      <p:sp>
+        <p:nvSpPr>
+          <p:cNvPr id="18" name="Rettangolo 17">
+            <a:extLst>
+              <a:ext uri="{FF2B5EF4-FFF2-40B4-BE49-F238E27FC236}">
+                <a16:creationId xmlns:a16="http://schemas.microsoft.com/office/drawing/2014/main" id="{64D823C6-5BAA-41FC-A03E-BC63DAFDAFF7}"/>
+              </a:ext>
+            </a:extLst>
+          </p:cNvPr>
+          <p:cNvSpPr/>
+          <p:nvPr/>
+        </p:nvSpPr>
+        <p:spPr>
+          <a:xfrm>
+            <a:off x="6841324" y="4470183"/>
+            <a:ext cx="2976584" cy="523220"/>
+          </a:xfrm>
+          <a:prstGeom prst="rect">
+            <a:avLst/>
+          </a:prstGeom>
+          <a:noFill/>
+        </p:spPr>
+        <p:txBody>
+          <a:bodyPr wrap="none" lIns="91440" tIns="45720" rIns="91440" bIns="45720">
+            <a:spAutoFit/>
+          </a:bodyPr>
+          <a:lstStyle/>
+          <a:p>
+            <a:pPr algn="ctr"/>
+            <a:r>
+              <a:rPr lang="it-IT" sz="2800" b="0" cap="none" spc="0" dirty="0">
+                <a:ln w="0"/>
+                <a:solidFill>
+                  <a:schemeClr val="tx1"/>
+                </a:solidFill>
+                <a:effectLst>
+                  <a:outerShdw blurRad="38100" dist="19050" dir="2700000" algn="tl" rotWithShape="0">
+                    <a:schemeClr val="dk1">
+                      <a:alpha val="40000"/>
+                    </a:schemeClr>
+                  </a:outerShdw>
+                </a:effectLst>
+              </a:rPr>
+              <a:t>Ordini a fornitori</a:t>
+            </a:r>
+          </a:p>
+        </p:txBody>
+      </p:sp>
+      <p:sp>
+        <p:nvSpPr>
+          <p:cNvPr id="19" name="Rettangolo 18">
+            <a:extLst>
+              <a:ext uri="{FF2B5EF4-FFF2-40B4-BE49-F238E27FC236}">
+                <a16:creationId xmlns:a16="http://schemas.microsoft.com/office/drawing/2014/main" id="{264AF270-CE60-4C16-A104-3870C433733C}"/>
+              </a:ext>
+            </a:extLst>
+          </p:cNvPr>
+          <p:cNvSpPr/>
+          <p:nvPr/>
+        </p:nvSpPr>
+        <p:spPr>
+          <a:xfrm>
+            <a:off x="6931284" y="5876056"/>
+            <a:ext cx="2796663" cy="523220"/>
+          </a:xfrm>
+          <a:prstGeom prst="rect">
+            <a:avLst/>
+          </a:prstGeom>
+          <a:noFill/>
+        </p:spPr>
+        <p:txBody>
+          <a:bodyPr wrap="none" lIns="91440" tIns="45720" rIns="91440" bIns="45720">
+            <a:spAutoFit/>
+          </a:bodyPr>
+          <a:lstStyle/>
+          <a:p>
+            <a:pPr algn="ctr"/>
+            <a:r>
+              <a:rPr lang="it-IT" sz="2800" b="0" cap="none" spc="0" dirty="0">
+                <a:ln w="0"/>
+                <a:solidFill>
+                  <a:schemeClr val="tx1"/>
+                </a:solidFill>
+                <a:effectLst>
+                  <a:outerShdw blurRad="38100" dist="19050" dir="2700000" algn="tl" rotWithShape="0">
+                    <a:schemeClr val="dk1">
+                      <a:alpha val="40000"/>
+                    </a:schemeClr>
+                  </a:outerShdw>
+                </a:effectLst>
+              </a:rPr>
+              <a:t>Eventi aziendali</a:t>
+            </a:r>
+          </a:p>
+        </p:txBody>
+      </p:sp>
+    </p:spTree>
+    <p:extLst>
+      <p:ext uri="{BB962C8B-B14F-4D97-AF65-F5344CB8AC3E}">
+        <p14:creationId xmlns:p14="http://schemas.microsoft.com/office/powerpoint/2010/main" val="518602748"/>
+      </p:ext>
+    </p:extLst>
+  </p:cSld>
+  <p:clrMapOvr>
+    <a:masterClrMapping/>
+  </p:clrMapOvr>
+</p:sld>
+</file>
+
+<file path=ppt/slides/slide19.xml><?xml version="1.0" encoding="utf-8"?>
+<p:sld xmlns:a="http://schemas.openxmlformats.org/drawingml/2006/main" xmlns:r="http://schemas.openxmlformats.org/officeDocument/2006/relationships" xmlns:p="http://schemas.openxmlformats.org/presentationml/2006/main">
+  <p:cSld>
+    <p:spTree>
+      <p:nvGrpSpPr>
+        <p:cNvPr id="1" name=""/>
+        <p:cNvGrpSpPr/>
+        <p:nvPr/>
+      </p:nvGrpSpPr>
+      <p:grpSpPr>
+        <a:xfrm>
+          <a:off x="0" y="0"/>
+          <a:ext cx="0" cy="0"/>
+          <a:chOff x="0" y="0"/>
+          <a:chExt cx="0" cy="0"/>
+        </a:xfrm>
+      </p:grpSpPr>
+      <p:sp>
+        <p:nvSpPr>
+          <p:cNvPr id="4" name="Rettangolo 3">
+            <a:extLst>
+              <a:ext uri="{FF2B5EF4-FFF2-40B4-BE49-F238E27FC236}">
+                <a16:creationId xmlns:a16="http://schemas.microsoft.com/office/drawing/2014/main" id="{DBDAA722-5971-4742-A935-301A6E833368}"/>
+              </a:ext>
+            </a:extLst>
+          </p:cNvPr>
+          <p:cNvSpPr/>
+          <p:nvPr/>
+        </p:nvSpPr>
+        <p:spPr>
+          <a:xfrm rot="20925283">
+            <a:off x="391481" y="871249"/>
+            <a:ext cx="6457217" cy="923330"/>
+          </a:xfrm>
+          <a:prstGeom prst="rect">
+            <a:avLst/>
+          </a:prstGeom>
+          <a:noFill/>
+        </p:spPr>
+        <p:txBody>
+          <a:bodyPr wrap="none" lIns="91440" tIns="45720" rIns="91440" bIns="45720">
+            <a:spAutoFit/>
+          </a:bodyPr>
+          <a:lstStyle/>
+          <a:p>
+            <a:pPr algn="ctr"/>
+            <a:r>
+              <a:rPr lang="it-IT" sz="5400" b="0" cap="none" spc="0" dirty="0">
+                <a:ln w="0"/>
+                <a:solidFill>
+                  <a:schemeClr val="tx1"/>
+                </a:solidFill>
+                <a:effectLst>
+                  <a:outerShdw blurRad="38100" dist="19050" dir="2700000" algn="tl" rotWithShape="0">
+                    <a:schemeClr val="dk1">
+                      <a:alpha val="40000"/>
+                    </a:schemeClr>
+                  </a:outerShdw>
+                </a:effectLst>
+              </a:rPr>
+              <a:t>E per i dipendenti ?</a:t>
+            </a:r>
+          </a:p>
+        </p:txBody>
+      </p:sp>
+      <p:pic>
+        <p:nvPicPr>
+          <p:cNvPr id="12290" name="Picture 2" descr="Risultati immagini per sistema badge">
+            <a:extLst>
+              <a:ext uri="{FF2B5EF4-FFF2-40B4-BE49-F238E27FC236}">
+                <a16:creationId xmlns:a16="http://schemas.microsoft.com/office/drawing/2014/main" id="{76E1A38D-7CB2-44C8-8968-8243574C408E}"/>
+              </a:ext>
+            </a:extLst>
+          </p:cNvPr>
+          <p:cNvPicPr>
+            <a:picLocks noChangeAspect="1" noChangeArrowheads="1"/>
+          </p:cNvPicPr>
+          <p:nvPr/>
+        </p:nvPicPr>
+        <p:blipFill>
+          <a:blip r:embed="rId2">
+            <a:extLst>
+              <a:ext uri="{28A0092B-C50C-407E-A947-70E740481C1C}">
+                <a14:useLocalDpi xmlns:a14="http://schemas.microsoft.com/office/drawing/2010/main" val="0"/>
+              </a:ext>
+            </a:extLst>
+          </a:blip>
+          <a:srcRect/>
+          <a:stretch>
+            <a:fillRect/>
+          </a:stretch>
+        </p:blipFill>
+        <p:spPr bwMode="auto">
+          <a:xfrm>
+            <a:off x="1095068" y="2564863"/>
+            <a:ext cx="4177020" cy="3116700"/>
+          </a:xfrm>
+          <a:prstGeom prst="rect">
+            <a:avLst/>
+          </a:prstGeom>
+          <a:noFill/>
+          <a:extLst>
+            <a:ext uri="{909E8E84-426E-40DD-AFC4-6F175D3DCCD1}">
+              <a14:hiddenFill xmlns:a14="http://schemas.microsoft.com/office/drawing/2010/main">
+                <a:solidFill>
+                  <a:srgbClr val="FFFFFF"/>
+                </a:solidFill>
+              </a14:hiddenFill>
+            </a:ext>
+          </a:extLst>
+        </p:spPr>
+      </p:pic>
+      <p:pic>
+        <p:nvPicPr>
+          <p:cNvPr id="12292" name="Picture 4" descr="Risultati immagini per sistema badge">
+            <a:extLst>
+              <a:ext uri="{FF2B5EF4-FFF2-40B4-BE49-F238E27FC236}">
+                <a16:creationId xmlns:a16="http://schemas.microsoft.com/office/drawing/2014/main" id="{074A54E0-EE21-44C0-9C48-BBFC56276F66}"/>
+              </a:ext>
+            </a:extLst>
+          </p:cNvPr>
+          <p:cNvPicPr>
+            <a:picLocks noChangeAspect="1" noChangeArrowheads="1"/>
+          </p:cNvPicPr>
+          <p:nvPr/>
+        </p:nvPicPr>
+        <p:blipFill>
+          <a:blip r:embed="rId3">
+            <a:extLst>
+              <a:ext uri="{28A0092B-C50C-407E-A947-70E740481C1C}">
+                <a14:useLocalDpi xmlns:a14="http://schemas.microsoft.com/office/drawing/2010/main" val="0"/>
+              </a:ext>
+            </a:extLst>
+          </a:blip>
+          <a:srcRect/>
+          <a:stretch>
+            <a:fillRect/>
+          </a:stretch>
+        </p:blipFill>
+        <p:spPr bwMode="auto">
+          <a:xfrm>
+            <a:off x="6667807" y="1147070"/>
+            <a:ext cx="4429125" cy="2857500"/>
+          </a:xfrm>
+          <a:prstGeom prst="rect">
+            <a:avLst/>
+          </a:prstGeom>
+          <a:noFill/>
+          <a:extLst>
+            <a:ext uri="{909E8E84-426E-40DD-AFC4-6F175D3DCCD1}">
+              <a14:hiddenFill xmlns:a14="http://schemas.microsoft.com/office/drawing/2010/main">
+                <a:solidFill>
+                  <a:srgbClr val="FFFFFF"/>
+                </a:solidFill>
+              </a14:hiddenFill>
+            </a:ext>
+          </a:extLst>
+        </p:spPr>
+      </p:pic>
+      <p:sp>
+        <p:nvSpPr>
+          <p:cNvPr id="5" name="Rettangolo 4">
+            <a:extLst>
+              <a:ext uri="{FF2B5EF4-FFF2-40B4-BE49-F238E27FC236}">
+                <a16:creationId xmlns:a16="http://schemas.microsoft.com/office/drawing/2014/main" id="{B6EC9C24-7290-480A-B962-7CF407AA1086}"/>
+              </a:ext>
+            </a:extLst>
+          </p:cNvPr>
+          <p:cNvSpPr/>
+          <p:nvPr/>
+        </p:nvSpPr>
+        <p:spPr>
+          <a:xfrm rot="20779515">
+            <a:off x="6008228" y="4789855"/>
+            <a:ext cx="4339585" cy="1323439"/>
+          </a:xfrm>
+          <a:prstGeom prst="rect">
+            <a:avLst/>
+          </a:prstGeom>
+          <a:noFill/>
+        </p:spPr>
+        <p:txBody>
+          <a:bodyPr wrap="none" lIns="91440" tIns="45720" rIns="91440" bIns="45720">
+            <a:spAutoFit/>
+          </a:bodyPr>
+          <a:lstStyle/>
+          <a:p>
+            <a:pPr algn="ctr"/>
+            <a:r>
+              <a:rPr lang="it-IT" sz="4000" dirty="0">
+                <a:ln w="0"/>
+                <a:solidFill>
+                  <a:schemeClr val="accent1"/>
+                </a:solidFill>
+                <a:effectLst>
+                  <a:outerShdw blurRad="38100" dist="25400" dir="5400000" algn="ctr" rotWithShape="0">
+                    <a:srgbClr val="6E747A">
+                      <a:alpha val="43000"/>
+                    </a:srgbClr>
+                  </a:outerShdw>
+                </a:effectLst>
+              </a:rPr>
+              <a:t>Mai più presenze </a:t>
+            </a:r>
+            <a:br>
+              <a:rPr lang="it-IT" sz="4000" dirty="0">
+                <a:ln w="0"/>
+                <a:solidFill>
+                  <a:schemeClr val="accent1"/>
+                </a:solidFill>
+                <a:effectLst>
+                  <a:outerShdw blurRad="38100" dist="25400" dir="5400000" algn="ctr" rotWithShape="0">
+                    <a:srgbClr val="6E747A">
+                      <a:alpha val="43000"/>
+                    </a:srgbClr>
+                  </a:outerShdw>
+                </a:effectLst>
+              </a:rPr>
+            </a:br>
+            <a:r>
+              <a:rPr lang="it-IT" sz="4000" dirty="0">
+                <a:ln w="0"/>
+                <a:solidFill>
+                  <a:schemeClr val="accent1"/>
+                </a:solidFill>
+                <a:effectLst>
+                  <a:outerShdw blurRad="38100" dist="25400" dir="5400000" algn="ctr" rotWithShape="0">
+                    <a:srgbClr val="6E747A">
+                      <a:alpha val="43000"/>
+                    </a:srgbClr>
+                  </a:outerShdw>
+                </a:effectLst>
+              </a:rPr>
+              <a:t>a mano!</a:t>
+            </a:r>
+            <a:endParaRPr lang="it-IT" sz="4000" b="0" cap="none" spc="0" dirty="0">
+              <a:ln w="0"/>
+              <a:solidFill>
+                <a:schemeClr val="accent1"/>
+              </a:solidFill>
+              <a:effectLst>
+                <a:outerShdw blurRad="38100" dist="25400" dir="5400000" algn="ctr" rotWithShape="0">
+                  <a:srgbClr val="6E747A">
+                    <a:alpha val="43000"/>
+                  </a:srgbClr>
+                </a:outerShdw>
+              </a:effectLst>
+            </a:endParaRPr>
+          </a:p>
+        </p:txBody>
+      </p:sp>
+    </p:spTree>
+    <p:extLst>
+      <p:ext uri="{BB962C8B-B14F-4D97-AF65-F5344CB8AC3E}">
+        <p14:creationId xmlns:p14="http://schemas.microsoft.com/office/powerpoint/2010/main" val="339862094"/>
+      </p:ext>
+    </p:extLst>
+  </p:cSld>
+  <p:clrMapOvr>
+    <a:masterClrMapping/>
+  </p:clrMapOvr>
+</p:sld>
+</file>
+
+<file path=ppt/slides/slide2.xml><?xml version="1.0" encoding="utf-8"?>
+<p:sld xmlns:a="http://schemas.openxmlformats.org/drawingml/2006/main" xmlns:r="http://schemas.openxmlformats.org/officeDocument/2006/relationships" xmlns:p="http://schemas.openxmlformats.org/presentationml/2006/main">
+  <p:cSld>
+    <p:spTree>
+      <p:nvGrpSpPr>
+        <p:cNvPr id="1" name=""/>
+        <p:cNvGrpSpPr/>
+        <p:nvPr/>
+      </p:nvGrpSpPr>
+      <p:grpSpPr>
+        <a:xfrm>
+          <a:off x="0" y="0"/>
+          <a:ext cx="0" cy="0"/>
+          <a:chOff x="0" y="0"/>
+          <a:chExt cx="0" cy="0"/>
+        </a:xfrm>
+      </p:grpSpPr>
+      <p:sp>
+        <p:nvSpPr>
+          <p:cNvPr id="4" name="Rettangolo 3">
+            <a:extLst>
+              <a:ext uri="{FF2B5EF4-FFF2-40B4-BE49-F238E27FC236}">
+                <a16:creationId xmlns:a16="http://schemas.microsoft.com/office/drawing/2014/main" id="{EEDFDDAF-6903-4739-A548-B51F46A20D7C}"/>
+              </a:ext>
+            </a:extLst>
+          </p:cNvPr>
+          <p:cNvSpPr/>
+          <p:nvPr/>
+        </p:nvSpPr>
+        <p:spPr>
+          <a:xfrm rot="20399947">
+            <a:off x="-47028" y="957887"/>
+            <a:ext cx="5090368" cy="1200329"/>
+          </a:xfrm>
+          <a:prstGeom prst="rect">
+            <a:avLst/>
+          </a:prstGeom>
+          <a:noFill/>
+        </p:spPr>
+        <p:txBody>
+          <a:bodyPr wrap="square" lIns="91440" tIns="45720" rIns="91440" bIns="45720">
+            <a:spAutoFit/>
+          </a:bodyPr>
+          <a:lstStyle/>
+          <a:p>
+            <a:pPr algn="ctr"/>
+            <a:r>
+              <a:rPr lang="it-IT" sz="3600" b="0" cap="none" spc="0" dirty="0">
+                <a:ln w="0"/>
+                <a:solidFill>
+                  <a:schemeClr val="tx1"/>
+                </a:solidFill>
+                <a:effectLst>
+                  <a:outerShdw blurRad="38100" dist="19050" dir="2700000" algn="tl" rotWithShape="0">
+                    <a:schemeClr val="dk1">
+                      <a:alpha val="40000"/>
+                    </a:schemeClr>
+                  </a:outerShdw>
+                </a:effectLst>
+              </a:rPr>
+              <a:t>&lt;In quest’ufficio, siamo</a:t>
+            </a:r>
+          </a:p>
+          <a:p>
+            <a:pPr algn="ctr"/>
+            <a:r>
+              <a:rPr lang="it-IT" sz="3600" b="0" cap="none" spc="0" dirty="0">
+                <a:ln w="0"/>
+                <a:solidFill>
+                  <a:schemeClr val="tx1"/>
+                </a:solidFill>
+                <a:effectLst>
+                  <a:outerShdw blurRad="38100" dist="19050" dir="2700000" algn="tl" rotWithShape="0">
+                    <a:schemeClr val="dk1">
+                      <a:alpha val="40000"/>
+                    </a:schemeClr>
+                  </a:outerShdw>
+                </a:effectLst>
+              </a:rPr>
+              <a:t> pieni di fascicoli&gt;</a:t>
+            </a:r>
+          </a:p>
+        </p:txBody>
+      </p:sp>
+      <p:sp>
+        <p:nvSpPr>
+          <p:cNvPr id="5" name="Rettangolo 4">
+            <a:extLst>
+              <a:ext uri="{FF2B5EF4-FFF2-40B4-BE49-F238E27FC236}">
+                <a16:creationId xmlns:a16="http://schemas.microsoft.com/office/drawing/2014/main" id="{55A3C132-1F7D-4386-8C52-014FEB4012FF}"/>
+              </a:ext>
+            </a:extLst>
+          </p:cNvPr>
+          <p:cNvSpPr/>
+          <p:nvPr/>
+        </p:nvSpPr>
+        <p:spPr>
+          <a:xfrm rot="1456444">
+            <a:off x="6942271" y="1116812"/>
+            <a:ext cx="5090368" cy="1200329"/>
+          </a:xfrm>
+          <a:prstGeom prst="rect">
+            <a:avLst/>
+          </a:prstGeom>
+          <a:noFill/>
+        </p:spPr>
+        <p:txBody>
+          <a:bodyPr wrap="square" lIns="91440" tIns="45720" rIns="91440" bIns="45720">
+            <a:spAutoFit/>
+          </a:bodyPr>
+          <a:lstStyle/>
+          <a:p>
+            <a:pPr algn="ctr"/>
+            <a:r>
+              <a:rPr lang="it-IT" sz="3600" b="0" cap="none" spc="0" dirty="0">
+                <a:ln w="0"/>
+                <a:solidFill>
+                  <a:schemeClr val="tx1"/>
+                </a:solidFill>
+                <a:effectLst>
+                  <a:outerShdw blurRad="38100" dist="19050" dir="2700000" algn="tl" rotWithShape="0">
+                    <a:schemeClr val="dk1">
+                      <a:alpha val="40000"/>
+                    </a:schemeClr>
+                  </a:outerShdw>
+                </a:effectLst>
+              </a:rPr>
+              <a:t>&lt;E oggi? Cosa c’è da fare?&gt;</a:t>
+            </a:r>
+          </a:p>
+        </p:txBody>
+      </p:sp>
+      <p:pic>
+        <p:nvPicPr>
+          <p:cNvPr id="3" name="Immagine 2">
+            <a:extLst>
+              <a:ext uri="{FF2B5EF4-FFF2-40B4-BE49-F238E27FC236}">
+                <a16:creationId xmlns:a16="http://schemas.microsoft.com/office/drawing/2014/main" id="{C5245084-39B9-49C7-B866-7DC899D42FE8}"/>
+              </a:ext>
+            </a:extLst>
+          </p:cNvPr>
+          <p:cNvPicPr>
+            <a:picLocks noChangeAspect="1"/>
+          </p:cNvPicPr>
+          <p:nvPr/>
+        </p:nvPicPr>
+        <p:blipFill>
+          <a:blip r:embed="rId2">
+            <a:extLst>
+              <a:ext uri="{28A0092B-C50C-407E-A947-70E740481C1C}">
+                <a14:useLocalDpi xmlns:a14="http://schemas.microsoft.com/office/drawing/2010/main" val="0"/>
+              </a:ext>
+            </a:extLst>
+          </a:blip>
+          <a:stretch>
+            <a:fillRect/>
+          </a:stretch>
+        </p:blipFill>
+        <p:spPr>
+          <a:xfrm>
+            <a:off x="388376" y="2992560"/>
+            <a:ext cx="6096000" cy="3429000"/>
+          </a:xfrm>
+          <a:prstGeom prst="rect">
+            <a:avLst/>
+          </a:prstGeom>
+        </p:spPr>
+      </p:pic>
+      <p:pic>
+        <p:nvPicPr>
+          <p:cNvPr id="7" name="Immagine 6">
+            <a:extLst>
+              <a:ext uri="{FF2B5EF4-FFF2-40B4-BE49-F238E27FC236}">
+                <a16:creationId xmlns:a16="http://schemas.microsoft.com/office/drawing/2014/main" id="{3DD05BA2-B318-4321-A547-F8F7E26A0331}"/>
+              </a:ext>
+            </a:extLst>
+          </p:cNvPr>
+          <p:cNvPicPr>
+            <a:picLocks noChangeAspect="1"/>
+          </p:cNvPicPr>
+          <p:nvPr/>
+        </p:nvPicPr>
+        <p:blipFill>
+          <a:blip r:embed="rId3">
+            <a:extLst>
+              <a:ext uri="{28A0092B-C50C-407E-A947-70E740481C1C}">
+                <a14:useLocalDpi xmlns:a14="http://schemas.microsoft.com/office/drawing/2010/main" val="0"/>
+              </a:ext>
+            </a:extLst>
+          </a:blip>
+          <a:stretch>
+            <a:fillRect/>
+          </a:stretch>
+        </p:blipFill>
+        <p:spPr>
+          <a:xfrm>
+            <a:off x="7841226" y="2740742"/>
+            <a:ext cx="2438400" cy="2438400"/>
+          </a:xfrm>
+          <a:prstGeom prst="rect">
+            <a:avLst/>
+          </a:prstGeom>
+        </p:spPr>
+      </p:pic>
+    </p:spTree>
+    <p:extLst>
+      <p:ext uri="{BB962C8B-B14F-4D97-AF65-F5344CB8AC3E}">
+        <p14:creationId xmlns:p14="http://schemas.microsoft.com/office/powerpoint/2010/main" val="2063021265"/>
+      </p:ext>
+    </p:extLst>
+  </p:cSld>
+  <p:clrMapOvr>
+    <a:masterClrMapping/>
+  </p:clrMapOvr>
+</p:sld>
+</file>
+
+<file path=ppt/slides/slide20.xml><?xml version="1.0" encoding="utf-8"?>
+<p:sld xmlns:a="http://schemas.openxmlformats.org/drawingml/2006/main" xmlns:r="http://schemas.openxmlformats.org/officeDocument/2006/relationships" xmlns:p="http://schemas.openxmlformats.org/presentationml/2006/main">
+  <p:cSld>
+    <p:spTree>
+      <p:nvGrpSpPr>
+        <p:cNvPr id="1" name=""/>
+        <p:cNvGrpSpPr/>
+        <p:nvPr/>
+      </p:nvGrpSpPr>
+      <p:grpSpPr>
+        <a:xfrm>
+          <a:off x="0" y="0"/>
+          <a:ext cx="0" cy="0"/>
+          <a:chOff x="0" y="0"/>
+          <a:chExt cx="0" cy="0"/>
+        </a:xfrm>
+      </p:grpSpPr>
+      <p:sp>
+        <p:nvSpPr>
+          <p:cNvPr id="4" name="Rettangolo 3">
+            <a:extLst>
+              <a:ext uri="{FF2B5EF4-FFF2-40B4-BE49-F238E27FC236}">
+                <a16:creationId xmlns:a16="http://schemas.microsoft.com/office/drawing/2014/main" id="{D267BB3F-75E4-4031-B9AF-AF55635CA4FD}"/>
+              </a:ext>
+            </a:extLst>
+          </p:cNvPr>
+          <p:cNvSpPr/>
+          <p:nvPr/>
+        </p:nvSpPr>
+        <p:spPr>
+          <a:xfrm>
+            <a:off x="841009" y="171739"/>
+            <a:ext cx="10345396" cy="707886"/>
+          </a:xfrm>
+          <a:prstGeom prst="rect">
+            <a:avLst/>
+          </a:prstGeom>
+          <a:noFill/>
+        </p:spPr>
+        <p:txBody>
+          <a:bodyPr wrap="none" lIns="91440" tIns="45720" rIns="91440" bIns="45720">
+            <a:spAutoFit/>
+          </a:bodyPr>
+          <a:lstStyle/>
+          <a:p>
+            <a:pPr algn="ctr"/>
+            <a:r>
+              <a:rPr lang="it-IT" sz="4000" b="0" cap="none" spc="0" dirty="0">
+                <a:ln w="0"/>
+                <a:solidFill>
+                  <a:schemeClr val="tx1"/>
+                </a:solidFill>
+                <a:effectLst>
+                  <a:outerShdw blurRad="38100" dist="19050" dir="2700000" algn="tl" rotWithShape="0">
+                    <a:schemeClr val="dk1">
+                      <a:alpha val="40000"/>
+                    </a:schemeClr>
+                  </a:outerShdw>
+                </a:effectLst>
+              </a:rPr>
+              <a:t>Se non vi fidate di noi, fidatevi dei confronti</a:t>
+            </a:r>
+          </a:p>
+        </p:txBody>
+      </p:sp>
+      <p:graphicFrame>
+        <p:nvGraphicFramePr>
+          <p:cNvPr id="5" name="Tabella 4">
+            <a:extLst>
+              <a:ext uri="{FF2B5EF4-FFF2-40B4-BE49-F238E27FC236}">
+                <a16:creationId xmlns:a16="http://schemas.microsoft.com/office/drawing/2014/main" id="{349FF7B6-D9B0-418F-A33F-8CD68735E7E2}"/>
+              </a:ext>
+            </a:extLst>
+          </p:cNvPr>
+          <p:cNvGraphicFramePr>
+            <a:graphicFrameLocks noGrp="1"/>
+          </p:cNvGraphicFramePr>
+          <p:nvPr>
+            <p:extLst>
+              <p:ext uri="{D42A27DB-BD31-4B8C-83A1-F6EECF244321}">
+                <p14:modId xmlns:p14="http://schemas.microsoft.com/office/powerpoint/2010/main" val="2400644646"/>
+              </p:ext>
+            </p:extLst>
+          </p:nvPr>
+        </p:nvGraphicFramePr>
+        <p:xfrm>
+          <a:off x="195154" y="1028798"/>
+          <a:ext cx="11637106" cy="5303520"/>
+        </p:xfrm>
+        <a:graphic>
+          <a:graphicData uri="http://schemas.openxmlformats.org/drawingml/2006/table">
+            <a:tbl>
+              <a:tblPr firstRow="1" bandRow="1">
+                <a:tableStyleId>{5C22544A-7EE6-4342-B048-85BDC9FD1C3A}</a:tableStyleId>
+              </a:tblPr>
+              <a:tblGrid>
+                <a:gridCol w="2149157">
+                  <a:extLst>
+                    <a:ext uri="{9D8B030D-6E8A-4147-A177-3AD203B41FA5}">
+                      <a16:colId xmlns:a16="http://schemas.microsoft.com/office/drawing/2014/main" val="3489408583"/>
+                    </a:ext>
+                  </a:extLst>
+                </a:gridCol>
+                <a:gridCol w="4658642">
+                  <a:extLst>
+                    <a:ext uri="{9D8B030D-6E8A-4147-A177-3AD203B41FA5}">
+                      <a16:colId xmlns:a16="http://schemas.microsoft.com/office/drawing/2014/main" val="4085117965"/>
+                    </a:ext>
+                  </a:extLst>
+                </a:gridCol>
+                <a:gridCol w="2946632">
+                  <a:extLst>
+                    <a:ext uri="{9D8B030D-6E8A-4147-A177-3AD203B41FA5}">
+                      <a16:colId xmlns:a16="http://schemas.microsoft.com/office/drawing/2014/main" val="3993589630"/>
+                    </a:ext>
+                  </a:extLst>
+                </a:gridCol>
+                <a:gridCol w="1882675">
+                  <a:extLst>
+                    <a:ext uri="{9D8B030D-6E8A-4147-A177-3AD203B41FA5}">
+                      <a16:colId xmlns:a16="http://schemas.microsoft.com/office/drawing/2014/main" val="1636576173"/>
+                    </a:ext>
+                  </a:extLst>
+                </a:gridCol>
+              </a:tblGrid>
+              <a:tr h="265430">
+                <a:tc>
+                  <a:txBody>
+                    <a:bodyPr/>
+                    <a:lstStyle/>
+                    <a:p>
+                      <a:r>
+                        <a:rPr lang="it-IT" dirty="0"/>
+                        <a:t>Processo:</a:t>
+                      </a:r>
+                    </a:p>
+                  </a:txBody>
+                  <a:tcPr/>
+                </a:tc>
+                <a:tc>
+                  <a:txBody>
+                    <a:bodyPr/>
+                    <a:lstStyle/>
+                    <a:p>
+                      <a:r>
+                        <a:rPr lang="it-IT" dirty="0"/>
+                        <a:t>Prima di noi</a:t>
+                      </a:r>
+                    </a:p>
+                  </a:txBody>
+                  <a:tcPr/>
+                </a:tc>
+                <a:tc>
+                  <a:txBody>
+                    <a:bodyPr/>
+                    <a:lstStyle/>
+                    <a:p>
+                      <a:r>
+                        <a:rPr lang="it-IT" dirty="0"/>
+                        <a:t>Con noi</a:t>
+                      </a:r>
+                    </a:p>
+                  </a:txBody>
+                  <a:tcPr/>
+                </a:tc>
+                <a:tc>
+                  <a:txBody>
+                    <a:bodyPr/>
+                    <a:lstStyle/>
+                    <a:p>
+                      <a:r>
+                        <a:rPr lang="it-IT" dirty="0"/>
+                        <a:t>Beneficio per:</a:t>
+                      </a:r>
+                    </a:p>
+                  </a:txBody>
+                  <a:tcPr/>
+                </a:tc>
+                <a:extLst>
+                  <a:ext uri="{0D108BD9-81ED-4DB2-BD59-A6C34878D82A}">
+                    <a16:rowId xmlns:a16="http://schemas.microsoft.com/office/drawing/2014/main" val="123766199"/>
+                  </a:ext>
+                </a:extLst>
+              </a:tr>
+              <a:tr h="389825">
+                <a:tc>
+                  <a:txBody>
+                    <a:bodyPr/>
+                    <a:lstStyle/>
+                    <a:p>
+                      <a:r>
+                        <a:rPr lang="it-IT" sz="1400" dirty="0"/>
+                        <a:t>Rifornimento merci</a:t>
+                      </a:r>
+                    </a:p>
+                  </a:txBody>
+                  <a:tcPr/>
+                </a:tc>
+                <a:tc>
+                  <a:txBody>
+                    <a:bodyPr/>
+                    <a:lstStyle/>
+                    <a:p>
+                      <a:r>
+                        <a:rPr lang="it-IT" sz="1400" dirty="0"/>
+                        <a:t>Minimo 2 ore</a:t>
+                      </a:r>
+                    </a:p>
+                  </a:txBody>
+                  <a:tcPr/>
+                </a:tc>
+                <a:tc>
+                  <a:txBody>
+                    <a:bodyPr/>
+                    <a:lstStyle/>
+                    <a:p>
+                      <a:r>
+                        <a:rPr lang="it-IT" sz="1400" dirty="0"/>
+                        <a:t>Diponibilità materiali automaticamente calcolata</a:t>
+                      </a:r>
+                    </a:p>
+                  </a:txBody>
+                  <a:tcPr/>
+                </a:tc>
+                <a:tc>
+                  <a:txBody>
+                    <a:bodyPr/>
+                    <a:lstStyle/>
+                    <a:p>
+                      <a:r>
+                        <a:rPr lang="it-IT" sz="1400" dirty="0"/>
+                        <a:t>Dipendenti dell’azienda</a:t>
+                      </a:r>
+                    </a:p>
+                    <a:p>
+                      <a:endParaRPr lang="it-IT" sz="1400" dirty="0"/>
+                    </a:p>
+                  </a:txBody>
+                  <a:tcPr/>
+                </a:tc>
+                <a:extLst>
+                  <a:ext uri="{0D108BD9-81ED-4DB2-BD59-A6C34878D82A}">
+                    <a16:rowId xmlns:a16="http://schemas.microsoft.com/office/drawing/2014/main" val="2122745133"/>
+                  </a:ext>
+                </a:extLst>
+              </a:tr>
+              <a:tr h="389825">
+                <a:tc>
+                  <a:txBody>
+                    <a:bodyPr/>
+                    <a:lstStyle/>
+                    <a:p>
+                      <a:r>
+                        <a:rPr lang="it-IT" sz="1400" dirty="0"/>
+                        <a:t>Vendita Prodotto e Servizio Stampa</a:t>
+                      </a:r>
+                    </a:p>
+                  </a:txBody>
+                  <a:tcPr/>
+                </a:tc>
+                <a:tc>
+                  <a:txBody>
+                    <a:bodyPr/>
+                    <a:lstStyle/>
+                    <a:p>
+                      <a:r>
+                        <a:rPr lang="it-IT" sz="1400" dirty="0"/>
+                        <a:t>Tempo calcolato in funzione della disponibilità dell’amministratore a gestire gli incontri oppure le mail. Registrazione ordine su un quaderno.  (Da 1 a 3 giorni)</a:t>
+                      </a:r>
+                    </a:p>
+                  </a:txBody>
+                  <a:tcPr/>
+                </a:tc>
+                <a:tc>
+                  <a:txBody>
+                    <a:bodyPr/>
+                    <a:lstStyle/>
+                    <a:p>
+                      <a:r>
+                        <a:rPr lang="it-IT" sz="1400" dirty="0"/>
+                        <a:t>Si riduce il tempo in cui l’amministratore controlla le agende degli incontri. Gli ordini sono memorizzati in una base di dati. Il cliente avverte una maggiore disponibilità ed efficienza da parte dell’azienda. </a:t>
+                      </a:r>
+                    </a:p>
+                  </a:txBody>
+                  <a:tcPr/>
+                </a:tc>
+                <a:tc>
+                  <a:txBody>
+                    <a:bodyPr/>
+                    <a:lstStyle/>
+                    <a:p>
+                      <a:r>
+                        <a:rPr lang="it-IT" sz="1400" dirty="0"/>
+                        <a:t>Amministratore e cliente. </a:t>
+                      </a:r>
+                    </a:p>
+                  </a:txBody>
+                  <a:tcPr/>
+                </a:tc>
+                <a:extLst>
+                  <a:ext uri="{0D108BD9-81ED-4DB2-BD59-A6C34878D82A}">
+                    <a16:rowId xmlns:a16="http://schemas.microsoft.com/office/drawing/2014/main" val="3284442318"/>
+                  </a:ext>
+                </a:extLst>
+              </a:tr>
+              <a:tr h="389825">
+                <a:tc>
+                  <a:txBody>
+                    <a:bodyPr/>
+                    <a:lstStyle/>
+                    <a:p>
+                      <a:r>
+                        <a:rPr lang="it-IT" sz="1400" dirty="0"/>
+                        <a:t>E-commerce</a:t>
+                      </a:r>
+                    </a:p>
+                  </a:txBody>
+                  <a:tcPr/>
+                </a:tc>
+                <a:tc>
+                  <a:txBody>
+                    <a:bodyPr/>
+                    <a:lstStyle/>
+                    <a:p>
+                      <a:r>
+                        <a:rPr lang="it-IT" sz="1400" dirty="0"/>
+                        <a:t>Non esisteva alcun tipo di vendita on-line. Tutto era rallentato dalla comunicazione tramite e-mail (Da 1 a 3 giorni)</a:t>
+                      </a:r>
+                    </a:p>
+                  </a:txBody>
+                  <a:tcPr/>
+                </a:tc>
+                <a:tc>
+                  <a:txBody>
+                    <a:bodyPr/>
+                    <a:lstStyle/>
+                    <a:p>
+                      <a:r>
+                        <a:rPr lang="it-IT" sz="1400" dirty="0"/>
+                        <a:t>Ordine realizzato in un tempo immediato. Non bisogna registrare alcun ordine. Tutto viene svolto in maniera automatica. Si possono acquisire clienti lontani geograficamente</a:t>
+                      </a:r>
+                    </a:p>
+                  </a:txBody>
+                  <a:tcPr/>
+                </a:tc>
+                <a:tc>
+                  <a:txBody>
+                    <a:bodyPr/>
+                    <a:lstStyle/>
+                    <a:p>
+                      <a:r>
+                        <a:rPr lang="it-IT" sz="1400" dirty="0"/>
+                        <a:t>Cliente e dipendenti azienda</a:t>
+                      </a:r>
+                    </a:p>
+                  </a:txBody>
+                  <a:tcPr/>
+                </a:tc>
+                <a:extLst>
+                  <a:ext uri="{0D108BD9-81ED-4DB2-BD59-A6C34878D82A}">
+                    <a16:rowId xmlns:a16="http://schemas.microsoft.com/office/drawing/2014/main" val="93853797"/>
+                  </a:ext>
+                </a:extLst>
+              </a:tr>
+              <a:tr h="389825">
+                <a:tc>
+                  <a:txBody>
+                    <a:bodyPr/>
+                    <a:lstStyle/>
+                    <a:p>
+                      <a:r>
+                        <a:rPr lang="it-IT" sz="1400" dirty="0"/>
+                        <a:t>Rappresentanza </a:t>
+                      </a:r>
+                    </a:p>
+                  </a:txBody>
+                  <a:tcPr/>
+                </a:tc>
+                <a:tc>
+                  <a:txBody>
+                    <a:bodyPr/>
+                    <a:lstStyle/>
+                    <a:p>
+                      <a:r>
+                        <a:rPr lang="it-IT" sz="1400" dirty="0"/>
+                        <a:t>Incontro con i clienti ed offerte memorizzate su supporto cartaceo. Notazione cartacea dello stato di avanzamento di una pratica. </a:t>
+                      </a:r>
+                    </a:p>
+                  </a:txBody>
+                  <a:tcPr/>
+                </a:tc>
+                <a:tc>
+                  <a:txBody>
+                    <a:bodyPr/>
+                    <a:lstStyle/>
+                    <a:p>
+                      <a:r>
+                        <a:rPr lang="it-IT" sz="1400" dirty="0"/>
+                        <a:t>Offerta al cliente gestita in ogni stadio di avanzamento. </a:t>
+                      </a:r>
+                      <a:br>
+                        <a:rPr lang="it-IT" sz="1400" dirty="0"/>
+                      </a:br>
+                      <a:r>
+                        <a:rPr lang="it-IT" sz="1400" dirty="0"/>
+                        <a:t>Apertura verso i social. </a:t>
+                      </a:r>
+                    </a:p>
+                  </a:txBody>
+                  <a:tcPr/>
+                </a:tc>
+                <a:tc>
+                  <a:txBody>
+                    <a:bodyPr/>
+                    <a:lstStyle/>
+                    <a:p>
+                      <a:r>
+                        <a:rPr lang="it-IT" sz="1400" dirty="0"/>
+                        <a:t>Cliente e responsabile marketing</a:t>
+                      </a:r>
+                    </a:p>
+                  </a:txBody>
+                  <a:tcPr/>
+                </a:tc>
+                <a:extLst>
+                  <a:ext uri="{0D108BD9-81ED-4DB2-BD59-A6C34878D82A}">
+                    <a16:rowId xmlns:a16="http://schemas.microsoft.com/office/drawing/2014/main" val="410299394"/>
+                  </a:ext>
+                </a:extLst>
+              </a:tr>
+              <a:tr h="389825">
+                <a:tc>
+                  <a:txBody>
+                    <a:bodyPr/>
+                    <a:lstStyle/>
+                    <a:p>
+                      <a:r>
+                        <a:rPr lang="it-IT" sz="1400" dirty="0"/>
+                        <a:t>Gestione dipendenti</a:t>
+                      </a:r>
+                    </a:p>
+                  </a:txBody>
+                  <a:tcPr/>
+                </a:tc>
+                <a:tc>
+                  <a:txBody>
+                    <a:bodyPr/>
+                    <a:lstStyle/>
+                    <a:p>
+                      <a:r>
+                        <a:rPr lang="it-IT" sz="1400" dirty="0"/>
+                        <a:t>Presente segnate su un registro</a:t>
+                      </a:r>
+                    </a:p>
+                  </a:txBody>
+                  <a:tcPr/>
+                </a:tc>
+                <a:tc>
+                  <a:txBody>
+                    <a:bodyPr/>
+                    <a:lstStyle/>
+                    <a:p>
+                      <a:r>
+                        <a:rPr lang="it-IT" sz="1400" dirty="0"/>
+                        <a:t>Presenze rilevate automaticamente </a:t>
+                      </a:r>
+                    </a:p>
+                  </a:txBody>
+                  <a:tcPr/>
+                </a:tc>
+                <a:tc>
+                  <a:txBody>
+                    <a:bodyPr/>
+                    <a:lstStyle/>
+                    <a:p>
+                      <a:r>
+                        <a:rPr lang="it-IT" sz="1400" dirty="0"/>
+                        <a:t>Amministratore e contabile</a:t>
+                      </a:r>
+                    </a:p>
+                  </a:txBody>
+                  <a:tcPr/>
+                </a:tc>
+                <a:extLst>
+                  <a:ext uri="{0D108BD9-81ED-4DB2-BD59-A6C34878D82A}">
+                    <a16:rowId xmlns:a16="http://schemas.microsoft.com/office/drawing/2014/main" val="3111060990"/>
+                  </a:ext>
+                </a:extLst>
+              </a:tr>
+            </a:tbl>
+          </a:graphicData>
+        </a:graphic>
+      </p:graphicFrame>
+    </p:spTree>
+    <p:extLst>
+      <p:ext uri="{BB962C8B-B14F-4D97-AF65-F5344CB8AC3E}">
+        <p14:creationId xmlns:p14="http://schemas.microsoft.com/office/powerpoint/2010/main" val="3664974490"/>
+      </p:ext>
+    </p:extLst>
+  </p:cSld>
+  <p:clrMapOvr>
+    <a:masterClrMapping/>
+  </p:clrMapOvr>
+</p:sld>
+</file>
+
+<file path=ppt/slides/slide21.xml><?xml version="1.0" encoding="utf-8"?>
+<p:sld xmlns:a="http://schemas.openxmlformats.org/drawingml/2006/main" xmlns:r="http://schemas.openxmlformats.org/officeDocument/2006/relationships" xmlns:p="http://schemas.openxmlformats.org/presentationml/2006/main">
+  <p:cSld>
+    <p:spTree>
+      <p:nvGrpSpPr>
+        <p:cNvPr id="1" name=""/>
+        <p:cNvGrpSpPr/>
+        <p:nvPr/>
+      </p:nvGrpSpPr>
+      <p:grpSpPr>
+        <a:xfrm>
+          <a:off x="0" y="0"/>
+          <a:ext cx="0" cy="0"/>
+          <a:chOff x="0" y="0"/>
+          <a:chExt cx="0" cy="0"/>
+        </a:xfrm>
+      </p:grpSpPr>
+      <p:sp>
+        <p:nvSpPr>
+          <p:cNvPr id="4" name="Rettangolo 3">
+            <a:extLst>
+              <a:ext uri="{FF2B5EF4-FFF2-40B4-BE49-F238E27FC236}">
+                <a16:creationId xmlns:a16="http://schemas.microsoft.com/office/drawing/2014/main" id="{627BFF84-DC7C-410E-B789-386D48D82696}"/>
+              </a:ext>
+            </a:extLst>
+          </p:cNvPr>
+          <p:cNvSpPr/>
+          <p:nvPr/>
+        </p:nvSpPr>
+        <p:spPr>
+          <a:xfrm>
+            <a:off x="330674" y="31984"/>
+            <a:ext cx="11530657" cy="923330"/>
+          </a:xfrm>
+          <a:prstGeom prst="rect">
+            <a:avLst/>
+          </a:prstGeom>
+          <a:noFill/>
+        </p:spPr>
+        <p:txBody>
+          <a:bodyPr wrap="none" lIns="91440" tIns="45720" rIns="91440" bIns="45720">
+            <a:spAutoFit/>
+          </a:bodyPr>
+          <a:lstStyle/>
+          <a:p>
+            <a:pPr algn="ctr"/>
+            <a:r>
+              <a:rPr lang="it-IT" sz="5400" b="0" cap="none" spc="0" dirty="0">
+                <a:ln w="0"/>
+                <a:solidFill>
+                  <a:schemeClr val="tx1"/>
+                </a:solidFill>
+                <a:effectLst>
+                  <a:outerShdw blurRad="38100" dist="19050" dir="2700000" algn="tl" rotWithShape="0">
+                    <a:schemeClr val="dk1">
+                      <a:alpha val="40000"/>
+                    </a:schemeClr>
+                  </a:outerShdw>
+                </a:effectLst>
+              </a:rPr>
+              <a:t>Ma i risultati più importanti per voi?</a:t>
+            </a:r>
+          </a:p>
+        </p:txBody>
+      </p:sp>
+      <p:pic>
+        <p:nvPicPr>
+          <p:cNvPr id="15362" name="Picture 2" descr="Risultati immagini per aumento profitti">
+            <a:extLst>
+              <a:ext uri="{FF2B5EF4-FFF2-40B4-BE49-F238E27FC236}">
+                <a16:creationId xmlns:a16="http://schemas.microsoft.com/office/drawing/2014/main" id="{AD14D738-84B3-41AB-8A7D-6582B87B8B18}"/>
+              </a:ext>
+            </a:extLst>
+          </p:cNvPr>
+          <p:cNvPicPr>
+            <a:picLocks noChangeAspect="1" noChangeArrowheads="1"/>
+          </p:cNvPicPr>
+          <p:nvPr/>
+        </p:nvPicPr>
+        <p:blipFill>
+          <a:blip r:embed="rId2">
+            <a:extLst>
+              <a:ext uri="{28A0092B-C50C-407E-A947-70E740481C1C}">
+                <a14:useLocalDpi xmlns:a14="http://schemas.microsoft.com/office/drawing/2010/main" val="0"/>
+              </a:ext>
+            </a:extLst>
+          </a:blip>
+          <a:srcRect/>
+          <a:stretch>
+            <a:fillRect/>
+          </a:stretch>
+        </p:blipFill>
+        <p:spPr bwMode="auto">
+          <a:xfrm>
+            <a:off x="4443275" y="1330913"/>
+            <a:ext cx="3000649" cy="2250487"/>
+          </a:xfrm>
+          <a:prstGeom prst="rect">
+            <a:avLst/>
+          </a:prstGeom>
+          <a:noFill/>
+          <a:extLst>
+            <a:ext uri="{909E8E84-426E-40DD-AFC4-6F175D3DCCD1}">
+              <a14:hiddenFill xmlns:a14="http://schemas.microsoft.com/office/drawing/2010/main">
+                <a:solidFill>
+                  <a:srgbClr val="FFFFFF"/>
+                </a:solidFill>
+              </a14:hiddenFill>
+            </a:ext>
+          </a:extLst>
+        </p:spPr>
+      </p:pic>
+      <p:sp>
+        <p:nvSpPr>
+          <p:cNvPr id="5" name="AutoShape 4" descr="Risultati immagini per più clienti">
+            <a:extLst>
+              <a:ext uri="{FF2B5EF4-FFF2-40B4-BE49-F238E27FC236}">
+                <a16:creationId xmlns:a16="http://schemas.microsoft.com/office/drawing/2014/main" id="{922C021C-308D-4BAF-BE59-863D062CE8D9}"/>
+              </a:ext>
+            </a:extLst>
+          </p:cNvPr>
+          <p:cNvSpPr>
+            <a:spLocks noChangeAspect="1" noChangeArrowheads="1"/>
+          </p:cNvSpPr>
+          <p:nvPr/>
+        </p:nvSpPr>
+        <p:spPr bwMode="auto">
+          <a:xfrm>
+            <a:off x="5943600" y="3276600"/>
+            <a:ext cx="304800" cy="304800"/>
+          </a:xfrm>
+          <a:prstGeom prst="rect">
+            <a:avLst/>
+          </a:prstGeom>
+          <a:noFill/>
+          <a:extLst>
+            <a:ext uri="{909E8E84-426E-40DD-AFC4-6F175D3DCCD1}">
+              <a14:hiddenFill xmlns:a14="http://schemas.microsoft.com/office/drawing/2010/main">
+                <a:solidFill>
+                  <a:srgbClr val="FFFFFF"/>
+                </a:solidFill>
+              </a14:hiddenFill>
+            </a:ext>
+          </a:extLst>
+        </p:spPr>
+        <p:txBody>
+          <a:bodyPr vert="horz" wrap="square" lIns="91440" tIns="45720" rIns="91440" bIns="45720" numCol="1" anchor="t" anchorCtr="0" compatLnSpc="1">
+            <a:prstTxWarp prst="textNoShape">
+              <a:avLst/>
+            </a:prstTxWarp>
+          </a:bodyPr>
+          <a:lstStyle/>
+          <a:p>
+            <a:endParaRPr lang="it-IT"/>
+          </a:p>
+        </p:txBody>
+      </p:sp>
+      <p:pic>
+        <p:nvPicPr>
+          <p:cNvPr id="15366" name="Picture 6" descr="Risultati immagini per più clienti">
+            <a:extLst>
+              <a:ext uri="{FF2B5EF4-FFF2-40B4-BE49-F238E27FC236}">
+                <a16:creationId xmlns:a16="http://schemas.microsoft.com/office/drawing/2014/main" id="{7E9468B4-7A88-4323-8B90-7C6BE7A2D835}"/>
+              </a:ext>
+            </a:extLst>
+          </p:cNvPr>
+          <p:cNvPicPr>
+            <a:picLocks noChangeAspect="1" noChangeArrowheads="1"/>
+          </p:cNvPicPr>
+          <p:nvPr/>
+        </p:nvPicPr>
+        <p:blipFill>
+          <a:blip r:embed="rId3">
+            <a:extLst>
+              <a:ext uri="{28A0092B-C50C-407E-A947-70E740481C1C}">
+                <a14:useLocalDpi xmlns:a14="http://schemas.microsoft.com/office/drawing/2010/main" val="0"/>
+              </a:ext>
+            </a:extLst>
+          </a:blip>
+          <a:srcRect/>
+          <a:stretch>
+            <a:fillRect/>
+          </a:stretch>
+        </p:blipFill>
+        <p:spPr bwMode="auto">
+          <a:xfrm>
+            <a:off x="393756" y="1444023"/>
+            <a:ext cx="3854325" cy="1984977"/>
+          </a:xfrm>
+          <a:prstGeom prst="rect">
+            <a:avLst/>
+          </a:prstGeom>
+          <a:noFill/>
+          <a:extLst>
+            <a:ext uri="{909E8E84-426E-40DD-AFC4-6F175D3DCCD1}">
+              <a14:hiddenFill xmlns:a14="http://schemas.microsoft.com/office/drawing/2010/main">
+                <a:solidFill>
+                  <a:srgbClr val="FFFFFF"/>
+                </a:solidFill>
+              </a14:hiddenFill>
+            </a:ext>
+          </a:extLst>
+        </p:spPr>
+      </p:pic>
+      <p:sp>
+        <p:nvSpPr>
+          <p:cNvPr id="7" name="Rettangolo 6">
+            <a:extLst>
+              <a:ext uri="{FF2B5EF4-FFF2-40B4-BE49-F238E27FC236}">
+                <a16:creationId xmlns:a16="http://schemas.microsoft.com/office/drawing/2014/main" id="{223C2EBD-2333-4B91-A97F-39746D44E697}"/>
+              </a:ext>
+            </a:extLst>
+          </p:cNvPr>
+          <p:cNvSpPr/>
+          <p:nvPr/>
+        </p:nvSpPr>
+        <p:spPr>
+          <a:xfrm>
+            <a:off x="670439" y="3917709"/>
+            <a:ext cx="2738250" cy="769441"/>
+          </a:xfrm>
+          <a:prstGeom prst="rect">
+            <a:avLst/>
+          </a:prstGeom>
+          <a:noFill/>
+        </p:spPr>
+        <p:txBody>
+          <a:bodyPr wrap="none" lIns="91440" tIns="45720" rIns="91440" bIns="45720">
+            <a:spAutoFit/>
+          </a:bodyPr>
+          <a:lstStyle/>
+          <a:p>
+            <a:pPr algn="ctr"/>
+            <a:r>
+              <a:rPr lang="it-IT" sz="4400" b="0" cap="none" spc="0" dirty="0">
+                <a:ln w="0"/>
+                <a:solidFill>
+                  <a:schemeClr val="accent1"/>
+                </a:solidFill>
+                <a:effectLst>
+                  <a:outerShdw blurRad="38100" dist="25400" dir="5400000" algn="ctr" rotWithShape="0">
+                    <a:srgbClr val="6E747A">
+                      <a:alpha val="43000"/>
+                    </a:srgbClr>
+                  </a:outerShdw>
+                </a:effectLst>
+              </a:rPr>
+              <a:t>Più clienti</a:t>
+            </a:r>
+          </a:p>
+        </p:txBody>
+      </p:sp>
+      <p:sp>
+        <p:nvSpPr>
+          <p:cNvPr id="10" name="Rettangolo 9">
+            <a:extLst>
+              <a:ext uri="{FF2B5EF4-FFF2-40B4-BE49-F238E27FC236}">
+                <a16:creationId xmlns:a16="http://schemas.microsoft.com/office/drawing/2014/main" id="{D1B8DFC5-30AF-488A-A8D0-730A4E140395}"/>
+              </a:ext>
+            </a:extLst>
+          </p:cNvPr>
+          <p:cNvSpPr/>
+          <p:nvPr/>
+        </p:nvSpPr>
+        <p:spPr>
+          <a:xfrm>
+            <a:off x="4446886" y="3984209"/>
+            <a:ext cx="2862258" cy="769441"/>
+          </a:xfrm>
+          <a:prstGeom prst="rect">
+            <a:avLst/>
+          </a:prstGeom>
+          <a:noFill/>
+        </p:spPr>
+        <p:txBody>
+          <a:bodyPr wrap="none" lIns="91440" tIns="45720" rIns="91440" bIns="45720">
+            <a:spAutoFit/>
+          </a:bodyPr>
+          <a:lstStyle/>
+          <a:p>
+            <a:pPr algn="ctr"/>
+            <a:r>
+              <a:rPr lang="it-IT" sz="4400" b="0" cap="none" spc="0" dirty="0">
+                <a:ln w="0"/>
+                <a:solidFill>
+                  <a:schemeClr val="accent1"/>
+                </a:solidFill>
+                <a:effectLst>
+                  <a:outerShdw blurRad="38100" dist="25400" dir="5400000" algn="ctr" rotWithShape="0">
+                    <a:srgbClr val="6E747A">
+                      <a:alpha val="43000"/>
+                    </a:srgbClr>
+                  </a:outerShdw>
+                </a:effectLst>
+              </a:rPr>
+              <a:t>Più profitti</a:t>
+            </a:r>
+          </a:p>
+        </p:txBody>
+      </p:sp>
+      <p:pic>
+        <p:nvPicPr>
+          <p:cNvPr id="15368" name="Picture 8" descr="Risultati immagini per orologio cartoni">
+            <a:extLst>
+              <a:ext uri="{FF2B5EF4-FFF2-40B4-BE49-F238E27FC236}">
+                <a16:creationId xmlns:a16="http://schemas.microsoft.com/office/drawing/2014/main" id="{9F53351A-13E9-415C-ABB9-F1CC4151F8E8}"/>
+              </a:ext>
+            </a:extLst>
+          </p:cNvPr>
+          <p:cNvPicPr>
+            <a:picLocks noChangeAspect="1" noChangeArrowheads="1"/>
+          </p:cNvPicPr>
+          <p:nvPr/>
+        </p:nvPicPr>
+        <p:blipFill>
+          <a:blip r:embed="rId4">
+            <a:extLst>
+              <a:ext uri="{28A0092B-C50C-407E-A947-70E740481C1C}">
+                <a14:useLocalDpi xmlns:a14="http://schemas.microsoft.com/office/drawing/2010/main" val="0"/>
+              </a:ext>
+            </a:extLst>
+          </a:blip>
+          <a:srcRect/>
+          <a:stretch>
+            <a:fillRect/>
+          </a:stretch>
+        </p:blipFill>
+        <p:spPr bwMode="auto">
+          <a:xfrm>
+            <a:off x="7908206" y="1183860"/>
+            <a:ext cx="3613355" cy="2800350"/>
+          </a:xfrm>
+          <a:prstGeom prst="rect">
+            <a:avLst/>
+          </a:prstGeom>
+          <a:noFill/>
+          <a:extLst>
+            <a:ext uri="{909E8E84-426E-40DD-AFC4-6F175D3DCCD1}">
+              <a14:hiddenFill xmlns:a14="http://schemas.microsoft.com/office/drawing/2010/main">
+                <a:solidFill>
+                  <a:srgbClr val="FFFFFF"/>
+                </a:solidFill>
+              </a14:hiddenFill>
+            </a:ext>
+          </a:extLst>
+        </p:spPr>
+      </p:pic>
+      <p:sp>
+        <p:nvSpPr>
+          <p:cNvPr id="12" name="Rettangolo 11">
+            <a:extLst>
+              <a:ext uri="{FF2B5EF4-FFF2-40B4-BE49-F238E27FC236}">
+                <a16:creationId xmlns:a16="http://schemas.microsoft.com/office/drawing/2014/main" id="{DA3C5DD1-9120-41CF-BD75-2BD5E1CF2381}"/>
+              </a:ext>
+            </a:extLst>
+          </p:cNvPr>
+          <p:cNvSpPr/>
+          <p:nvPr/>
+        </p:nvSpPr>
+        <p:spPr>
+          <a:xfrm>
+            <a:off x="8060587" y="3984209"/>
+            <a:ext cx="2757101" cy="1200329"/>
+          </a:xfrm>
+          <a:prstGeom prst="rect">
+            <a:avLst/>
+          </a:prstGeom>
+          <a:noFill/>
+        </p:spPr>
+        <p:txBody>
+          <a:bodyPr wrap="none" lIns="91440" tIns="45720" rIns="91440" bIns="45720">
+            <a:spAutoFit/>
+          </a:bodyPr>
+          <a:lstStyle/>
+          <a:p>
+            <a:pPr algn="ctr"/>
+            <a:r>
+              <a:rPr lang="it-IT" sz="3600" b="0" cap="none" spc="0" dirty="0">
+                <a:ln w="0"/>
+                <a:solidFill>
+                  <a:schemeClr val="accent1"/>
+                </a:solidFill>
+                <a:effectLst>
+                  <a:outerShdw blurRad="38100" dist="25400" dir="5400000" algn="ctr" rotWithShape="0">
+                    <a:srgbClr val="6E747A">
+                      <a:alpha val="43000"/>
+                    </a:srgbClr>
+                  </a:outerShdw>
+                </a:effectLst>
+              </a:rPr>
+              <a:t>Più tempo</a:t>
+            </a:r>
+            <a:br>
+              <a:rPr lang="it-IT" sz="3600" b="0" cap="none" spc="0" dirty="0">
+                <a:ln w="0"/>
+                <a:solidFill>
+                  <a:schemeClr val="accent1"/>
+                </a:solidFill>
+                <a:effectLst>
+                  <a:outerShdw blurRad="38100" dist="25400" dir="5400000" algn="ctr" rotWithShape="0">
+                    <a:srgbClr val="6E747A">
+                      <a:alpha val="43000"/>
+                    </a:srgbClr>
+                  </a:outerShdw>
+                </a:effectLst>
+              </a:rPr>
+            </a:br>
+            <a:r>
+              <a:rPr lang="it-IT" sz="3600" b="0" cap="none" spc="0" dirty="0">
+                <a:ln w="0"/>
+                <a:solidFill>
+                  <a:schemeClr val="accent1"/>
+                </a:solidFill>
+                <a:effectLst>
+                  <a:outerShdw blurRad="38100" dist="25400" dir="5400000" algn="ctr" rotWithShape="0">
+                    <a:srgbClr val="6E747A">
+                      <a:alpha val="43000"/>
+                    </a:srgbClr>
+                  </a:outerShdw>
+                </a:effectLst>
+              </a:rPr>
+              <a:t> risparmiato</a:t>
+            </a:r>
+          </a:p>
+        </p:txBody>
+      </p:sp>
+    </p:spTree>
+    <p:extLst>
+      <p:ext uri="{BB962C8B-B14F-4D97-AF65-F5344CB8AC3E}">
+        <p14:creationId xmlns:p14="http://schemas.microsoft.com/office/powerpoint/2010/main" val="406037183"/>
+      </p:ext>
+    </p:extLst>
+  </p:cSld>
+  <p:clrMapOvr>
+    <a:masterClrMapping/>
+  </p:clrMapOvr>
+</p:sld>
+</file>
+
+<file path=ppt/slides/slide22.xml><?xml version="1.0" encoding="utf-8"?>
+<p:sld xmlns:a="http://schemas.openxmlformats.org/drawingml/2006/main" xmlns:r="http://schemas.openxmlformats.org/officeDocument/2006/relationships" xmlns:p="http://schemas.openxmlformats.org/presentationml/2006/main">
+  <p:cSld>
+    <p:spTree>
+      <p:nvGrpSpPr>
+        <p:cNvPr id="1" name=""/>
+        <p:cNvGrpSpPr/>
+        <p:nvPr/>
+      </p:nvGrpSpPr>
+      <p:grpSpPr>
+        <a:xfrm>
+          <a:off x="0" y="0"/>
+          <a:ext cx="0" cy="0"/>
+          <a:chOff x="0" y="0"/>
+          <a:chExt cx="0" cy="0"/>
+        </a:xfrm>
+      </p:grpSpPr>
+      <p:sp>
+        <p:nvSpPr>
+          <p:cNvPr id="4" name="Rettangolo 3">
+            <a:extLst>
+              <a:ext uri="{FF2B5EF4-FFF2-40B4-BE49-F238E27FC236}">
+                <a16:creationId xmlns:a16="http://schemas.microsoft.com/office/drawing/2014/main" id="{627BFF84-DC7C-410E-B789-386D48D82696}"/>
+              </a:ext>
+            </a:extLst>
+          </p:cNvPr>
+          <p:cNvSpPr/>
+          <p:nvPr/>
+        </p:nvSpPr>
+        <p:spPr>
+          <a:xfrm>
+            <a:off x="576587" y="31984"/>
+            <a:ext cx="11038856" cy="923330"/>
+          </a:xfrm>
+          <a:prstGeom prst="rect">
+            <a:avLst/>
+          </a:prstGeom>
+          <a:noFill/>
+        </p:spPr>
+        <p:txBody>
+          <a:bodyPr wrap="none" lIns="91440" tIns="45720" rIns="91440" bIns="45720">
+            <a:spAutoFit/>
+          </a:bodyPr>
+          <a:lstStyle/>
+          <a:p>
+            <a:pPr algn="ctr"/>
+            <a:r>
+              <a:rPr lang="it-IT" sz="5400" b="0" cap="none" spc="0" dirty="0">
+                <a:ln w="0"/>
+                <a:solidFill>
+                  <a:schemeClr val="tx1"/>
+                </a:solidFill>
+                <a:effectLst>
+                  <a:outerShdw blurRad="38100" dist="19050" dir="2700000" algn="tl" rotWithShape="0">
+                    <a:schemeClr val="dk1">
+                      <a:alpha val="40000"/>
+                    </a:schemeClr>
+                  </a:outerShdw>
+                </a:effectLst>
+              </a:rPr>
+              <a:t>Il risultato più importante per noi?</a:t>
+            </a:r>
+          </a:p>
+        </p:txBody>
+      </p:sp>
+      <p:sp>
+        <p:nvSpPr>
+          <p:cNvPr id="5" name="AutoShape 4" descr="Risultati immagini per più clienti">
+            <a:extLst>
+              <a:ext uri="{FF2B5EF4-FFF2-40B4-BE49-F238E27FC236}">
+                <a16:creationId xmlns:a16="http://schemas.microsoft.com/office/drawing/2014/main" id="{922C021C-308D-4BAF-BE59-863D062CE8D9}"/>
+              </a:ext>
+            </a:extLst>
+          </p:cNvPr>
+          <p:cNvSpPr>
+            <a:spLocks noChangeAspect="1" noChangeArrowheads="1"/>
+          </p:cNvSpPr>
+          <p:nvPr/>
+        </p:nvSpPr>
+        <p:spPr bwMode="auto">
+          <a:xfrm>
+            <a:off x="5943600" y="3276600"/>
+            <a:ext cx="304800" cy="304800"/>
+          </a:xfrm>
+          <a:prstGeom prst="rect">
+            <a:avLst/>
+          </a:prstGeom>
+          <a:noFill/>
+          <a:extLst>
+            <a:ext uri="{909E8E84-426E-40DD-AFC4-6F175D3DCCD1}">
+              <a14:hiddenFill xmlns:a14="http://schemas.microsoft.com/office/drawing/2010/main">
+                <a:solidFill>
+                  <a:srgbClr val="FFFFFF"/>
+                </a:solidFill>
+              </a14:hiddenFill>
+            </a:ext>
+          </a:extLst>
+        </p:spPr>
+        <p:txBody>
+          <a:bodyPr vert="horz" wrap="square" lIns="91440" tIns="45720" rIns="91440" bIns="45720" numCol="1" anchor="t" anchorCtr="0" compatLnSpc="1">
+            <a:prstTxWarp prst="textNoShape">
+              <a:avLst/>
+            </a:prstTxWarp>
+          </a:bodyPr>
+          <a:lstStyle/>
+          <a:p>
+            <a:endParaRPr lang="it-IT"/>
+          </a:p>
+        </p:txBody>
+      </p:sp>
+      <p:pic>
+        <p:nvPicPr>
+          <p:cNvPr id="16386" name="Picture 2" descr="Risultati immagini per soddisfazione">
+            <a:extLst>
+              <a:ext uri="{FF2B5EF4-FFF2-40B4-BE49-F238E27FC236}">
+                <a16:creationId xmlns:a16="http://schemas.microsoft.com/office/drawing/2014/main" id="{04B4E7CF-40DA-439D-8B41-D50D32857F63}"/>
+              </a:ext>
+            </a:extLst>
+          </p:cNvPr>
+          <p:cNvPicPr>
+            <a:picLocks noChangeAspect="1" noChangeArrowheads="1"/>
+          </p:cNvPicPr>
+          <p:nvPr/>
+        </p:nvPicPr>
+        <p:blipFill>
+          <a:blip r:embed="rId2">
+            <a:extLst>
+              <a:ext uri="{28A0092B-C50C-407E-A947-70E740481C1C}">
+                <a14:useLocalDpi xmlns:a14="http://schemas.microsoft.com/office/drawing/2010/main" val="0"/>
+              </a:ext>
+            </a:extLst>
+          </a:blip>
+          <a:srcRect/>
+          <a:stretch>
+            <a:fillRect/>
+          </a:stretch>
+        </p:blipFill>
+        <p:spPr bwMode="auto">
+          <a:xfrm>
+            <a:off x="576587" y="1400175"/>
+            <a:ext cx="3973447" cy="2238375"/>
+          </a:xfrm>
+          <a:prstGeom prst="rect">
+            <a:avLst/>
+          </a:prstGeom>
+          <a:noFill/>
+          <a:extLst>
+            <a:ext uri="{909E8E84-426E-40DD-AFC4-6F175D3DCCD1}">
+              <a14:hiddenFill xmlns:a14="http://schemas.microsoft.com/office/drawing/2010/main">
+                <a:solidFill>
+                  <a:srgbClr val="FFFFFF"/>
+                </a:solidFill>
+              </a14:hiddenFill>
+            </a:ext>
+          </a:extLst>
+        </p:spPr>
+      </p:pic>
+      <p:pic>
+        <p:nvPicPr>
+          <p:cNvPr id="16388" name="Picture 4" descr="Risultati immagini per soddisfazione">
+            <a:extLst>
+              <a:ext uri="{FF2B5EF4-FFF2-40B4-BE49-F238E27FC236}">
+                <a16:creationId xmlns:a16="http://schemas.microsoft.com/office/drawing/2014/main" id="{2E221F92-EAE6-4153-8418-27610A5AC6B9}"/>
+              </a:ext>
+            </a:extLst>
+          </p:cNvPr>
+          <p:cNvPicPr>
+            <a:picLocks noChangeAspect="1" noChangeArrowheads="1"/>
+          </p:cNvPicPr>
+          <p:nvPr/>
+        </p:nvPicPr>
+        <p:blipFill>
+          <a:blip r:embed="rId3">
+            <a:extLst>
+              <a:ext uri="{28A0092B-C50C-407E-A947-70E740481C1C}">
+                <a14:useLocalDpi xmlns:a14="http://schemas.microsoft.com/office/drawing/2010/main" val="0"/>
+              </a:ext>
+            </a:extLst>
+          </a:blip>
+          <a:srcRect/>
+          <a:stretch>
+            <a:fillRect/>
+          </a:stretch>
+        </p:blipFill>
+        <p:spPr bwMode="auto">
+          <a:xfrm>
+            <a:off x="6096000" y="1400175"/>
+            <a:ext cx="4554244" cy="3046283"/>
+          </a:xfrm>
+          <a:prstGeom prst="rect">
+            <a:avLst/>
+          </a:prstGeom>
+          <a:noFill/>
+          <a:extLst>
+            <a:ext uri="{909E8E84-426E-40DD-AFC4-6F175D3DCCD1}">
+              <a14:hiddenFill xmlns:a14="http://schemas.microsoft.com/office/drawing/2010/main">
+                <a:solidFill>
+                  <a:srgbClr val="FFFFFF"/>
+                </a:solidFill>
+              </a14:hiddenFill>
+            </a:ext>
+          </a:extLst>
+        </p:spPr>
+      </p:pic>
+      <p:sp>
+        <p:nvSpPr>
+          <p:cNvPr id="2" name="Rettangolo 1">
+            <a:extLst>
+              <a:ext uri="{FF2B5EF4-FFF2-40B4-BE49-F238E27FC236}">
+                <a16:creationId xmlns:a16="http://schemas.microsoft.com/office/drawing/2014/main" id="{191AFD61-FA86-4A2C-809C-E22FF44CDC78}"/>
+              </a:ext>
+            </a:extLst>
+          </p:cNvPr>
+          <p:cNvSpPr/>
+          <p:nvPr/>
+        </p:nvSpPr>
+        <p:spPr>
+          <a:xfrm>
+            <a:off x="1608466" y="4906254"/>
+            <a:ext cx="8159157" cy="923330"/>
+          </a:xfrm>
+          <a:prstGeom prst="rect">
+            <a:avLst/>
+          </a:prstGeom>
+          <a:noFill/>
+        </p:spPr>
+        <p:txBody>
+          <a:bodyPr wrap="none" lIns="91440" tIns="45720" rIns="91440" bIns="45720">
+            <a:spAutoFit/>
+          </a:bodyPr>
+          <a:lstStyle/>
+          <a:p>
+            <a:pPr algn="ctr"/>
+            <a:r>
+              <a:rPr lang="it-IT" sz="5400" b="1" cap="none" spc="0" dirty="0">
+                <a:ln w="22225">
+                  <a:solidFill>
+                    <a:schemeClr val="accent2"/>
+                  </a:solidFill>
+                  <a:prstDash val="solid"/>
+                </a:ln>
+                <a:solidFill>
+                  <a:schemeClr val="accent2">
+                    <a:lumMod val="40000"/>
+                    <a:lumOff val="60000"/>
+                  </a:schemeClr>
+                </a:solidFill>
+                <a:effectLst/>
+              </a:rPr>
+              <a:t>La vostra soddisfazione</a:t>
+            </a:r>
+          </a:p>
+        </p:txBody>
+      </p:sp>
+    </p:spTree>
+    <p:extLst>
+      <p:ext uri="{BB962C8B-B14F-4D97-AF65-F5344CB8AC3E}">
+        <p14:creationId xmlns:p14="http://schemas.microsoft.com/office/powerpoint/2010/main" val="3154818873"/>
+      </p:ext>
+    </p:extLst>
+  </p:cSld>
+  <p:clrMapOvr>
+    <a:masterClrMapping/>
+  </p:clrMapOvr>
+</p:sld>
+</file>
+
+<file path=ppt/slides/slide23.xml><?xml version="1.0" encoding="utf-8"?>
+<p:sld xmlns:a="http://schemas.openxmlformats.org/drawingml/2006/main" xmlns:r="http://schemas.openxmlformats.org/officeDocument/2006/relationships" xmlns:p="http://schemas.openxmlformats.org/presentationml/2006/main">
+  <p:cSld>
+    <p:spTree>
+      <p:nvGrpSpPr>
+        <p:cNvPr id="1" name=""/>
+        <p:cNvGrpSpPr/>
+        <p:nvPr/>
+      </p:nvGrpSpPr>
+      <p:grpSpPr>
+        <a:xfrm>
+          <a:off x="0" y="0"/>
+          <a:ext cx="0" cy="0"/>
+          <a:chOff x="0" y="0"/>
+          <a:chExt cx="0" cy="0"/>
+        </a:xfrm>
+      </p:grpSpPr>
+      <p:sp>
+        <p:nvSpPr>
+          <p:cNvPr id="5" name="Rettangolo 4">
+            <a:extLst>
+              <a:ext uri="{FF2B5EF4-FFF2-40B4-BE49-F238E27FC236}">
+                <a16:creationId xmlns:a16="http://schemas.microsoft.com/office/drawing/2014/main" id="{BE0D8735-45BD-45CB-870D-DAA357CFB90A}"/>
+              </a:ext>
+            </a:extLst>
+          </p:cNvPr>
+          <p:cNvSpPr/>
+          <p:nvPr/>
+        </p:nvSpPr>
+        <p:spPr>
+          <a:xfrm rot="21444632">
+            <a:off x="206497" y="201041"/>
+            <a:ext cx="4752455" cy="2923877"/>
+          </a:xfrm>
+          <a:prstGeom prst="rect">
+            <a:avLst/>
+          </a:prstGeom>
+          <a:noFill/>
+        </p:spPr>
+        <p:txBody>
+          <a:bodyPr wrap="none" lIns="91440" tIns="45720" rIns="91440" bIns="45720">
+            <a:spAutoFit/>
+          </a:bodyPr>
+          <a:lstStyle/>
+          <a:p>
+            <a:pPr algn="ctr"/>
+            <a:r>
+              <a:rPr lang="it-IT" sz="4000" b="0" i="1" cap="none" spc="0" dirty="0">
+                <a:ln w="0"/>
+                <a:solidFill>
+                  <a:schemeClr val="tx1"/>
+                </a:solidFill>
+                <a:effectLst>
+                  <a:outerShdw blurRad="38100" dist="19050" dir="2700000" algn="tl" rotWithShape="0">
+                    <a:schemeClr val="dk1">
+                      <a:alpha val="40000"/>
+                    </a:schemeClr>
+                  </a:outerShdw>
+                </a:effectLst>
+              </a:rPr>
+              <a:t>Lo scopo del lavoro </a:t>
+            </a:r>
+            <a:br>
+              <a:rPr lang="it-IT" sz="4000" b="0" i="1" cap="none" spc="0" dirty="0">
+                <a:ln w="0"/>
+                <a:solidFill>
+                  <a:schemeClr val="tx1"/>
+                </a:solidFill>
+                <a:effectLst>
+                  <a:outerShdw blurRad="38100" dist="19050" dir="2700000" algn="tl" rotWithShape="0">
+                    <a:schemeClr val="dk1">
+                      <a:alpha val="40000"/>
+                    </a:schemeClr>
+                  </a:outerShdw>
+                </a:effectLst>
+              </a:rPr>
+            </a:br>
+            <a:r>
+              <a:rPr lang="it-IT" sz="4000" b="0" i="1" cap="none" spc="0" dirty="0">
+                <a:ln w="0"/>
+                <a:solidFill>
+                  <a:schemeClr val="tx1"/>
+                </a:solidFill>
+                <a:effectLst>
+                  <a:outerShdw blurRad="38100" dist="19050" dir="2700000" algn="tl" rotWithShape="0">
+                    <a:schemeClr val="dk1">
+                      <a:alpha val="40000"/>
+                    </a:schemeClr>
+                  </a:outerShdw>
+                </a:effectLst>
+              </a:rPr>
+              <a:t>è quello </a:t>
+            </a:r>
+          </a:p>
+          <a:p>
+            <a:pPr algn="ctr"/>
+            <a:r>
+              <a:rPr lang="it-IT" sz="4000" b="0" i="1" cap="none" spc="0" dirty="0">
+                <a:ln w="0"/>
+                <a:solidFill>
+                  <a:schemeClr val="tx1"/>
+                </a:solidFill>
+                <a:effectLst>
+                  <a:outerShdw blurRad="38100" dist="19050" dir="2700000" algn="tl" rotWithShape="0">
+                    <a:schemeClr val="dk1">
+                      <a:alpha val="40000"/>
+                    </a:schemeClr>
+                  </a:outerShdw>
+                </a:effectLst>
+              </a:rPr>
+              <a:t>di guadagnarsi il </a:t>
+            </a:r>
+            <a:br>
+              <a:rPr lang="it-IT" sz="4000" b="0" i="1" cap="none" spc="0" dirty="0">
+                <a:ln w="0"/>
+                <a:solidFill>
+                  <a:schemeClr val="tx1"/>
+                </a:solidFill>
+                <a:effectLst>
+                  <a:outerShdw blurRad="38100" dist="19050" dir="2700000" algn="tl" rotWithShape="0">
+                    <a:schemeClr val="dk1">
+                      <a:alpha val="40000"/>
+                    </a:schemeClr>
+                  </a:outerShdw>
+                </a:effectLst>
+              </a:rPr>
+            </a:br>
+            <a:r>
+              <a:rPr lang="it-IT" sz="4000" b="0" i="1" cap="none" spc="0" dirty="0">
+                <a:ln w="0"/>
+                <a:solidFill>
+                  <a:schemeClr val="tx1"/>
+                </a:solidFill>
+                <a:effectLst>
+                  <a:outerShdw blurRad="38100" dist="19050" dir="2700000" algn="tl" rotWithShape="0">
+                    <a:schemeClr val="dk1">
+                      <a:alpha val="40000"/>
+                    </a:schemeClr>
+                  </a:outerShdw>
+                </a:effectLst>
+              </a:rPr>
+              <a:t>tempo libero</a:t>
+            </a:r>
+          </a:p>
+          <a:p>
+            <a:pPr algn="ctr"/>
+            <a:r>
+              <a:rPr lang="it-IT" sz="2400" i="1" dirty="0">
+                <a:ln w="0"/>
+                <a:effectLst>
+                  <a:outerShdw blurRad="38100" dist="19050" dir="2700000" algn="tl" rotWithShape="0">
+                    <a:schemeClr val="dk1">
+                      <a:alpha val="40000"/>
+                    </a:schemeClr>
+                  </a:outerShdw>
+                </a:effectLst>
+              </a:rPr>
+              <a:t>Aristotele</a:t>
+            </a:r>
+            <a:endParaRPr lang="it-IT" sz="2400" b="0" i="1" cap="none" spc="0" dirty="0">
+              <a:ln w="0"/>
+              <a:solidFill>
+                <a:schemeClr val="tx1"/>
+              </a:solidFill>
+              <a:effectLst>
+                <a:outerShdw blurRad="38100" dist="19050" dir="2700000" algn="tl" rotWithShape="0">
+                  <a:schemeClr val="dk1">
+                    <a:alpha val="40000"/>
+                  </a:schemeClr>
+                </a:outerShdw>
+              </a:effectLst>
+            </a:endParaRPr>
+          </a:p>
+        </p:txBody>
+      </p:sp>
+      <p:sp>
+        <p:nvSpPr>
+          <p:cNvPr id="9" name="Rettangolo 8">
+            <a:extLst>
+              <a:ext uri="{FF2B5EF4-FFF2-40B4-BE49-F238E27FC236}">
+                <a16:creationId xmlns:a16="http://schemas.microsoft.com/office/drawing/2014/main" id="{9F411EE3-0D6F-4EB9-BF4F-7500CF06E1BC}"/>
+              </a:ext>
+            </a:extLst>
+          </p:cNvPr>
+          <p:cNvSpPr/>
+          <p:nvPr/>
+        </p:nvSpPr>
+        <p:spPr>
+          <a:xfrm rot="613762">
+            <a:off x="5407999" y="1164609"/>
+            <a:ext cx="5906552" cy="3231654"/>
+          </a:xfrm>
+          <a:prstGeom prst="rect">
+            <a:avLst/>
+          </a:prstGeom>
+          <a:noFill/>
+        </p:spPr>
+        <p:txBody>
+          <a:bodyPr wrap="none" lIns="91440" tIns="45720" rIns="91440" bIns="45720">
+            <a:spAutoFit/>
+          </a:bodyPr>
+          <a:lstStyle/>
+          <a:p>
+            <a:pPr algn="ctr"/>
+            <a:r>
+              <a:rPr lang="it-IT" sz="3600" b="0" cap="none" spc="0" dirty="0">
+                <a:ln w="0"/>
+                <a:solidFill>
+                  <a:schemeClr val="tx1"/>
+                </a:solidFill>
+                <a:effectLst>
+                  <a:outerShdw blurRad="38100" dist="19050" dir="2700000" algn="tl" rotWithShape="0">
+                    <a:schemeClr val="dk1">
+                      <a:alpha val="40000"/>
+                    </a:schemeClr>
+                  </a:outerShdw>
+                </a:effectLst>
+              </a:rPr>
+              <a:t>Intelligenza è la capacità </a:t>
+            </a:r>
+            <a:br>
+              <a:rPr lang="it-IT" sz="3600" b="0" cap="none" spc="0" dirty="0">
+                <a:ln w="0"/>
+                <a:solidFill>
+                  <a:schemeClr val="tx1"/>
+                </a:solidFill>
+                <a:effectLst>
+                  <a:outerShdw blurRad="38100" dist="19050" dir="2700000" algn="tl" rotWithShape="0">
+                    <a:schemeClr val="dk1">
+                      <a:alpha val="40000"/>
+                    </a:schemeClr>
+                  </a:outerShdw>
+                </a:effectLst>
+              </a:rPr>
+            </a:br>
+            <a:r>
+              <a:rPr lang="it-IT" sz="3600" b="0" cap="none" spc="0" dirty="0">
+                <a:ln w="0"/>
+                <a:solidFill>
+                  <a:schemeClr val="tx1"/>
+                </a:solidFill>
+                <a:effectLst>
+                  <a:outerShdw blurRad="38100" dist="19050" dir="2700000" algn="tl" rotWithShape="0">
+                    <a:schemeClr val="dk1">
+                      <a:alpha val="40000"/>
+                    </a:schemeClr>
+                  </a:outerShdw>
+                </a:effectLst>
+              </a:rPr>
+              <a:t>di evitare di fare un lavoro, </a:t>
+            </a:r>
+            <a:br>
+              <a:rPr lang="it-IT" sz="3600" b="0" cap="none" spc="0" dirty="0">
+                <a:ln w="0"/>
+                <a:solidFill>
+                  <a:schemeClr val="tx1"/>
+                </a:solidFill>
+                <a:effectLst>
+                  <a:outerShdw blurRad="38100" dist="19050" dir="2700000" algn="tl" rotWithShape="0">
+                    <a:schemeClr val="dk1">
+                      <a:alpha val="40000"/>
+                    </a:schemeClr>
+                  </a:outerShdw>
+                </a:effectLst>
+              </a:rPr>
+            </a:br>
+            <a:r>
+              <a:rPr lang="it-IT" sz="3600" b="0" cap="none" spc="0" dirty="0">
+                <a:ln w="0"/>
+                <a:solidFill>
+                  <a:schemeClr val="tx1"/>
+                </a:solidFill>
+                <a:effectLst>
+                  <a:outerShdw blurRad="38100" dist="19050" dir="2700000" algn="tl" rotWithShape="0">
+                    <a:schemeClr val="dk1">
+                      <a:alpha val="40000"/>
+                    </a:schemeClr>
+                  </a:outerShdw>
+                </a:effectLst>
+              </a:rPr>
+              <a:t>ottenendo tuttavia</a:t>
+            </a:r>
+            <a:br>
+              <a:rPr lang="it-IT" sz="3600" b="0" cap="none" spc="0" dirty="0">
+                <a:ln w="0"/>
+                <a:solidFill>
+                  <a:schemeClr val="tx1"/>
+                </a:solidFill>
+                <a:effectLst>
+                  <a:outerShdw blurRad="38100" dist="19050" dir="2700000" algn="tl" rotWithShape="0">
+                    <a:schemeClr val="dk1">
+                      <a:alpha val="40000"/>
+                    </a:schemeClr>
+                  </a:outerShdw>
+                </a:effectLst>
+              </a:rPr>
+            </a:br>
+            <a:r>
+              <a:rPr lang="it-IT" sz="3600" b="0" cap="none" spc="0" dirty="0">
+                <a:ln w="0"/>
+                <a:solidFill>
+                  <a:schemeClr val="tx1"/>
+                </a:solidFill>
+                <a:effectLst>
+                  <a:outerShdw blurRad="38100" dist="19050" dir="2700000" algn="tl" rotWithShape="0">
+                    <a:schemeClr val="dk1">
+                      <a:alpha val="40000"/>
+                    </a:schemeClr>
+                  </a:outerShdw>
+                </a:effectLst>
+              </a:rPr>
+              <a:t> di trovarlo finito.</a:t>
+            </a:r>
+          </a:p>
+          <a:p>
+            <a:pPr algn="ctr"/>
+            <a:r>
+              <a:rPr lang="it-IT" sz="2400" dirty="0">
+                <a:ln w="0"/>
+                <a:effectLst>
+                  <a:outerShdw blurRad="38100" dist="19050" dir="2700000" algn="tl" rotWithShape="0">
+                    <a:schemeClr val="dk1">
+                      <a:alpha val="40000"/>
+                    </a:schemeClr>
+                  </a:outerShdw>
+                </a:effectLst>
+              </a:rPr>
+              <a:t>Linus </a:t>
+            </a:r>
+            <a:r>
+              <a:rPr lang="it-IT" sz="2400" dirty="0" err="1">
+                <a:ln w="0"/>
+                <a:effectLst>
+                  <a:outerShdw blurRad="38100" dist="19050" dir="2700000" algn="tl" rotWithShape="0">
+                    <a:schemeClr val="dk1">
+                      <a:alpha val="40000"/>
+                    </a:schemeClr>
+                  </a:outerShdw>
+                </a:effectLst>
+              </a:rPr>
+              <a:t>Torvalds</a:t>
+            </a:r>
+            <a:endParaRPr lang="it-IT" sz="1200" cap="all" dirty="0"/>
+          </a:p>
+          <a:p>
+            <a:pPr algn="ctr"/>
+            <a:endParaRPr lang="it-IT" sz="3600" b="0" cap="none" spc="0" dirty="0">
+              <a:ln w="0"/>
+              <a:solidFill>
+                <a:schemeClr val="tx1"/>
+              </a:solidFill>
+              <a:effectLst>
+                <a:outerShdw blurRad="38100" dist="19050" dir="2700000" algn="tl" rotWithShape="0">
+                  <a:schemeClr val="dk1">
+                    <a:alpha val="40000"/>
+                  </a:schemeClr>
+                </a:outerShdw>
+              </a:effectLst>
+            </a:endParaRPr>
+          </a:p>
+        </p:txBody>
+      </p:sp>
+      <p:sp>
+        <p:nvSpPr>
+          <p:cNvPr id="10" name="Rettangolo 9">
+            <a:extLst>
+              <a:ext uri="{FF2B5EF4-FFF2-40B4-BE49-F238E27FC236}">
+                <a16:creationId xmlns:a16="http://schemas.microsoft.com/office/drawing/2014/main" id="{946B5B25-7AD2-409D-9553-17872DACEA75}"/>
+              </a:ext>
+            </a:extLst>
+          </p:cNvPr>
+          <p:cNvSpPr/>
+          <p:nvPr/>
+        </p:nvSpPr>
+        <p:spPr>
+          <a:xfrm>
+            <a:off x="1803360" y="4239796"/>
+            <a:ext cx="7786107" cy="923330"/>
+          </a:xfrm>
+          <a:prstGeom prst="rect">
+            <a:avLst/>
+          </a:prstGeom>
+          <a:noFill/>
+        </p:spPr>
+        <p:txBody>
+          <a:bodyPr wrap="none" lIns="91440" tIns="45720" rIns="91440" bIns="45720">
+            <a:spAutoFit/>
+          </a:bodyPr>
+          <a:lstStyle/>
+          <a:p>
+            <a:pPr algn="ctr"/>
+            <a:r>
+              <a:rPr lang="it-IT" sz="5400" b="1" cap="none" spc="0" dirty="0">
+                <a:ln w="22225">
+                  <a:solidFill>
+                    <a:schemeClr val="accent2"/>
+                  </a:solidFill>
+                  <a:prstDash val="solid"/>
+                </a:ln>
+                <a:solidFill>
+                  <a:schemeClr val="accent2">
+                    <a:lumMod val="40000"/>
+                    <a:lumOff val="60000"/>
+                  </a:schemeClr>
+                </a:solidFill>
+                <a:effectLst/>
+              </a:rPr>
+              <a:t>Grazie dell’attenzione</a:t>
+            </a:r>
+          </a:p>
+        </p:txBody>
+      </p:sp>
+      <p:sp>
+        <p:nvSpPr>
+          <p:cNvPr id="11" name="Rettangolo 10">
+            <a:extLst>
+              <a:ext uri="{FF2B5EF4-FFF2-40B4-BE49-F238E27FC236}">
+                <a16:creationId xmlns:a16="http://schemas.microsoft.com/office/drawing/2014/main" id="{166D1882-A470-448D-AAA9-5B77F76797E3}"/>
+              </a:ext>
+            </a:extLst>
+          </p:cNvPr>
+          <p:cNvSpPr/>
+          <p:nvPr/>
+        </p:nvSpPr>
+        <p:spPr>
+          <a:xfrm>
+            <a:off x="7006969" y="5818197"/>
+            <a:ext cx="3605474" cy="707886"/>
+          </a:xfrm>
+          <a:prstGeom prst="rect">
+            <a:avLst/>
+          </a:prstGeom>
+          <a:noFill/>
+        </p:spPr>
+        <p:txBody>
+          <a:bodyPr wrap="none" lIns="91440" tIns="45720" rIns="91440" bIns="45720">
+            <a:spAutoFit/>
+          </a:bodyPr>
+          <a:lstStyle/>
+          <a:p>
+            <a:pPr algn="ctr"/>
+            <a:r>
+              <a:rPr lang="it-IT" sz="4000" b="0" cap="none" spc="0" dirty="0">
+                <a:ln w="0"/>
+                <a:solidFill>
+                  <a:schemeClr val="accent1"/>
+                </a:solidFill>
+                <a:effectLst>
+                  <a:outerShdw blurRad="38100" dist="25400" dir="5400000" algn="ctr" rotWithShape="0">
+                    <a:srgbClr val="6E747A">
+                      <a:alpha val="43000"/>
+                    </a:srgbClr>
+                  </a:outerShdw>
+                </a:effectLst>
+              </a:rPr>
+              <a:t>A.M.P Solution</a:t>
+            </a:r>
+          </a:p>
+        </p:txBody>
+      </p:sp>
+    </p:spTree>
+    <p:extLst>
+      <p:ext uri="{BB962C8B-B14F-4D97-AF65-F5344CB8AC3E}">
+        <p14:creationId xmlns:p14="http://schemas.microsoft.com/office/powerpoint/2010/main" val="2000762212"/>
+      </p:ext>
+    </p:extLst>
+  </p:cSld>
+  <p:clrMapOvr>
+    <a:masterClrMapping/>
+  </p:clrMapOvr>
+</p:sld>
+</file>
+
+<file path=ppt/slides/slide3.xml><?xml version="1.0" encoding="utf-8"?>
+<p:sld xmlns:a="http://schemas.openxmlformats.org/drawingml/2006/main" xmlns:r="http://schemas.openxmlformats.org/officeDocument/2006/relationships" xmlns:p="http://schemas.openxmlformats.org/presentationml/2006/main">
+  <p:cSld>
+    <p:spTree>
+      <p:nvGrpSpPr>
+        <p:cNvPr id="1" name=""/>
+        <p:cNvGrpSpPr/>
+        <p:nvPr/>
+      </p:nvGrpSpPr>
+      <p:grpSpPr>
+        <a:xfrm>
+          <a:off x="0" y="0"/>
+          <a:ext cx="0" cy="0"/>
+          <a:chOff x="0" y="0"/>
+          <a:chExt cx="0" cy="0"/>
+        </a:xfrm>
+      </p:grpSpPr>
+      <p:sp>
+        <p:nvSpPr>
+          <p:cNvPr id="4" name="Titolo 1">
+            <a:extLst>
+              <a:ext uri="{FF2B5EF4-FFF2-40B4-BE49-F238E27FC236}">
+                <a16:creationId xmlns:a16="http://schemas.microsoft.com/office/drawing/2014/main" id="{99D26DDB-E912-4C28-A1B3-2C04B9BED501}"/>
+              </a:ext>
+            </a:extLst>
+          </p:cNvPr>
+          <p:cNvSpPr txBox="1">
+            <a:spLocks/>
+          </p:cNvSpPr>
+          <p:nvPr/>
+        </p:nvSpPr>
+        <p:spPr>
+          <a:xfrm>
+            <a:off x="1069848" y="456497"/>
+            <a:ext cx="10058400" cy="1609344"/>
+          </a:xfrm>
+          <a:prstGeom prst="rect">
+            <a:avLst/>
+          </a:prstGeom>
+        </p:spPr>
+        <p:txBody>
+          <a:bodyPr vert="horz" lIns="91440" tIns="45720" rIns="91440" bIns="45720" rtlCol="0" anchor="ctr">
+            <a:normAutofit/>
+          </a:bodyPr>
+          <a:lstStyle>
+            <a:lvl1pPr algn="l" defTabSz="914400" rtl="0" eaLnBrk="1" latinLnBrk="0" hangingPunct="1">
+              <a:lnSpc>
+                <a:spcPct val="90000"/>
+              </a:lnSpc>
+              <a:spcBef>
+                <a:spcPct val="0"/>
+              </a:spcBef>
+              <a:buNone/>
+              <a:defRPr sz="5400" kern="1200" cap="all" baseline="0">
+                <a:blipFill>
+                  <a:blip r:embed="rId2">
+                    <a:extLst>
+                      <a:ext uri="{28A0092B-C50C-407E-A947-70E740481C1C}">
+                        <a14:useLocalDpi xmlns:a14="http://schemas.microsoft.com/office/drawing/2010/main" val="0"/>
+                      </a:ext>
+                    </a:extLst>
+                  </a:blip>
+                  <a:tile tx="6350" ty="-127000" sx="65000" sy="64000" flip="none" algn="tl"/>
+                </a:blipFill>
+                <a:latin typeface="+mj-lt"/>
+                <a:ea typeface="+mj-ea"/>
+                <a:cs typeface="+mj-cs"/>
+              </a:defRPr>
+            </a:lvl1pPr>
+          </a:lstStyle>
+          <a:p>
+            <a:endParaRPr lang="it-IT"/>
+          </a:p>
+        </p:txBody>
+      </p:sp>
+      <p:sp>
+        <p:nvSpPr>
+          <p:cNvPr id="5" name="Segnaposto contenuto 2">
+            <a:extLst>
+              <a:ext uri="{FF2B5EF4-FFF2-40B4-BE49-F238E27FC236}">
+                <a16:creationId xmlns:a16="http://schemas.microsoft.com/office/drawing/2014/main" id="{98EEFE93-8FC5-4E66-A0A5-047996518D61}"/>
+              </a:ext>
+            </a:extLst>
+          </p:cNvPr>
+          <p:cNvSpPr txBox="1">
+            <a:spLocks/>
+          </p:cNvSpPr>
+          <p:nvPr/>
+        </p:nvSpPr>
+        <p:spPr>
+          <a:xfrm>
+            <a:off x="1069848" y="2093273"/>
+            <a:ext cx="10058400" cy="4050792"/>
+          </a:xfrm>
+          <a:prstGeom prst="rect">
+            <a:avLst/>
+          </a:prstGeom>
+        </p:spPr>
+        <p:txBody>
+          <a:bodyPr vert="horz" lIns="91440" tIns="45720" rIns="91440" bIns="45720" rtlCol="0">
+            <a:normAutofit/>
+          </a:bodyPr>
+          <a:lstStyle>
+            <a:lvl1pPr marL="182880" indent="-182880" algn="l" defTabSz="914400" rtl="0" eaLnBrk="1" latinLnBrk="0" hangingPunct="1">
+              <a:lnSpc>
+                <a:spcPct val="90000"/>
+              </a:lnSpc>
+              <a:spcBef>
+                <a:spcPts val="1200"/>
+              </a:spcBef>
+              <a:buClr>
+                <a:schemeClr val="accent1">
+                  <a:lumMod val="75000"/>
+                </a:schemeClr>
+              </a:buClr>
+              <a:buSzPct val="85000"/>
+              <a:buFont typeface="Wingdings" pitchFamily="2" charset="2"/>
+              <a:buChar char="§"/>
+              <a:defRPr sz="2000" kern="1200">
+                <a:solidFill>
+                  <a:schemeClr val="tx1"/>
+                </a:solidFill>
+                <a:latin typeface="+mn-lt"/>
+                <a:ea typeface="+mn-ea"/>
+                <a:cs typeface="+mn-cs"/>
+              </a:defRPr>
+            </a:lvl1pPr>
+            <a:lvl2pPr marL="457200" indent="-182880" algn="l" defTabSz="914400" rtl="0" eaLnBrk="1" latinLnBrk="0" hangingPunct="1">
+              <a:lnSpc>
+                <a:spcPct val="90000"/>
+              </a:lnSpc>
+              <a:spcBef>
+                <a:spcPts val="400"/>
+              </a:spcBef>
+              <a:spcAft>
+                <a:spcPts val="200"/>
+              </a:spcAft>
+              <a:buClr>
+                <a:schemeClr val="accent1">
+                  <a:lumMod val="75000"/>
+                </a:schemeClr>
+              </a:buClr>
+              <a:buSzPct val="85000"/>
+              <a:buFont typeface="Wingdings" pitchFamily="2" charset="2"/>
+              <a:buChar char="§"/>
+              <a:defRPr sz="1800" kern="1200">
+                <a:solidFill>
+                  <a:schemeClr val="tx1"/>
+                </a:solidFill>
+                <a:latin typeface="+mn-lt"/>
+                <a:ea typeface="+mn-ea"/>
+                <a:cs typeface="+mn-cs"/>
+              </a:defRPr>
+            </a:lvl2pPr>
+            <a:lvl3pPr marL="731520" indent="-182880" algn="l" defTabSz="914400" rtl="0" eaLnBrk="1" latinLnBrk="0" hangingPunct="1">
+              <a:lnSpc>
+                <a:spcPct val="90000"/>
+              </a:lnSpc>
+              <a:spcBef>
+                <a:spcPts val="400"/>
+              </a:spcBef>
+              <a:spcAft>
+                <a:spcPts val="200"/>
+              </a:spcAft>
+              <a:buClr>
+                <a:schemeClr val="accent1">
+                  <a:lumMod val="75000"/>
+                </a:schemeClr>
+              </a:buClr>
+              <a:buSzPct val="85000"/>
+              <a:buFont typeface="Wingdings" pitchFamily="2" charset="2"/>
+              <a:buChar char="§"/>
+              <a:defRPr sz="1600" kern="1200">
+                <a:solidFill>
+                  <a:schemeClr val="tx1"/>
+                </a:solidFill>
+                <a:latin typeface="+mn-lt"/>
+                <a:ea typeface="+mn-ea"/>
+                <a:cs typeface="+mn-cs"/>
+              </a:defRPr>
+            </a:lvl3pPr>
+            <a:lvl4pPr marL="1005840" indent="-182880" algn="l" defTabSz="914400" rtl="0" eaLnBrk="1" latinLnBrk="0" hangingPunct="1">
+              <a:lnSpc>
+                <a:spcPct val="90000"/>
+              </a:lnSpc>
+              <a:spcBef>
+                <a:spcPts val="400"/>
+              </a:spcBef>
+              <a:spcAft>
+                <a:spcPts val="200"/>
+              </a:spcAft>
+              <a:buClr>
+                <a:schemeClr val="accent1">
+                  <a:lumMod val="75000"/>
+                </a:schemeClr>
+              </a:buClr>
+              <a:buSzPct val="85000"/>
+              <a:buFont typeface="Wingdings" pitchFamily="2" charset="2"/>
+              <a:buChar char="§"/>
+              <a:defRPr sz="1600" kern="1200">
+                <a:solidFill>
+                  <a:schemeClr val="tx1"/>
+                </a:solidFill>
+                <a:latin typeface="+mn-lt"/>
+                <a:ea typeface="+mn-ea"/>
+                <a:cs typeface="+mn-cs"/>
+              </a:defRPr>
+            </a:lvl4pPr>
+            <a:lvl5pPr marL="1280160" indent="-182880" algn="l" defTabSz="914400" rtl="0" eaLnBrk="1" latinLnBrk="0" hangingPunct="1">
+              <a:lnSpc>
+                <a:spcPct val="90000"/>
+              </a:lnSpc>
+              <a:spcBef>
+                <a:spcPts val="400"/>
+              </a:spcBef>
+              <a:spcAft>
+                <a:spcPts val="200"/>
+              </a:spcAft>
+              <a:buClr>
+                <a:schemeClr val="accent1">
+                  <a:lumMod val="75000"/>
+                </a:schemeClr>
+              </a:buClr>
+              <a:buSzPct val="85000"/>
+              <a:buFont typeface="Wingdings" pitchFamily="2" charset="2"/>
+              <a:buChar char="§"/>
+              <a:defRPr sz="1600" kern="1200">
+                <a:solidFill>
+                  <a:schemeClr val="tx1"/>
+                </a:solidFill>
+                <a:latin typeface="+mn-lt"/>
+                <a:ea typeface="+mn-ea"/>
+                <a:cs typeface="+mn-cs"/>
+              </a:defRPr>
+            </a:lvl5pPr>
+            <a:lvl6pPr marL="1600000" indent="-228600" algn="l" defTabSz="914400" rtl="0" eaLnBrk="1" latinLnBrk="0" hangingPunct="1">
+              <a:lnSpc>
+                <a:spcPct val="90000"/>
+              </a:lnSpc>
+              <a:spcBef>
+                <a:spcPts val="400"/>
+              </a:spcBef>
+              <a:spcAft>
+                <a:spcPts val="200"/>
+              </a:spcAft>
+              <a:buClr>
+                <a:schemeClr val="accent1">
+                  <a:lumMod val="75000"/>
+                </a:schemeClr>
+              </a:buClr>
+              <a:buSzPct val="85000"/>
+              <a:buFont typeface="Wingdings" pitchFamily="2" charset="2"/>
+              <a:buChar char="§"/>
+              <a:defRPr sz="1600" kern="1200">
+                <a:solidFill>
+                  <a:schemeClr val="tx1"/>
+                </a:solidFill>
+                <a:latin typeface="+mn-lt"/>
+                <a:ea typeface="+mn-ea"/>
+                <a:cs typeface="+mn-cs"/>
+              </a:defRPr>
+            </a:lvl6pPr>
+            <a:lvl7pPr marL="1900000" indent="-228600" algn="l" defTabSz="914400" rtl="0" eaLnBrk="1" latinLnBrk="0" hangingPunct="1">
+              <a:lnSpc>
+                <a:spcPct val="90000"/>
+              </a:lnSpc>
+              <a:spcBef>
+                <a:spcPts val="400"/>
+              </a:spcBef>
+              <a:spcAft>
+                <a:spcPts val="200"/>
+              </a:spcAft>
+              <a:buClr>
+                <a:schemeClr val="accent1">
+                  <a:lumMod val="75000"/>
+                </a:schemeClr>
+              </a:buClr>
+              <a:buSzPct val="85000"/>
+              <a:buFont typeface="Wingdings" pitchFamily="2" charset="2"/>
+              <a:buChar char="§"/>
+              <a:defRPr sz="1600" kern="1200">
+                <a:solidFill>
+                  <a:schemeClr val="tx1"/>
+                </a:solidFill>
+                <a:latin typeface="+mn-lt"/>
+                <a:ea typeface="+mn-ea"/>
+                <a:cs typeface="+mn-cs"/>
+              </a:defRPr>
+            </a:lvl7pPr>
+            <a:lvl8pPr marL="2200000" indent="-228600" algn="l" defTabSz="914400" rtl="0" eaLnBrk="1" latinLnBrk="0" hangingPunct="1">
+              <a:lnSpc>
+                <a:spcPct val="90000"/>
+              </a:lnSpc>
+              <a:spcBef>
+                <a:spcPts val="400"/>
+              </a:spcBef>
+              <a:spcAft>
+                <a:spcPts val="200"/>
+              </a:spcAft>
+              <a:buClr>
+                <a:schemeClr val="accent1">
+                  <a:lumMod val="75000"/>
+                </a:schemeClr>
+              </a:buClr>
+              <a:buSzPct val="85000"/>
+              <a:buFont typeface="Wingdings" pitchFamily="2" charset="2"/>
+              <a:buChar char="§"/>
+              <a:defRPr sz="1600" kern="1200">
+                <a:solidFill>
+                  <a:schemeClr val="tx1"/>
+                </a:solidFill>
+                <a:latin typeface="+mn-lt"/>
+                <a:ea typeface="+mn-ea"/>
+                <a:cs typeface="+mn-cs"/>
+              </a:defRPr>
+            </a:lvl8pPr>
+            <a:lvl9pPr marL="2500000" indent="-228600" algn="l" defTabSz="914400" rtl="0" eaLnBrk="1" latinLnBrk="0" hangingPunct="1">
+              <a:lnSpc>
+                <a:spcPct val="90000"/>
+              </a:lnSpc>
+              <a:spcBef>
+                <a:spcPts val="400"/>
+              </a:spcBef>
+              <a:spcAft>
+                <a:spcPts val="200"/>
+              </a:spcAft>
+              <a:buClr>
+                <a:schemeClr val="accent1">
+                  <a:lumMod val="75000"/>
+                </a:schemeClr>
+              </a:buClr>
+              <a:buSzPct val="85000"/>
+              <a:buFont typeface="Wingdings" pitchFamily="2" charset="2"/>
+              <a:buChar char="§"/>
+              <a:defRPr sz="1600" kern="1200">
+                <a:solidFill>
+                  <a:schemeClr val="tx1"/>
+                </a:solidFill>
+                <a:latin typeface="+mn-lt"/>
+                <a:ea typeface="+mn-ea"/>
+                <a:cs typeface="+mn-cs"/>
+              </a:defRPr>
+            </a:lvl9pPr>
+          </a:lstStyle>
+          <a:p>
+            <a:pPr marL="0" indent="0">
+              <a:buFont typeface="Wingdings" pitchFamily="2" charset="2"/>
+              <a:buNone/>
+            </a:pPr>
+            <a:endParaRPr lang="it-IT" dirty="0"/>
+          </a:p>
+        </p:txBody>
+      </p:sp>
+      <p:sp>
+        <p:nvSpPr>
+          <p:cNvPr id="7" name="Rettangolo 6">
+            <a:extLst>
+              <a:ext uri="{FF2B5EF4-FFF2-40B4-BE49-F238E27FC236}">
+                <a16:creationId xmlns:a16="http://schemas.microsoft.com/office/drawing/2014/main" id="{28457666-5208-4E18-9414-139873A01E8C}"/>
+              </a:ext>
+            </a:extLst>
+          </p:cNvPr>
+          <p:cNvSpPr/>
+          <p:nvPr/>
+        </p:nvSpPr>
+        <p:spPr>
+          <a:xfrm>
+            <a:off x="1795839" y="279064"/>
+            <a:ext cx="7671717" cy="1200329"/>
+          </a:xfrm>
+          <a:prstGeom prst="rect">
+            <a:avLst/>
+          </a:prstGeom>
+          <a:noFill/>
+        </p:spPr>
+        <p:txBody>
+          <a:bodyPr wrap="square" lIns="91440" tIns="45720" rIns="91440" bIns="45720">
+            <a:spAutoFit/>
+          </a:bodyPr>
+          <a:lstStyle/>
+          <a:p>
+            <a:pPr algn="ctr"/>
+            <a:r>
+              <a:rPr lang="it-IT" sz="3600" b="0" cap="none" spc="0" dirty="0">
+                <a:ln w="0"/>
+                <a:solidFill>
+                  <a:schemeClr val="tx1"/>
+                </a:solidFill>
+                <a:effectLst>
+                  <a:outerShdw blurRad="38100" dist="19050" dir="2700000" algn="tl" rotWithShape="0">
+                    <a:schemeClr val="dk1">
+                      <a:alpha val="40000"/>
+                    </a:schemeClr>
+                  </a:outerShdw>
+                </a:effectLst>
+              </a:rPr>
+              <a:t>&lt;Stasera si farà tardi! </a:t>
+            </a:r>
+            <a:br>
+              <a:rPr lang="it-IT" sz="3600" b="0" cap="none" spc="0" dirty="0">
+                <a:ln w="0"/>
+                <a:solidFill>
+                  <a:schemeClr val="tx1"/>
+                </a:solidFill>
+                <a:effectLst>
+                  <a:outerShdw blurRad="38100" dist="19050" dir="2700000" algn="tl" rotWithShape="0">
+                    <a:schemeClr val="dk1">
+                      <a:alpha val="40000"/>
+                    </a:schemeClr>
+                  </a:outerShdw>
+                </a:effectLst>
+              </a:rPr>
+            </a:br>
+            <a:r>
+              <a:rPr lang="it-IT" sz="3600" b="0" cap="none" spc="0" dirty="0">
+                <a:ln w="0"/>
+                <a:solidFill>
+                  <a:schemeClr val="tx1"/>
+                </a:solidFill>
+                <a:effectLst>
+                  <a:outerShdw blurRad="38100" dist="19050" dir="2700000" algn="tl" rotWithShape="0">
+                    <a:schemeClr val="dk1">
+                      <a:alpha val="40000"/>
+                    </a:schemeClr>
+                  </a:outerShdw>
+                </a:effectLst>
+              </a:rPr>
+              <a:t>Bisogna fare l’inventario&gt;</a:t>
+            </a:r>
+          </a:p>
+        </p:txBody>
+      </p:sp>
+      <p:pic>
+        <p:nvPicPr>
+          <p:cNvPr id="3" name="Immagine 2">
+            <a:extLst>
+              <a:ext uri="{FF2B5EF4-FFF2-40B4-BE49-F238E27FC236}">
+                <a16:creationId xmlns:a16="http://schemas.microsoft.com/office/drawing/2014/main" id="{9E9D0413-D62B-4005-A890-5DB00872A43A}"/>
+              </a:ext>
+            </a:extLst>
+          </p:cNvPr>
+          <p:cNvPicPr>
+            <a:picLocks noChangeAspect="1"/>
+          </p:cNvPicPr>
+          <p:nvPr/>
+        </p:nvPicPr>
+        <p:blipFill>
+          <a:blip r:embed="rId3">
+            <a:extLst>
+              <a:ext uri="{28A0092B-C50C-407E-A947-70E740481C1C}">
+                <a14:useLocalDpi xmlns:a14="http://schemas.microsoft.com/office/drawing/2010/main" val="0"/>
+              </a:ext>
+            </a:extLst>
+          </a:blip>
+          <a:stretch>
+            <a:fillRect/>
+          </a:stretch>
+        </p:blipFill>
+        <p:spPr>
+          <a:xfrm>
+            <a:off x="135147" y="1425312"/>
+            <a:ext cx="3030026" cy="5386713"/>
+          </a:xfrm>
+          <a:prstGeom prst="rect">
+            <a:avLst/>
+          </a:prstGeom>
+        </p:spPr>
+      </p:pic>
+      <p:pic>
+        <p:nvPicPr>
+          <p:cNvPr id="9" name="Immagine 8">
+            <a:extLst>
+              <a:ext uri="{FF2B5EF4-FFF2-40B4-BE49-F238E27FC236}">
+                <a16:creationId xmlns:a16="http://schemas.microsoft.com/office/drawing/2014/main" id="{391A7089-50E5-41BB-8698-7DDD4772FECB}"/>
+              </a:ext>
+            </a:extLst>
+          </p:cNvPr>
+          <p:cNvPicPr>
+            <a:picLocks noChangeAspect="1"/>
+          </p:cNvPicPr>
+          <p:nvPr/>
+        </p:nvPicPr>
+        <p:blipFill>
+          <a:blip r:embed="rId4">
+            <a:extLst>
+              <a:ext uri="{28A0092B-C50C-407E-A947-70E740481C1C}">
+                <a14:useLocalDpi xmlns:a14="http://schemas.microsoft.com/office/drawing/2010/main" val="0"/>
+              </a:ext>
+            </a:extLst>
+          </a:blip>
+          <a:stretch>
+            <a:fillRect/>
+          </a:stretch>
+        </p:blipFill>
+        <p:spPr>
+          <a:xfrm>
+            <a:off x="4422186" y="2688776"/>
+            <a:ext cx="6127584" cy="3789269"/>
+          </a:xfrm>
+          <a:prstGeom prst="rect">
+            <a:avLst/>
+          </a:prstGeom>
+        </p:spPr>
+      </p:pic>
+    </p:spTree>
+    <p:extLst>
+      <p:ext uri="{BB962C8B-B14F-4D97-AF65-F5344CB8AC3E}">
+        <p14:creationId xmlns:p14="http://schemas.microsoft.com/office/powerpoint/2010/main" val="384403837"/>
+      </p:ext>
+    </p:extLst>
+  </p:cSld>
+  <p:clrMapOvr>
+    <a:masterClrMapping/>
+  </p:clrMapOvr>
+</p:sld>
+</file>
+
+<file path=ppt/slides/slide4.xml><?xml version="1.0" encoding="utf-8"?>
+<p:sld xmlns:a="http://schemas.openxmlformats.org/drawingml/2006/main" xmlns:r="http://schemas.openxmlformats.org/officeDocument/2006/relationships" xmlns:p="http://schemas.openxmlformats.org/presentationml/2006/main">
+  <p:cSld>
+    <p:spTree>
+      <p:nvGrpSpPr>
+        <p:cNvPr id="1" name=""/>
+        <p:cNvGrpSpPr/>
+        <p:nvPr/>
+      </p:nvGrpSpPr>
+      <p:grpSpPr>
+        <a:xfrm>
+          <a:off x="0" y="0"/>
+          <a:ext cx="0" cy="0"/>
+          <a:chOff x="0" y="0"/>
+          <a:chExt cx="0" cy="0"/>
+        </a:xfrm>
+      </p:grpSpPr>
+      <p:sp>
+        <p:nvSpPr>
+          <p:cNvPr id="4" name="Rettangolo 3">
+            <a:extLst>
+              <a:ext uri="{FF2B5EF4-FFF2-40B4-BE49-F238E27FC236}">
+                <a16:creationId xmlns:a16="http://schemas.microsoft.com/office/drawing/2014/main" id="{4144FCE2-F096-48A8-B1C2-DD9F5FAE5CE2}"/>
+              </a:ext>
+            </a:extLst>
+          </p:cNvPr>
+          <p:cNvSpPr/>
+          <p:nvPr/>
+        </p:nvSpPr>
+        <p:spPr>
+          <a:xfrm>
+            <a:off x="1782224" y="378880"/>
+            <a:ext cx="8374345" cy="923330"/>
+          </a:xfrm>
+          <a:prstGeom prst="rect">
+            <a:avLst/>
+          </a:prstGeom>
+          <a:noFill/>
+        </p:spPr>
+        <p:txBody>
+          <a:bodyPr wrap="none" lIns="91440" tIns="45720" rIns="91440" bIns="45720">
+            <a:spAutoFit/>
+          </a:bodyPr>
+          <a:lstStyle/>
+          <a:p>
+            <a:pPr algn="ctr"/>
+            <a:r>
+              <a:rPr lang="it-IT" sz="5400" b="0" cap="none" spc="0" dirty="0">
+                <a:ln w="0"/>
+                <a:solidFill>
+                  <a:schemeClr val="accent1"/>
+                </a:solidFill>
+                <a:effectLst>
+                  <a:outerShdw blurRad="38100" dist="25400" dir="5400000" algn="ctr" rotWithShape="0">
+                    <a:srgbClr val="6E747A">
+                      <a:alpha val="43000"/>
+                    </a:srgbClr>
+                  </a:outerShdw>
+                </a:effectLst>
+              </a:rPr>
+              <a:t>Basta con fascicoli infiniti!</a:t>
+            </a:r>
+          </a:p>
+        </p:txBody>
+      </p:sp>
+      <p:sp>
+        <p:nvSpPr>
+          <p:cNvPr id="5" name="Rettangolo 4">
+            <a:extLst>
+              <a:ext uri="{FF2B5EF4-FFF2-40B4-BE49-F238E27FC236}">
+                <a16:creationId xmlns:a16="http://schemas.microsoft.com/office/drawing/2014/main" id="{F8ACDEBE-D9A2-43CF-B947-F7A58DCBE02C}"/>
+              </a:ext>
+            </a:extLst>
+          </p:cNvPr>
+          <p:cNvSpPr/>
+          <p:nvPr/>
+        </p:nvSpPr>
+        <p:spPr>
+          <a:xfrm>
+            <a:off x="1035999" y="2460087"/>
+            <a:ext cx="10236457" cy="923330"/>
+          </a:xfrm>
+          <a:prstGeom prst="rect">
+            <a:avLst/>
+          </a:prstGeom>
+          <a:noFill/>
+        </p:spPr>
+        <p:txBody>
+          <a:bodyPr wrap="none" lIns="91440" tIns="45720" rIns="91440" bIns="45720">
+            <a:spAutoFit/>
+          </a:bodyPr>
+          <a:lstStyle/>
+          <a:p>
+            <a:pPr algn="ctr"/>
+            <a:r>
+              <a:rPr lang="it-IT" sz="5400" b="0" cap="none" spc="0" dirty="0">
+                <a:ln w="0"/>
+                <a:solidFill>
+                  <a:schemeClr val="accent1"/>
+                </a:solidFill>
+                <a:effectLst>
+                  <a:outerShdw blurRad="38100" dist="25400" dir="5400000" algn="ctr" rotWithShape="0">
+                    <a:srgbClr val="6E747A">
+                      <a:alpha val="43000"/>
+                    </a:srgbClr>
+                  </a:outerShdw>
+                </a:effectLst>
+              </a:rPr>
+              <a:t>Basta con il conteggio manuale!</a:t>
+            </a:r>
+          </a:p>
+        </p:txBody>
+      </p:sp>
+      <p:sp>
+        <p:nvSpPr>
+          <p:cNvPr id="6" name="Rettangolo 5">
+            <a:extLst>
+              <a:ext uri="{FF2B5EF4-FFF2-40B4-BE49-F238E27FC236}">
+                <a16:creationId xmlns:a16="http://schemas.microsoft.com/office/drawing/2014/main" id="{1A31D6B0-315A-4321-A8B9-30841F0102D8}"/>
+              </a:ext>
+            </a:extLst>
+          </p:cNvPr>
+          <p:cNvSpPr/>
+          <p:nvPr/>
+        </p:nvSpPr>
+        <p:spPr>
+          <a:xfrm>
+            <a:off x="2165654" y="4669526"/>
+            <a:ext cx="4488364" cy="923330"/>
+          </a:xfrm>
+          <a:prstGeom prst="rect">
+            <a:avLst/>
+          </a:prstGeom>
+          <a:noFill/>
+        </p:spPr>
+        <p:txBody>
+          <a:bodyPr wrap="square" lIns="91440" tIns="45720" rIns="91440" bIns="45720">
+            <a:spAutoFit/>
+          </a:bodyPr>
+          <a:lstStyle/>
+          <a:p>
+            <a:pPr algn="ctr"/>
+            <a:r>
+              <a:rPr lang="it-IT" sz="5400" b="0" cap="none" spc="0" dirty="0">
+                <a:ln w="0"/>
+                <a:solidFill>
+                  <a:schemeClr val="accent1"/>
+                </a:solidFill>
+                <a:effectLst>
+                  <a:outerShdw blurRad="38100" dist="25400" dir="5400000" algn="ctr" rotWithShape="0">
+                    <a:srgbClr val="6E747A">
+                      <a:alpha val="43000"/>
+                    </a:srgbClr>
+                  </a:outerShdw>
+                </a:effectLst>
+              </a:rPr>
+              <a:t> </a:t>
+            </a:r>
+          </a:p>
+        </p:txBody>
+      </p:sp>
+      <p:sp>
+        <p:nvSpPr>
+          <p:cNvPr id="8" name="Freccia in giù 7">
+            <a:extLst>
+              <a:ext uri="{FF2B5EF4-FFF2-40B4-BE49-F238E27FC236}">
+                <a16:creationId xmlns:a16="http://schemas.microsoft.com/office/drawing/2014/main" id="{44B02FBA-2792-4047-9E26-CB200FECD8A8}"/>
+              </a:ext>
+            </a:extLst>
+          </p:cNvPr>
+          <p:cNvSpPr/>
+          <p:nvPr/>
+        </p:nvSpPr>
+        <p:spPr>
+          <a:xfrm>
+            <a:off x="5936565" y="1398925"/>
+            <a:ext cx="217663" cy="1061162"/>
+          </a:xfrm>
+          <a:prstGeom prst="downArrow">
+            <a:avLst/>
+          </a:prstGeom>
+        </p:spPr>
+        <p:style>
+          <a:lnRef idx="2">
+            <a:schemeClr val="dk1">
+              <a:shade val="50000"/>
+            </a:schemeClr>
+          </a:lnRef>
+          <a:fillRef idx="1">
+            <a:schemeClr val="dk1"/>
+          </a:fillRef>
+          <a:effectRef idx="0">
+            <a:schemeClr val="dk1"/>
+          </a:effectRef>
+          <a:fontRef idx="minor">
+            <a:schemeClr val="lt1"/>
+          </a:fontRef>
+        </p:style>
+        <p:txBody>
+          <a:bodyPr rtlCol="0" anchor="ctr"/>
+          <a:lstStyle/>
+          <a:p>
+            <a:pPr algn="ctr"/>
+            <a:endParaRPr lang="it-IT"/>
+          </a:p>
+        </p:txBody>
+      </p:sp>
+      <p:sp>
+        <p:nvSpPr>
+          <p:cNvPr id="9" name="Rettangolo 8">
+            <a:extLst>
+              <a:ext uri="{FF2B5EF4-FFF2-40B4-BE49-F238E27FC236}">
+                <a16:creationId xmlns:a16="http://schemas.microsoft.com/office/drawing/2014/main" id="{A28B93AD-0338-4A5B-A1CC-646D0987E3D7}"/>
+              </a:ext>
+            </a:extLst>
+          </p:cNvPr>
+          <p:cNvSpPr/>
+          <p:nvPr/>
+        </p:nvSpPr>
+        <p:spPr>
+          <a:xfrm>
+            <a:off x="2094637" y="4636251"/>
+            <a:ext cx="8036751" cy="1754326"/>
+          </a:xfrm>
+          <a:prstGeom prst="rect">
+            <a:avLst/>
+          </a:prstGeom>
+          <a:noFill/>
+        </p:spPr>
+        <p:txBody>
+          <a:bodyPr wrap="none" lIns="91440" tIns="45720" rIns="91440" bIns="45720">
+            <a:spAutoFit/>
+          </a:bodyPr>
+          <a:lstStyle/>
+          <a:p>
+            <a:pPr algn="ctr"/>
+            <a:r>
+              <a:rPr lang="it-IT" sz="5400" dirty="0">
+                <a:ln w="0"/>
+                <a:solidFill>
+                  <a:schemeClr val="accent1"/>
+                </a:solidFill>
+                <a:effectLst>
+                  <a:outerShdw blurRad="38100" dist="25400" dir="5400000" algn="ctr" rotWithShape="0">
+                    <a:srgbClr val="6E747A">
+                      <a:alpha val="43000"/>
+                    </a:srgbClr>
+                  </a:outerShdw>
+                </a:effectLst>
+              </a:rPr>
+              <a:t>Basta con le agende che </a:t>
+            </a:r>
+            <a:br>
+              <a:rPr lang="it-IT" sz="5400" dirty="0">
+                <a:ln w="0"/>
+                <a:solidFill>
+                  <a:schemeClr val="accent1"/>
+                </a:solidFill>
+                <a:effectLst>
+                  <a:outerShdw blurRad="38100" dist="25400" dir="5400000" algn="ctr" rotWithShape="0">
+                    <a:srgbClr val="6E747A">
+                      <a:alpha val="43000"/>
+                    </a:srgbClr>
+                  </a:outerShdw>
+                </a:effectLst>
+              </a:rPr>
+            </a:br>
+            <a:r>
+              <a:rPr lang="it-IT" sz="5400" dirty="0">
+                <a:ln w="0"/>
+                <a:solidFill>
+                  <a:schemeClr val="accent1"/>
+                </a:solidFill>
+                <a:effectLst>
+                  <a:outerShdw blurRad="38100" dist="25400" dir="5400000" algn="ctr" rotWithShape="0">
+                    <a:srgbClr val="6E747A">
+                      <a:alpha val="43000"/>
+                    </a:srgbClr>
+                  </a:outerShdw>
+                </a:effectLst>
+              </a:rPr>
+              <a:t>generano confusione</a:t>
+            </a:r>
+            <a:endParaRPr lang="it-IT" sz="5400" b="0" cap="none" spc="0" dirty="0">
+              <a:ln w="0"/>
+              <a:solidFill>
+                <a:schemeClr val="accent1"/>
+              </a:solidFill>
+              <a:effectLst>
+                <a:outerShdw blurRad="38100" dist="25400" dir="5400000" algn="ctr" rotWithShape="0">
+                  <a:srgbClr val="6E747A">
+                    <a:alpha val="43000"/>
+                  </a:srgbClr>
+                </a:outerShdw>
+              </a:effectLst>
+            </a:endParaRPr>
+          </a:p>
+        </p:txBody>
+      </p:sp>
+      <p:sp>
+        <p:nvSpPr>
+          <p:cNvPr id="10" name="Freccia in giù 9">
+            <a:extLst>
+              <a:ext uri="{FF2B5EF4-FFF2-40B4-BE49-F238E27FC236}">
+                <a16:creationId xmlns:a16="http://schemas.microsoft.com/office/drawing/2014/main" id="{F32320DA-AE6A-4661-93BC-AEA000FBF9EF}"/>
+              </a:ext>
+            </a:extLst>
+          </p:cNvPr>
+          <p:cNvSpPr/>
+          <p:nvPr/>
+        </p:nvSpPr>
+        <p:spPr>
+          <a:xfrm>
+            <a:off x="6004172" y="3479659"/>
+            <a:ext cx="217663" cy="1061162"/>
+          </a:xfrm>
+          <a:prstGeom prst="downArrow">
+            <a:avLst/>
+          </a:prstGeom>
+        </p:spPr>
+        <p:style>
+          <a:lnRef idx="2">
+            <a:schemeClr val="dk1">
+              <a:shade val="50000"/>
+            </a:schemeClr>
+          </a:lnRef>
+          <a:fillRef idx="1">
+            <a:schemeClr val="dk1"/>
+          </a:fillRef>
+          <a:effectRef idx="0">
+            <a:schemeClr val="dk1"/>
+          </a:effectRef>
+          <a:fontRef idx="minor">
+            <a:schemeClr val="lt1"/>
+          </a:fontRef>
+        </p:style>
+        <p:txBody>
+          <a:bodyPr rtlCol="0" anchor="ctr"/>
+          <a:lstStyle/>
+          <a:p>
+            <a:pPr algn="ctr"/>
+            <a:endParaRPr lang="it-IT"/>
+          </a:p>
+        </p:txBody>
+      </p:sp>
+    </p:spTree>
+    <p:extLst>
+      <p:ext uri="{BB962C8B-B14F-4D97-AF65-F5344CB8AC3E}">
+        <p14:creationId xmlns:p14="http://schemas.microsoft.com/office/powerpoint/2010/main" val="2959150057"/>
+      </p:ext>
+    </p:extLst>
+  </p:cSld>
+  <p:clrMapOvr>
+    <a:masterClrMapping/>
+  </p:clrMapOvr>
+</p:sld>
+</file>
+
+<file path=ppt/slides/slide5.xml><?xml version="1.0" encoding="utf-8"?>
+<p:sld xmlns:a="http://schemas.openxmlformats.org/drawingml/2006/main" xmlns:r="http://schemas.openxmlformats.org/officeDocument/2006/relationships" xmlns:p="http://schemas.openxmlformats.org/presentationml/2006/main">
+  <p:cSld>
+    <p:spTree>
+      <p:nvGrpSpPr>
+        <p:cNvPr id="1" name=""/>
+        <p:cNvGrpSpPr/>
+        <p:nvPr/>
+      </p:nvGrpSpPr>
+      <p:grpSpPr>
+        <a:xfrm>
+          <a:off x="0" y="0"/>
+          <a:ext cx="0" cy="0"/>
+          <a:chOff x="0" y="0"/>
+          <a:chExt cx="0" cy="0"/>
+        </a:xfrm>
+      </p:grpSpPr>
+      <p:sp>
+        <p:nvSpPr>
+          <p:cNvPr id="4" name="Rettangolo 3">
+            <a:extLst>
+              <a:ext uri="{FF2B5EF4-FFF2-40B4-BE49-F238E27FC236}">
+                <a16:creationId xmlns:a16="http://schemas.microsoft.com/office/drawing/2014/main" id="{C899CE8B-E5A7-4DB8-8AB6-21163EE4F3F9}"/>
+              </a:ext>
+            </a:extLst>
+          </p:cNvPr>
+          <p:cNvSpPr/>
+          <p:nvPr/>
+        </p:nvSpPr>
+        <p:spPr>
+          <a:xfrm>
+            <a:off x="3286125" y="2136338"/>
+            <a:ext cx="5631670" cy="2585323"/>
+          </a:xfrm>
+          <a:prstGeom prst="rect">
+            <a:avLst/>
+          </a:prstGeom>
+          <a:noFill/>
+        </p:spPr>
+        <p:txBody>
+          <a:bodyPr wrap="none" lIns="91440" tIns="45720" rIns="91440" bIns="45720">
+            <a:spAutoFit/>
+          </a:bodyPr>
+          <a:lstStyle/>
+          <a:p>
+            <a:pPr algn="ctr"/>
+            <a:r>
+              <a:rPr lang="it-IT" sz="5400" b="1" cap="none" spc="0" dirty="0">
+                <a:ln w="12700">
+                  <a:solidFill>
+                    <a:schemeClr val="accent1"/>
+                  </a:solidFill>
+                  <a:prstDash val="solid"/>
+                </a:ln>
+                <a:pattFill prst="pct50">
+                  <a:fgClr>
+                    <a:schemeClr val="accent1"/>
+                  </a:fgClr>
+                  <a:bgClr>
+                    <a:schemeClr val="accent1">
+                      <a:lumMod val="20000"/>
+                      <a:lumOff val="80000"/>
+                    </a:schemeClr>
+                  </a:bgClr>
+                </a:pattFill>
+                <a:effectLst>
+                  <a:outerShdw dist="38100" dir="2640000" algn="bl" rotWithShape="0">
+                    <a:schemeClr val="accent1"/>
+                  </a:outerShdw>
+                </a:effectLst>
+              </a:rPr>
+              <a:t>A.M.P Solution</a:t>
+            </a:r>
+          </a:p>
+          <a:p>
+            <a:pPr algn="ctr"/>
+            <a:r>
+              <a:rPr lang="it-IT" sz="5400" b="1" cap="none" spc="0" dirty="0">
+                <a:ln w="12700">
+                  <a:solidFill>
+                    <a:schemeClr val="accent1"/>
+                  </a:solidFill>
+                  <a:prstDash val="solid"/>
+                </a:ln>
+                <a:pattFill prst="pct50">
+                  <a:fgClr>
+                    <a:schemeClr val="accent1"/>
+                  </a:fgClr>
+                  <a:bgClr>
+                    <a:schemeClr val="accent1">
+                      <a:lumMod val="20000"/>
+                      <a:lumOff val="80000"/>
+                    </a:schemeClr>
+                  </a:bgClr>
+                </a:pattFill>
+                <a:effectLst>
+                  <a:outerShdw dist="38100" dir="2640000" algn="bl" rotWithShape="0">
+                    <a:schemeClr val="accent1"/>
+                  </a:outerShdw>
+                </a:effectLst>
+              </a:rPr>
+              <a:t> ha la soluzione </a:t>
+            </a:r>
+          </a:p>
+          <a:p>
+            <a:pPr algn="ctr"/>
+            <a:r>
+              <a:rPr lang="it-IT" sz="5400" b="1" cap="none" spc="0" dirty="0">
+                <a:ln w="12700">
+                  <a:solidFill>
+                    <a:schemeClr val="accent1"/>
+                  </a:solidFill>
+                  <a:prstDash val="solid"/>
+                </a:ln>
+                <a:pattFill prst="pct50">
+                  <a:fgClr>
+                    <a:schemeClr val="accent1"/>
+                  </a:fgClr>
+                  <a:bgClr>
+                    <a:schemeClr val="accent1">
+                      <a:lumMod val="20000"/>
+                      <a:lumOff val="80000"/>
+                    </a:schemeClr>
+                  </a:bgClr>
+                </a:pattFill>
+                <a:effectLst>
+                  <a:outerShdw dist="38100" dir="2640000" algn="bl" rotWithShape="0">
+                    <a:schemeClr val="accent1"/>
+                  </a:outerShdw>
+                </a:effectLst>
+              </a:rPr>
+              <a:t>giusta per te</a:t>
+            </a:r>
+          </a:p>
+        </p:txBody>
+      </p:sp>
+      <p:pic>
+        <p:nvPicPr>
+          <p:cNvPr id="1026" name="Picture 2" descr="Risultati immagini per computer">
+            <a:extLst>
+              <a:ext uri="{FF2B5EF4-FFF2-40B4-BE49-F238E27FC236}">
+                <a16:creationId xmlns:a16="http://schemas.microsoft.com/office/drawing/2014/main" id="{B052ACA8-559E-467B-9BBD-D125B7877D2F}"/>
+              </a:ext>
+            </a:extLst>
+          </p:cNvPr>
+          <p:cNvPicPr>
+            <a:picLocks noChangeAspect="1" noChangeArrowheads="1"/>
+          </p:cNvPicPr>
+          <p:nvPr/>
+        </p:nvPicPr>
+        <p:blipFill>
+          <a:blip r:embed="rId2">
+            <a:extLst>
+              <a:ext uri="{28A0092B-C50C-407E-A947-70E740481C1C}">
+                <a14:useLocalDpi xmlns:a14="http://schemas.microsoft.com/office/drawing/2010/main" val="0"/>
+              </a:ext>
+            </a:extLst>
+          </a:blip>
+          <a:srcRect/>
+          <a:stretch>
+            <a:fillRect/>
+          </a:stretch>
+        </p:blipFill>
+        <p:spPr bwMode="auto">
+          <a:xfrm>
+            <a:off x="871537" y="3762375"/>
+            <a:ext cx="2414588" cy="2414588"/>
+          </a:xfrm>
+          <a:prstGeom prst="rect">
+            <a:avLst/>
+          </a:prstGeom>
+          <a:noFill/>
+          <a:extLst>
+            <a:ext uri="{909E8E84-426E-40DD-AFC4-6F175D3DCCD1}">
+              <a14:hiddenFill xmlns:a14="http://schemas.microsoft.com/office/drawing/2010/main">
+                <a:solidFill>
+                  <a:srgbClr val="FFFFFF"/>
+                </a:solidFill>
+              </a14:hiddenFill>
+            </a:ext>
+          </a:extLst>
+        </p:spPr>
+      </p:pic>
+      <p:pic>
+        <p:nvPicPr>
+          <p:cNvPr id="1028" name="Picture 4" descr="Risultati immagini per database">
+            <a:extLst>
+              <a:ext uri="{FF2B5EF4-FFF2-40B4-BE49-F238E27FC236}">
+                <a16:creationId xmlns:a16="http://schemas.microsoft.com/office/drawing/2014/main" id="{8F5F3737-7DBF-4A40-8420-F4B6BBEE1800}"/>
+              </a:ext>
+            </a:extLst>
+          </p:cNvPr>
+          <p:cNvPicPr>
+            <a:picLocks noChangeAspect="1" noChangeArrowheads="1"/>
+          </p:cNvPicPr>
+          <p:nvPr/>
+        </p:nvPicPr>
+        <p:blipFill>
+          <a:blip r:embed="rId3">
+            <a:extLst>
+              <a:ext uri="{28A0092B-C50C-407E-A947-70E740481C1C}">
+                <a14:useLocalDpi xmlns:a14="http://schemas.microsoft.com/office/drawing/2010/main" val="0"/>
+              </a:ext>
+            </a:extLst>
+          </a:blip>
+          <a:srcRect/>
+          <a:stretch>
+            <a:fillRect/>
+          </a:stretch>
+        </p:blipFill>
+        <p:spPr bwMode="auto">
+          <a:xfrm>
+            <a:off x="7830314" y="176212"/>
+            <a:ext cx="4018787" cy="2262188"/>
+          </a:xfrm>
+          <a:prstGeom prst="rect">
+            <a:avLst/>
+          </a:prstGeom>
+          <a:noFill/>
+          <a:extLst>
+            <a:ext uri="{909E8E84-426E-40DD-AFC4-6F175D3DCCD1}">
+              <a14:hiddenFill xmlns:a14="http://schemas.microsoft.com/office/drawing/2010/main">
+                <a:solidFill>
+                  <a:srgbClr val="FFFFFF"/>
+                </a:solidFill>
+              </a14:hiddenFill>
+            </a:ext>
+          </a:extLst>
+        </p:spPr>
+      </p:pic>
+      <p:pic>
+        <p:nvPicPr>
+          <p:cNvPr id="1030" name="Picture 6" descr="Risultati immagini per sistemi erp">
+            <a:extLst>
+              <a:ext uri="{FF2B5EF4-FFF2-40B4-BE49-F238E27FC236}">
+                <a16:creationId xmlns:a16="http://schemas.microsoft.com/office/drawing/2014/main" id="{EA1B35F7-092B-4AC1-9C12-D06F73958F88}"/>
+              </a:ext>
+            </a:extLst>
+          </p:cNvPr>
+          <p:cNvPicPr>
+            <a:picLocks noChangeAspect="1" noChangeArrowheads="1"/>
+          </p:cNvPicPr>
+          <p:nvPr/>
+        </p:nvPicPr>
+        <p:blipFill>
+          <a:blip r:embed="rId4">
+            <a:extLst>
+              <a:ext uri="{28A0092B-C50C-407E-A947-70E740481C1C}">
+                <a14:useLocalDpi xmlns:a14="http://schemas.microsoft.com/office/drawing/2010/main" val="0"/>
+              </a:ext>
+            </a:extLst>
+          </a:blip>
+          <a:srcRect/>
+          <a:stretch>
+            <a:fillRect/>
+          </a:stretch>
+        </p:blipFill>
+        <p:spPr bwMode="auto">
+          <a:xfrm>
+            <a:off x="-1" y="0"/>
+            <a:ext cx="3286125" cy="2738438"/>
+          </a:xfrm>
+          <a:prstGeom prst="rect">
+            <a:avLst/>
+          </a:prstGeom>
+          <a:noFill/>
+          <a:extLst>
+            <a:ext uri="{909E8E84-426E-40DD-AFC4-6F175D3DCCD1}">
+              <a14:hiddenFill xmlns:a14="http://schemas.microsoft.com/office/drawing/2010/main">
+                <a:solidFill>
+                  <a:srgbClr val="FFFFFF"/>
+                </a:solidFill>
+              </a14:hiddenFill>
+            </a:ext>
+          </a:extLst>
+        </p:spPr>
+      </p:pic>
+      <p:pic>
+        <p:nvPicPr>
+          <p:cNvPr id="1032" name="Picture 8" descr="Risultati immagini per chip">
+            <a:extLst>
+              <a:ext uri="{FF2B5EF4-FFF2-40B4-BE49-F238E27FC236}">
+                <a16:creationId xmlns:a16="http://schemas.microsoft.com/office/drawing/2014/main" id="{0FF2A4F9-AB1B-4F49-BE9E-372FD90BFBCF}"/>
+              </a:ext>
+            </a:extLst>
+          </p:cNvPr>
+          <p:cNvPicPr>
+            <a:picLocks noChangeAspect="1" noChangeArrowheads="1"/>
+          </p:cNvPicPr>
+          <p:nvPr/>
+        </p:nvPicPr>
+        <p:blipFill>
+          <a:blip r:embed="rId5">
+            <a:extLst>
+              <a:ext uri="{28A0092B-C50C-407E-A947-70E740481C1C}">
+                <a14:useLocalDpi xmlns:a14="http://schemas.microsoft.com/office/drawing/2010/main" val="0"/>
+              </a:ext>
+            </a:extLst>
+          </a:blip>
+          <a:srcRect/>
+          <a:stretch>
+            <a:fillRect/>
+          </a:stretch>
+        </p:blipFill>
+        <p:spPr bwMode="auto">
+          <a:xfrm>
+            <a:off x="8970182" y="4086225"/>
+            <a:ext cx="2190750" cy="2190750"/>
+          </a:xfrm>
+          <a:prstGeom prst="rect">
+            <a:avLst/>
+          </a:prstGeom>
+          <a:noFill/>
+          <a:extLst>
+            <a:ext uri="{909E8E84-426E-40DD-AFC4-6F175D3DCCD1}">
+              <a14:hiddenFill xmlns:a14="http://schemas.microsoft.com/office/drawing/2010/main">
+                <a:solidFill>
+                  <a:srgbClr val="FFFFFF"/>
+                </a:solidFill>
+              </a14:hiddenFill>
+            </a:ext>
+          </a:extLst>
+        </p:spPr>
+      </p:pic>
+    </p:spTree>
+    <p:extLst>
+      <p:ext uri="{BB962C8B-B14F-4D97-AF65-F5344CB8AC3E}">
+        <p14:creationId xmlns:p14="http://schemas.microsoft.com/office/powerpoint/2010/main" val="1689125755"/>
+      </p:ext>
+    </p:extLst>
+  </p:cSld>
+  <p:clrMapOvr>
+    <a:masterClrMapping/>
+  </p:clrMapOvr>
+</p:sld>
+</file>
+
+<file path=ppt/slides/slide6.xml><?xml version="1.0" encoding="utf-8"?>
+<p:sld xmlns:a="http://schemas.openxmlformats.org/drawingml/2006/main" xmlns:r="http://schemas.openxmlformats.org/officeDocument/2006/relationships" xmlns:p="http://schemas.openxmlformats.org/presentationml/2006/main">
+  <p:cSld>
+    <p:spTree>
+      <p:nvGrpSpPr>
+        <p:cNvPr id="1" name=""/>
+        <p:cNvGrpSpPr/>
+        <p:nvPr/>
+      </p:nvGrpSpPr>
+      <p:grpSpPr>
+        <a:xfrm>
+          <a:off x="0" y="0"/>
+          <a:ext cx="0" cy="0"/>
+          <a:chOff x="0" y="0"/>
+          <a:chExt cx="0" cy="0"/>
+        </a:xfrm>
+      </p:grpSpPr>
+      <p:sp>
+        <p:nvSpPr>
+          <p:cNvPr id="4" name="Rettangolo 3">
+            <a:extLst>
+              <a:ext uri="{FF2B5EF4-FFF2-40B4-BE49-F238E27FC236}">
+                <a16:creationId xmlns:a16="http://schemas.microsoft.com/office/drawing/2014/main" id="{E6FCBAED-09A5-44DB-AB79-EC94417C1C5E}"/>
+              </a:ext>
+            </a:extLst>
+          </p:cNvPr>
+          <p:cNvSpPr/>
+          <p:nvPr/>
+        </p:nvSpPr>
+        <p:spPr>
+          <a:xfrm>
+            <a:off x="104634" y="0"/>
+            <a:ext cx="9112944" cy="923330"/>
+          </a:xfrm>
+          <a:prstGeom prst="rect">
+            <a:avLst/>
+          </a:prstGeom>
+          <a:noFill/>
+        </p:spPr>
+        <p:txBody>
+          <a:bodyPr wrap="none" lIns="91440" tIns="45720" rIns="91440" bIns="45720">
+            <a:spAutoFit/>
+          </a:bodyPr>
+          <a:lstStyle/>
+          <a:p>
+            <a:pPr algn="ctr"/>
+            <a:r>
+              <a:rPr lang="it-IT" sz="5400" dirty="0">
+                <a:ln w="0"/>
+                <a:solidFill>
+                  <a:srgbClr val="FF0000"/>
+                </a:solidFill>
+                <a:effectLst>
+                  <a:outerShdw blurRad="38100" dist="19050" dir="2700000" algn="tl" rotWithShape="0">
+                    <a:schemeClr val="dk1">
+                      <a:alpha val="40000"/>
+                    </a:schemeClr>
+                  </a:outerShdw>
+                </a:effectLst>
+              </a:rPr>
+              <a:t>Processi Aziendali analizzati</a:t>
+            </a:r>
+            <a:endParaRPr lang="it-IT" sz="5400" b="0" cap="none" spc="0" dirty="0">
+              <a:ln w="0"/>
+              <a:solidFill>
+                <a:srgbClr val="FF0000"/>
+              </a:solidFill>
+              <a:effectLst>
+                <a:outerShdw blurRad="38100" dist="19050" dir="2700000" algn="tl" rotWithShape="0">
+                  <a:schemeClr val="dk1">
+                    <a:alpha val="40000"/>
+                  </a:schemeClr>
+                </a:outerShdw>
+              </a:effectLst>
+            </a:endParaRPr>
+          </a:p>
+        </p:txBody>
+      </p:sp>
+      <p:sp>
+        <p:nvSpPr>
+          <p:cNvPr id="6" name="Rettangolo 5">
+            <a:extLst>
+              <a:ext uri="{FF2B5EF4-FFF2-40B4-BE49-F238E27FC236}">
+                <a16:creationId xmlns:a16="http://schemas.microsoft.com/office/drawing/2014/main" id="{23C58B84-5D48-45B2-A93E-68B0768ABD3A}"/>
+              </a:ext>
+            </a:extLst>
+          </p:cNvPr>
+          <p:cNvSpPr/>
+          <p:nvPr/>
+        </p:nvSpPr>
+        <p:spPr>
+          <a:xfrm>
+            <a:off x="0" y="5030028"/>
+            <a:ext cx="4546436" cy="646331"/>
+          </a:xfrm>
+          <a:prstGeom prst="rect">
+            <a:avLst/>
+          </a:prstGeom>
+          <a:noFill/>
+        </p:spPr>
+        <p:txBody>
+          <a:bodyPr wrap="none" lIns="91440" tIns="45720" rIns="91440" bIns="45720">
+            <a:spAutoFit/>
+          </a:bodyPr>
+          <a:lstStyle/>
+          <a:p>
+            <a:pPr algn="ctr"/>
+            <a:r>
+              <a:rPr lang="it-IT" sz="3600" b="0" cap="none" spc="0" dirty="0">
+                <a:ln w="0"/>
+                <a:solidFill>
+                  <a:schemeClr val="tx1"/>
+                </a:solidFill>
+                <a:effectLst>
+                  <a:outerShdw blurRad="38100" dist="19050" dir="2700000" algn="tl" rotWithShape="0">
+                    <a:schemeClr val="dk1">
+                      <a:alpha val="40000"/>
+                    </a:schemeClr>
+                  </a:outerShdw>
+                </a:effectLst>
+              </a:rPr>
+              <a:t>Gestione dipendenti</a:t>
+            </a:r>
+          </a:p>
+        </p:txBody>
+      </p:sp>
+      <p:sp>
+        <p:nvSpPr>
+          <p:cNvPr id="7" name="Rettangolo 6">
+            <a:extLst>
+              <a:ext uri="{FF2B5EF4-FFF2-40B4-BE49-F238E27FC236}">
+                <a16:creationId xmlns:a16="http://schemas.microsoft.com/office/drawing/2014/main" id="{30EF48D7-BE87-4B6A-B8E2-F032F1A8900A}"/>
+              </a:ext>
+            </a:extLst>
+          </p:cNvPr>
+          <p:cNvSpPr/>
+          <p:nvPr/>
+        </p:nvSpPr>
+        <p:spPr>
+          <a:xfrm>
+            <a:off x="104634" y="4098863"/>
+            <a:ext cx="3561616" cy="646331"/>
+          </a:xfrm>
+          <a:prstGeom prst="rect">
+            <a:avLst/>
+          </a:prstGeom>
+          <a:noFill/>
+        </p:spPr>
+        <p:txBody>
+          <a:bodyPr wrap="none" lIns="91440" tIns="45720" rIns="91440" bIns="45720">
+            <a:spAutoFit/>
+          </a:bodyPr>
+          <a:lstStyle/>
+          <a:p>
+            <a:pPr algn="ctr"/>
+            <a:r>
+              <a:rPr lang="it-IT" sz="3600" b="0" cap="none" spc="0" dirty="0">
+                <a:ln w="0"/>
+                <a:solidFill>
+                  <a:schemeClr val="tx1"/>
+                </a:solidFill>
+                <a:effectLst>
+                  <a:outerShdw blurRad="38100" dist="19050" dir="2700000" algn="tl" rotWithShape="0">
+                    <a:schemeClr val="dk1">
+                      <a:alpha val="40000"/>
+                    </a:schemeClr>
+                  </a:outerShdw>
+                </a:effectLst>
+              </a:rPr>
+              <a:t>Rappresentanza</a:t>
+            </a:r>
+          </a:p>
+        </p:txBody>
+      </p:sp>
+      <p:sp>
+        <p:nvSpPr>
+          <p:cNvPr id="8" name="Rettangolo 7">
+            <a:extLst>
+              <a:ext uri="{FF2B5EF4-FFF2-40B4-BE49-F238E27FC236}">
+                <a16:creationId xmlns:a16="http://schemas.microsoft.com/office/drawing/2014/main" id="{D3DF95AB-09FE-4F84-BB8E-0C81C60780E1}"/>
+              </a:ext>
+            </a:extLst>
+          </p:cNvPr>
+          <p:cNvSpPr/>
+          <p:nvPr/>
+        </p:nvSpPr>
+        <p:spPr>
+          <a:xfrm>
+            <a:off x="104634" y="3102138"/>
+            <a:ext cx="4276813" cy="646331"/>
+          </a:xfrm>
+          <a:prstGeom prst="rect">
+            <a:avLst/>
+          </a:prstGeom>
+          <a:noFill/>
+        </p:spPr>
+        <p:txBody>
+          <a:bodyPr wrap="none" lIns="91440" tIns="45720" rIns="91440" bIns="45720">
+            <a:spAutoFit/>
+          </a:bodyPr>
+          <a:lstStyle/>
+          <a:p>
+            <a:pPr algn="ctr"/>
+            <a:r>
+              <a:rPr lang="it-IT" sz="3600" b="0" cap="none" spc="0" dirty="0">
+                <a:ln w="0"/>
+                <a:solidFill>
+                  <a:schemeClr val="tx1"/>
+                </a:solidFill>
+                <a:effectLst>
+                  <a:outerShdw blurRad="38100" dist="19050" dir="2700000" algn="tl" rotWithShape="0">
+                    <a:schemeClr val="dk1">
+                      <a:alpha val="40000"/>
+                    </a:schemeClr>
+                  </a:outerShdw>
+                </a:effectLst>
+              </a:rPr>
+              <a:t>Rifornimento Merci</a:t>
+            </a:r>
+          </a:p>
+        </p:txBody>
+      </p:sp>
+      <p:sp>
+        <p:nvSpPr>
+          <p:cNvPr id="9" name="Rettangolo 8">
+            <a:extLst>
+              <a:ext uri="{FF2B5EF4-FFF2-40B4-BE49-F238E27FC236}">
+                <a16:creationId xmlns:a16="http://schemas.microsoft.com/office/drawing/2014/main" id="{552C57A0-F953-4582-A1B0-BA68171E217B}"/>
+              </a:ext>
+            </a:extLst>
+          </p:cNvPr>
+          <p:cNvSpPr/>
+          <p:nvPr/>
+        </p:nvSpPr>
+        <p:spPr>
+          <a:xfrm>
+            <a:off x="104634" y="2138167"/>
+            <a:ext cx="3562770" cy="646331"/>
+          </a:xfrm>
+          <a:prstGeom prst="rect">
+            <a:avLst/>
+          </a:prstGeom>
+          <a:noFill/>
+        </p:spPr>
+        <p:txBody>
+          <a:bodyPr wrap="none" lIns="91440" tIns="45720" rIns="91440" bIns="45720">
+            <a:spAutoFit/>
+          </a:bodyPr>
+          <a:lstStyle/>
+          <a:p>
+            <a:pPr algn="ctr"/>
+            <a:r>
+              <a:rPr lang="it-IT" sz="3600" b="0" cap="none" spc="0" dirty="0">
+                <a:ln w="0"/>
+                <a:solidFill>
+                  <a:schemeClr val="tx1"/>
+                </a:solidFill>
+                <a:effectLst>
+                  <a:outerShdw blurRad="38100" dist="19050" dir="2700000" algn="tl" rotWithShape="0">
+                    <a:schemeClr val="dk1">
+                      <a:alpha val="40000"/>
+                    </a:schemeClr>
+                  </a:outerShdw>
+                </a:effectLst>
+              </a:rPr>
+              <a:t>Servizio Stampa</a:t>
+            </a:r>
+          </a:p>
+        </p:txBody>
+      </p:sp>
+      <p:sp>
+        <p:nvSpPr>
+          <p:cNvPr id="10" name="Rettangolo 9">
+            <a:extLst>
+              <a:ext uri="{FF2B5EF4-FFF2-40B4-BE49-F238E27FC236}">
+                <a16:creationId xmlns:a16="http://schemas.microsoft.com/office/drawing/2014/main" id="{23C1A723-E41C-4378-82BF-6F820C75E840}"/>
+              </a:ext>
+            </a:extLst>
+          </p:cNvPr>
+          <p:cNvSpPr/>
+          <p:nvPr/>
+        </p:nvSpPr>
+        <p:spPr>
+          <a:xfrm>
+            <a:off x="104634" y="1205616"/>
+            <a:ext cx="3712619" cy="646331"/>
+          </a:xfrm>
+          <a:prstGeom prst="rect">
+            <a:avLst/>
+          </a:prstGeom>
+          <a:noFill/>
+        </p:spPr>
+        <p:txBody>
+          <a:bodyPr wrap="none" lIns="91440" tIns="45720" rIns="91440" bIns="45720">
+            <a:spAutoFit/>
+          </a:bodyPr>
+          <a:lstStyle/>
+          <a:p>
+            <a:pPr algn="ctr"/>
+            <a:r>
+              <a:rPr lang="it-IT" sz="3600" b="0" cap="none" spc="0" dirty="0">
+                <a:ln w="0"/>
+                <a:solidFill>
+                  <a:schemeClr val="tx1"/>
+                </a:solidFill>
+                <a:effectLst>
+                  <a:outerShdw blurRad="38100" dist="19050" dir="2700000" algn="tl" rotWithShape="0">
+                    <a:schemeClr val="dk1">
+                      <a:alpha val="40000"/>
+                    </a:schemeClr>
+                  </a:outerShdw>
+                </a:effectLst>
+              </a:rPr>
+              <a:t>Vendita Prodotto</a:t>
+            </a:r>
+          </a:p>
+        </p:txBody>
+      </p:sp>
+    </p:spTree>
+    <p:extLst>
+      <p:ext uri="{BB962C8B-B14F-4D97-AF65-F5344CB8AC3E}">
+        <p14:creationId xmlns:p14="http://schemas.microsoft.com/office/powerpoint/2010/main" val="2300353946"/>
+      </p:ext>
+    </p:extLst>
+  </p:cSld>
+  <p:clrMapOvr>
+    <a:masterClrMapping/>
+  </p:clrMapOvr>
+</p:sld>
+</file>
+
+<file path=ppt/slides/slide7.xml><?xml version="1.0" encoding="utf-8"?>
+<p:sld xmlns:a="http://schemas.openxmlformats.org/drawingml/2006/main" xmlns:r="http://schemas.openxmlformats.org/officeDocument/2006/relationships" xmlns:p="http://schemas.openxmlformats.org/presentationml/2006/main">
+  <p:cSld>
+    <p:spTree>
+      <p:nvGrpSpPr>
+        <p:cNvPr id="1" name=""/>
+        <p:cNvGrpSpPr/>
+        <p:nvPr/>
+      </p:nvGrpSpPr>
+      <p:grpSpPr>
+        <a:xfrm>
+          <a:off x="0" y="0"/>
+          <a:ext cx="0" cy="0"/>
+          <a:chOff x="0" y="0"/>
+          <a:chExt cx="0" cy="0"/>
+        </a:xfrm>
+      </p:grpSpPr>
+      <p:sp>
+        <p:nvSpPr>
+          <p:cNvPr id="2" name="Titolo 1">
+            <a:extLst>
+              <a:ext uri="{FF2B5EF4-FFF2-40B4-BE49-F238E27FC236}">
+                <a16:creationId xmlns:a16="http://schemas.microsoft.com/office/drawing/2014/main" id="{752F7B89-A1B1-411C-A670-FCD993852DD0}"/>
+              </a:ext>
+            </a:extLst>
+          </p:cNvPr>
+          <p:cNvSpPr>
+            <a:spLocks noGrp="1"/>
+          </p:cNvSpPr>
+          <p:nvPr>
+            <p:ph type="title"/>
+          </p:nvPr>
+        </p:nvSpPr>
+        <p:spPr>
+          <a:xfrm>
+            <a:off x="0" y="0"/>
+            <a:ext cx="10058400" cy="1609344"/>
+          </a:xfrm>
+        </p:spPr>
+        <p:txBody>
+          <a:bodyPr>
+            <a:normAutofit/>
+          </a:bodyPr>
+          <a:lstStyle/>
+          <a:p>
+            <a:r>
+              <a:rPr lang="it-IT" sz="4400" b="1" dirty="0">
+                <a:latin typeface="+mn-lt"/>
+              </a:rPr>
+              <a:t>Vendita Prodotto</a:t>
+            </a:r>
+          </a:p>
+        </p:txBody>
+      </p:sp>
+      <p:sp>
+        <p:nvSpPr>
+          <p:cNvPr id="4" name="CasellaDiTesto 3">
+            <a:extLst>
+              <a:ext uri="{FF2B5EF4-FFF2-40B4-BE49-F238E27FC236}">
+                <a16:creationId xmlns:a16="http://schemas.microsoft.com/office/drawing/2014/main" id="{8316418E-79ED-47C1-ADAE-A624D5A7C720}"/>
+              </a:ext>
+            </a:extLst>
+          </p:cNvPr>
+          <p:cNvSpPr txBox="1"/>
+          <p:nvPr/>
+        </p:nvSpPr>
+        <p:spPr>
+          <a:xfrm>
+            <a:off x="196947" y="1446158"/>
+            <a:ext cx="5430129" cy="1754326"/>
+          </a:xfrm>
+          <a:prstGeom prst="rect">
+            <a:avLst/>
+          </a:prstGeom>
+          <a:noFill/>
+        </p:spPr>
+        <p:txBody>
+          <a:bodyPr wrap="square" rtlCol="0">
+            <a:spAutoFit/>
+          </a:bodyPr>
+          <a:lstStyle/>
+          <a:p>
+            <a:r>
+              <a:rPr lang="it-IT" dirty="0"/>
+              <a:t>Processo di business mediante il quale un cliente sceglie un prodotto dal catalogo dell’azienda, comunicando la grafica da apporre. Gli ordini sono memorizzati in un registro cartaceo e processati non appena i prodotti sono pronti in magazzino </a:t>
+            </a:r>
+          </a:p>
+        </p:txBody>
+      </p:sp>
+      <p:pic>
+        <p:nvPicPr>
+          <p:cNvPr id="2050" name="Picture 2" descr="Risultati immagini per catalogo promotional concept">
+            <a:extLst>
+              <a:ext uri="{FF2B5EF4-FFF2-40B4-BE49-F238E27FC236}">
+                <a16:creationId xmlns:a16="http://schemas.microsoft.com/office/drawing/2014/main" id="{DAB444EC-D79E-4033-82DA-9A23DF9BF1F4}"/>
+              </a:ext>
+            </a:extLst>
+          </p:cNvPr>
+          <p:cNvPicPr>
+            <a:picLocks noChangeAspect="1" noChangeArrowheads="1"/>
+          </p:cNvPicPr>
+          <p:nvPr/>
+        </p:nvPicPr>
+        <p:blipFill>
+          <a:blip r:embed="rId2">
+            <a:extLst>
+              <a:ext uri="{28A0092B-C50C-407E-A947-70E740481C1C}">
+                <a14:useLocalDpi xmlns:a14="http://schemas.microsoft.com/office/drawing/2010/main" val="0"/>
+              </a:ext>
+            </a:extLst>
+          </a:blip>
+          <a:srcRect/>
+          <a:stretch>
+            <a:fillRect/>
+          </a:stretch>
+        </p:blipFill>
+        <p:spPr bwMode="auto">
+          <a:xfrm>
+            <a:off x="6979263" y="514187"/>
+            <a:ext cx="4665049" cy="5829625"/>
+          </a:xfrm>
+          <a:prstGeom prst="rect">
+            <a:avLst/>
+          </a:prstGeom>
+          <a:noFill/>
+          <a:extLst>
+            <a:ext uri="{909E8E84-426E-40DD-AFC4-6F175D3DCCD1}">
+              <a14:hiddenFill xmlns:a14="http://schemas.microsoft.com/office/drawing/2010/main">
+                <a:solidFill>
+                  <a:srgbClr val="FFFFFF"/>
+                </a:solidFill>
+              </a14:hiddenFill>
+            </a:ext>
+          </a:extLst>
+        </p:spPr>
+      </p:pic>
+    </p:spTree>
+    <p:extLst>
+      <p:ext uri="{BB962C8B-B14F-4D97-AF65-F5344CB8AC3E}">
+        <p14:creationId xmlns:p14="http://schemas.microsoft.com/office/powerpoint/2010/main" val="979797802"/>
+      </p:ext>
+    </p:extLst>
+  </p:cSld>
+  <p:clrMapOvr>
+    <a:masterClrMapping/>
+  </p:clrMapOvr>
+</p:sld>
+</file>
+
+<file path=ppt/slides/slide8.xml><?xml version="1.0" encoding="utf-8"?>
+<p:sld xmlns:a="http://schemas.openxmlformats.org/drawingml/2006/main" xmlns:r="http://schemas.openxmlformats.org/officeDocument/2006/relationships" xmlns:p="http://schemas.openxmlformats.org/presentationml/2006/main">
+  <p:cSld>
+    <p:spTree>
+      <p:nvGrpSpPr>
+        <p:cNvPr id="1" name=""/>
+        <p:cNvGrpSpPr/>
+        <p:nvPr/>
+      </p:nvGrpSpPr>
+      <p:grpSpPr>
+        <a:xfrm>
+          <a:off x="0" y="0"/>
+          <a:ext cx="0" cy="0"/>
+          <a:chOff x="0" y="0"/>
+          <a:chExt cx="0" cy="0"/>
+        </a:xfrm>
+      </p:grpSpPr>
+      <p:sp>
+        <p:nvSpPr>
+          <p:cNvPr id="5" name="Titolo 1">
+            <a:extLst>
+              <a:ext uri="{FF2B5EF4-FFF2-40B4-BE49-F238E27FC236}">
+                <a16:creationId xmlns:a16="http://schemas.microsoft.com/office/drawing/2014/main" id="{262DD9E5-D330-4BE5-AE12-73C4BC5571D9}"/>
+              </a:ext>
+            </a:extLst>
+          </p:cNvPr>
+          <p:cNvSpPr>
+            <a:spLocks noGrp="1"/>
+          </p:cNvSpPr>
+          <p:nvPr>
+            <p:ph type="title"/>
+          </p:nvPr>
+        </p:nvSpPr>
+        <p:spPr>
+          <a:xfrm>
+            <a:off x="0" y="0"/>
+            <a:ext cx="10058400" cy="1609344"/>
+          </a:xfrm>
+        </p:spPr>
+        <p:txBody>
+          <a:bodyPr>
+            <a:normAutofit/>
+          </a:bodyPr>
+          <a:lstStyle/>
+          <a:p>
+            <a:r>
+              <a:rPr lang="it-IT" sz="4400" b="1" dirty="0">
+                <a:latin typeface="+mn-lt"/>
+              </a:rPr>
+              <a:t>Servizio Stampa</a:t>
+            </a:r>
+          </a:p>
+        </p:txBody>
+      </p:sp>
+      <p:sp>
+        <p:nvSpPr>
+          <p:cNvPr id="6" name="CasellaDiTesto 5">
+            <a:extLst>
+              <a:ext uri="{FF2B5EF4-FFF2-40B4-BE49-F238E27FC236}">
+                <a16:creationId xmlns:a16="http://schemas.microsoft.com/office/drawing/2014/main" id="{73254E98-53F9-48F1-A870-62E27BD06EBB}"/>
+              </a:ext>
+            </a:extLst>
+          </p:cNvPr>
+          <p:cNvSpPr txBox="1"/>
+          <p:nvPr/>
+        </p:nvSpPr>
+        <p:spPr>
+          <a:xfrm>
+            <a:off x="196947" y="1446158"/>
+            <a:ext cx="5430129" cy="1754326"/>
+          </a:xfrm>
+          <a:prstGeom prst="rect">
+            <a:avLst/>
+          </a:prstGeom>
+          <a:noFill/>
+        </p:spPr>
+        <p:txBody>
+          <a:bodyPr wrap="square" rtlCol="0">
+            <a:spAutoFit/>
+          </a:bodyPr>
+          <a:lstStyle/>
+          <a:p>
+            <a:r>
+              <a:rPr lang="it-IT" dirty="0"/>
+              <a:t>Processo di business mediante il quale un cliente contatta l’azienda al fine di personalizzare dei prodotti in suo possesso. Deve quindi comunicare solo la grafica da appore. Gli ordini inseriti in un registro e processati non appena il cliente recapita la merce in azienda. </a:t>
+            </a:r>
+          </a:p>
+        </p:txBody>
+      </p:sp>
+      <p:pic>
+        <p:nvPicPr>
+          <p:cNvPr id="3074" name="Picture 2" descr="Risultati immagini per contatto con cliente">
+            <a:extLst>
+              <a:ext uri="{FF2B5EF4-FFF2-40B4-BE49-F238E27FC236}">
+                <a16:creationId xmlns:a16="http://schemas.microsoft.com/office/drawing/2014/main" id="{15182074-BF47-4868-B6CB-B7AD60549435}"/>
+              </a:ext>
+            </a:extLst>
+          </p:cNvPr>
+          <p:cNvPicPr>
+            <a:picLocks noChangeAspect="1" noChangeArrowheads="1"/>
+          </p:cNvPicPr>
+          <p:nvPr/>
+        </p:nvPicPr>
+        <p:blipFill>
+          <a:blip r:embed="rId2">
+            <a:extLst>
+              <a:ext uri="{28A0092B-C50C-407E-A947-70E740481C1C}">
+                <a14:useLocalDpi xmlns:a14="http://schemas.microsoft.com/office/drawing/2010/main" val="0"/>
+              </a:ext>
+            </a:extLst>
+          </a:blip>
+          <a:srcRect/>
+          <a:stretch>
+            <a:fillRect/>
+          </a:stretch>
+        </p:blipFill>
+        <p:spPr bwMode="auto">
+          <a:xfrm>
+            <a:off x="5507651" y="3842459"/>
+            <a:ext cx="3150574" cy="2759903"/>
+          </a:xfrm>
+          <a:prstGeom prst="rect">
+            <a:avLst/>
+          </a:prstGeom>
+          <a:noFill/>
+          <a:extLst>
+            <a:ext uri="{909E8E84-426E-40DD-AFC4-6F175D3DCCD1}">
+              <a14:hiddenFill xmlns:a14="http://schemas.microsoft.com/office/drawing/2010/main">
+                <a:solidFill>
+                  <a:srgbClr val="FFFFFF"/>
+                </a:solidFill>
+              </a14:hiddenFill>
+            </a:ext>
+          </a:extLst>
+        </p:spPr>
+      </p:pic>
+    </p:spTree>
+    <p:extLst>
+      <p:ext uri="{BB962C8B-B14F-4D97-AF65-F5344CB8AC3E}">
+        <p14:creationId xmlns:p14="http://schemas.microsoft.com/office/powerpoint/2010/main" val="2433879062"/>
+      </p:ext>
+    </p:extLst>
+  </p:cSld>
+  <p:clrMapOvr>
+    <a:masterClrMapping/>
+  </p:clrMapOvr>
+</p:sld>
+</file>
+
+<file path=ppt/slides/slide9.xml><?xml version="1.0" encoding="utf-8"?>
+<p:sld xmlns:a="http://schemas.openxmlformats.org/drawingml/2006/main" xmlns:r="http://schemas.openxmlformats.org/officeDocument/2006/relationships" xmlns:p="http://schemas.openxmlformats.org/presentationml/2006/main">
+  <p:cSld>
+    <p:spTree>
+      <p:nvGrpSpPr>
+        <p:cNvPr id="1" name=""/>
+        <p:cNvGrpSpPr/>
+        <p:nvPr/>
+      </p:nvGrpSpPr>
+      <p:grpSpPr>
+        <a:xfrm>
+          <a:off x="0" y="0"/>
+          <a:ext cx="0" cy="0"/>
+          <a:chOff x="0" y="0"/>
+          <a:chExt cx="0" cy="0"/>
+        </a:xfrm>
+      </p:grpSpPr>
+      <p:sp>
+        <p:nvSpPr>
+          <p:cNvPr id="5" name="Titolo 1">
+            <a:extLst>
+              <a:ext uri="{FF2B5EF4-FFF2-40B4-BE49-F238E27FC236}">
+                <a16:creationId xmlns:a16="http://schemas.microsoft.com/office/drawing/2014/main" id="{262DD9E5-D330-4BE5-AE12-73C4BC5571D9}"/>
+              </a:ext>
+            </a:extLst>
+          </p:cNvPr>
+          <p:cNvSpPr>
+            <a:spLocks noGrp="1"/>
+          </p:cNvSpPr>
+          <p:nvPr>
+            <p:ph type="title"/>
+          </p:nvPr>
+        </p:nvSpPr>
+        <p:spPr>
+          <a:xfrm>
+            <a:off x="0" y="0"/>
+            <a:ext cx="10058400" cy="1609344"/>
+          </a:xfrm>
+        </p:spPr>
+        <p:txBody>
+          <a:bodyPr>
+            <a:normAutofit/>
+          </a:bodyPr>
+          <a:lstStyle/>
+          <a:p>
+            <a:r>
+              <a:rPr lang="it-IT" sz="4400" b="1" dirty="0">
+                <a:latin typeface="+mn-lt"/>
+              </a:rPr>
+              <a:t>Rifornimento merci</a:t>
+            </a:r>
+          </a:p>
+        </p:txBody>
+      </p:sp>
+      <p:sp>
+        <p:nvSpPr>
+          <p:cNvPr id="6" name="CasellaDiTesto 5">
+            <a:extLst>
+              <a:ext uri="{FF2B5EF4-FFF2-40B4-BE49-F238E27FC236}">
+                <a16:creationId xmlns:a16="http://schemas.microsoft.com/office/drawing/2014/main" id="{73254E98-53F9-48F1-A870-62E27BD06EBB}"/>
+              </a:ext>
+            </a:extLst>
+          </p:cNvPr>
+          <p:cNvSpPr txBox="1"/>
+          <p:nvPr/>
+        </p:nvSpPr>
+        <p:spPr>
+          <a:xfrm>
+            <a:off x="196947" y="1446158"/>
+            <a:ext cx="5430129" cy="2862322"/>
+          </a:xfrm>
+          <a:prstGeom prst="rect">
+            <a:avLst/>
+          </a:prstGeom>
+          <a:noFill/>
+        </p:spPr>
+        <p:txBody>
+          <a:bodyPr wrap="square" rtlCol="0">
+            <a:spAutoFit/>
+          </a:bodyPr>
+          <a:lstStyle/>
+          <a:p>
+            <a:r>
+              <a:rPr lang="it-IT" dirty="0"/>
+              <a:t>Processo di business mediante il quale l’azienda ricava i prodotti necessari per processare i vari ordini. I fornitori sono contattati generalmente in relazione agli ordini richiesti dai clienti: viene ordinato solo ciò che serve. In determinati periodo dell’anno, però, vengono fatti degli ordini ai fornitori preventivi (es. magliette nel periodo estivo) al fine di processare gli ordini più velocemente. Il resoconto di cosa ordinare viene calcolato manualmente.</a:t>
+            </a:r>
+          </a:p>
+        </p:txBody>
+      </p:sp>
+      <p:pic>
+        <p:nvPicPr>
+          <p:cNvPr id="4098" name="Picture 2" descr="Risultati immagini per rifornimento merce">
+            <a:extLst>
+              <a:ext uri="{FF2B5EF4-FFF2-40B4-BE49-F238E27FC236}">
+                <a16:creationId xmlns:a16="http://schemas.microsoft.com/office/drawing/2014/main" id="{7654C283-AEF1-4930-8EE0-E2065B9B8D0C}"/>
+              </a:ext>
+            </a:extLst>
+          </p:cNvPr>
+          <p:cNvPicPr>
+            <a:picLocks noChangeAspect="1" noChangeArrowheads="1"/>
+          </p:cNvPicPr>
+          <p:nvPr/>
+        </p:nvPicPr>
+        <p:blipFill>
+          <a:blip r:embed="rId2">
+            <a:extLst>
+              <a:ext uri="{28A0092B-C50C-407E-A947-70E740481C1C}">
+                <a14:useLocalDpi xmlns:a14="http://schemas.microsoft.com/office/drawing/2010/main" val="0"/>
+              </a:ext>
+            </a:extLst>
+          </a:blip>
+          <a:srcRect/>
+          <a:stretch>
+            <a:fillRect/>
+          </a:stretch>
+        </p:blipFill>
+        <p:spPr bwMode="auto">
+          <a:xfrm>
+            <a:off x="6564926" y="3429000"/>
+            <a:ext cx="3984231" cy="2585323"/>
+          </a:xfrm>
+          <a:prstGeom prst="rect">
+            <a:avLst/>
+          </a:prstGeom>
+          <a:noFill/>
+          <a:extLst>
+            <a:ext uri="{909E8E84-426E-40DD-AFC4-6F175D3DCCD1}">
+              <a14:hiddenFill xmlns:a14="http://schemas.microsoft.com/office/drawing/2010/main">
+                <a:solidFill>
+                  <a:srgbClr val="FFFFFF"/>
+                </a:solidFill>
+              </a14:hiddenFill>
+            </a:ext>
+          </a:extLst>
+        </p:spPr>
+      </p:pic>
+    </p:spTree>
+    <p:extLst>
+      <p:ext uri="{BB962C8B-B14F-4D97-AF65-F5344CB8AC3E}">
+        <p14:creationId xmlns:p14="http://schemas.microsoft.com/office/powerpoint/2010/main" val="217911671"/>
+      </p:ext>
+    </p:extLst>
+  </p:cSld>
+  <p:clrMapOvr>
+    <a:masterClrMapping/>
+  </p:clrMapOvr>
+</p:sld>
+</file>
+
 <file path=ppt/theme/theme1.xml><?xml version="1.0" encoding="utf-8"?>
 <a:theme xmlns:a="http://schemas.openxmlformats.org/drawingml/2006/main" name="Legno">
   <a:themeElements>
@@ -4426,4 +13112,299 @@
     </a:ext>
   </a:extLst>
 </a:theme>
+</file>
+
+<file path=ppt/theme/theme2.xml><?xml version="1.0" encoding="utf-8"?>
+<a:theme xmlns:a="http://schemas.openxmlformats.org/drawingml/2006/main" name="Tema di Office">
+  <a:themeElements>
+    <a:clrScheme name="Office">
+      <a:dk1>
+        <a:sysClr val="windowText" lastClr="000000"/>
+      </a:dk1>
+      <a:lt1>
+        <a:sysClr val="window" lastClr="FFFFFF"/>
+      </a:lt1>
+      <a:dk2>
+        <a:srgbClr val="44546A"/>
+      </a:dk2>
+      <a:lt2>
+        <a:srgbClr val="E7E6E6"/>
+      </a:lt2>
+      <a:accent1>
+        <a:srgbClr val="4472C4"/>
+      </a:accent1>
+      <a:accent2>
+        <a:srgbClr val="ED7D31"/>
+      </a:accent2>
+      <a:accent3>
+        <a:srgbClr val="A5A5A5"/>
+      </a:accent3>
+      <a:accent4>
+        <a:srgbClr val="FFC000"/>
+      </a:accent4>
+      <a:accent5>
+        <a:srgbClr val="5B9BD5"/>
+      </a:accent5>
+      <a:accent6>
+        <a:srgbClr val="70AD47"/>
+      </a:accent6>
+      <a:hlink>
+        <a:srgbClr val="0563C1"/>
+      </a:hlink>
+      <a:folHlink>
+        <a:srgbClr val="954F72"/>
+      </a:folHlink>
+    </a:clrScheme>
+    <a:fontScheme name="Office">
+      <a:majorFont>
+        <a:latin typeface="Calibri Light" panose="020F0302020204030204"/>
+        <a:ea typeface=""/>
+        <a:cs typeface=""/>
+        <a:font script="Jpan" typeface="游ゴシック Light"/>
+        <a:font script="Hang" typeface="맑은 고딕"/>
+        <a:font script="Hans" typeface="等线 Light"/>
+        <a:font script="Hant" typeface="新細明體"/>
+        <a:font script="Arab" typeface="Times New Roman"/>
+        <a:font script="Hebr" typeface="Times New Roman"/>
+        <a:font script="Thai" typeface="Angsana New"/>
+        <a:font script="Ethi" typeface="Nyala"/>
+        <a:font script="Beng" typeface="Vrinda"/>
+        <a:font script="Gujr" typeface="Shruti"/>
+        <a:font script="Khmr" typeface="MoolBoran"/>
+        <a:font script="Knda" typeface="Tunga"/>
+        <a:font script="Guru" typeface="Raavi"/>
+        <a:font script="Cans" typeface="Euphemia"/>
+        <a:font script="Cher" typeface="Plantagenet Cherokee"/>
+        <a:font script="Yiii" typeface="Microsoft Yi Baiti"/>
+        <a:font script="Tibt" typeface="Microsoft Himalaya"/>
+        <a:font script="Thaa" typeface="MV Boli"/>
+        <a:font script="Deva" typeface="Mangal"/>
+        <a:font script="Telu" typeface="Gautami"/>
+        <a:font script="Taml" typeface="Latha"/>
+        <a:font script="Syrc" typeface="Estrangelo Edessa"/>
+        <a:font script="Orya" typeface="Kalinga"/>
+        <a:font script="Mlym" typeface="Kartika"/>
+        <a:font script="Laoo" typeface="DokChampa"/>
+        <a:font script="Sinh" typeface="Iskoola Pota"/>
+        <a:font script="Mong" typeface="Mongolian Baiti"/>
+        <a:font script="Viet" typeface="Times New Roman"/>
+        <a:font script="Uigh" typeface="Microsoft Uighur"/>
+        <a:font script="Geor" typeface="Sylfaen"/>
+        <a:font script="Armn" typeface="Arial"/>
+        <a:font script="Bugi" typeface="Leelawadee UI"/>
+        <a:font script="Bopo" typeface="Microsoft JhengHei"/>
+        <a:font script="Java" typeface="Javanese Text"/>
+        <a:font script="Lisu" typeface="Segoe UI"/>
+        <a:font script="Mymr" typeface="Myanmar Text"/>
+        <a:font script="Nkoo" typeface="Ebrima"/>
+        <a:font script="Olck" typeface="Nirmala UI"/>
+        <a:font script="Osma" typeface="Ebrima"/>
+        <a:font script="Phag" typeface="Phagspa"/>
+        <a:font script="Syrn" typeface="Estrangelo Edessa"/>
+        <a:font script="Syrj" typeface="Estrangelo Edessa"/>
+        <a:font script="Syre" typeface="Estrangelo Edessa"/>
+        <a:font script="Sora" typeface="Nirmala UI"/>
+        <a:font script="Tale" typeface="Microsoft Tai Le"/>
+        <a:font script="Talu" typeface="Microsoft New Tai Lue"/>
+        <a:font script="Tfng" typeface="Ebrima"/>
+      </a:majorFont>
+      <a:minorFont>
+        <a:latin typeface="Calibri" panose="020F0502020204030204"/>
+        <a:ea typeface=""/>
+        <a:cs typeface=""/>
+        <a:font script="Jpan" typeface="游ゴシック"/>
+        <a:font script="Hang" typeface="맑은 고딕"/>
+        <a:font script="Hans" typeface="等线"/>
+        <a:font script="Hant" typeface="新細明體"/>
+        <a:font script="Arab" typeface="Arial"/>
+        <a:font script="Hebr" typeface="Arial"/>
+        <a:font script="Thai" typeface="Cordia New"/>
+        <a:font script="Ethi" typeface="Nyala"/>
+        <a:font script="Beng" typeface="Vrinda"/>
+        <a:font script="Gujr" typeface="Shruti"/>
+        <a:font script="Khmr" typeface="DaunPenh"/>
+        <a:font script="Knda" typeface="Tunga"/>
+        <a:font script="Guru" typeface="Raavi"/>
+        <a:font script="Cans" typeface="Euphemia"/>
+        <a:font script="Cher" typeface="Plantagenet Cherokee"/>
+        <a:font script="Yiii" typeface="Microsoft Yi Baiti"/>
+        <a:font script="Tibt" typeface="Microsoft Himalaya"/>
+        <a:font script="Thaa" typeface="MV Boli"/>
+        <a:font script="Deva" typeface="Mangal"/>
+        <a:font script="Telu" typeface="Gautami"/>
+        <a:font script="Taml" typeface="Latha"/>
+        <a:font script="Syrc" typeface="Estrangelo Edessa"/>
+        <a:font script="Orya" typeface="Kalinga"/>
+        <a:font script="Mlym" typeface="Kartika"/>
+        <a:font script="Laoo" typeface="DokChampa"/>
+        <a:font script="Sinh" typeface="Iskoola Pota"/>
+        <a:font script="Mong" typeface="Mongolian Baiti"/>
+        <a:font script="Viet" typeface="Arial"/>
+        <a:font script="Uigh" typeface="Microsoft Uighur"/>
+        <a:font script="Geor" typeface="Sylfaen"/>
+        <a:font script="Armn" typeface="Arial"/>
+        <a:font script="Bugi" typeface="Leelawadee UI"/>
+        <a:font script="Bopo" typeface="Microsoft JhengHei"/>
+        <a:font script="Java" typeface="Javanese Text"/>
+        <a:font script="Lisu" typeface="Segoe UI"/>
+        <a:font script="Mymr" typeface="Myanmar Text"/>
+        <a:font script="Nkoo" typeface="Ebrima"/>
+        <a:font script="Olck" typeface="Nirmala UI"/>
+        <a:font script="Osma" typeface="Ebrima"/>
+        <a:font script="Phag" typeface="Phagspa"/>
+        <a:font script="Syrn" typeface="Estrangelo Edessa"/>
+        <a:font script="Syrj" typeface="Estrangelo Edessa"/>
+        <a:font script="Syre" typeface="Estrangelo Edessa"/>
+        <a:font script="Sora" typeface="Nirmala UI"/>
+        <a:font script="Tale" typeface="Microsoft Tai Le"/>
+        <a:font script="Talu" typeface="Microsoft New Tai Lue"/>
+        <a:font script="Tfng" typeface="Ebrima"/>
+      </a:minorFont>
+    </a:fontScheme>
+    <a:fmtScheme name="Office">
+      <a:fillStyleLst>
+        <a:solidFill>
+          <a:schemeClr val="phClr"/>
+        </a:solidFill>
+        <a:gradFill rotWithShape="1">
+          <a:gsLst>
+            <a:gs pos="0">
+              <a:schemeClr val="phClr">
+                <a:lumMod val="110000"/>
+                <a:satMod val="105000"/>
+                <a:tint val="67000"/>
+              </a:schemeClr>
+            </a:gs>
+            <a:gs pos="50000">
+              <a:schemeClr val="phClr">
+                <a:lumMod val="105000"/>
+                <a:satMod val="103000"/>
+                <a:tint val="73000"/>
+              </a:schemeClr>
+            </a:gs>
+            <a:gs pos="100000">
+              <a:schemeClr val="phClr">
+                <a:lumMod val="105000"/>
+                <a:satMod val="109000"/>
+                <a:tint val="81000"/>
+              </a:schemeClr>
+            </a:gs>
+          </a:gsLst>
+          <a:lin ang="5400000" scaled="0"/>
+        </a:gradFill>
+        <a:gradFill rotWithShape="1">
+          <a:gsLst>
+            <a:gs pos="0">
+              <a:schemeClr val="phClr">
+                <a:satMod val="103000"/>
+                <a:lumMod val="102000"/>
+                <a:tint val="94000"/>
+              </a:schemeClr>
+            </a:gs>
+            <a:gs pos="50000">
+              <a:schemeClr val="phClr">
+                <a:satMod val="110000"/>
+                <a:lumMod val="100000"/>
+                <a:shade val="100000"/>
+              </a:schemeClr>
+            </a:gs>
+            <a:gs pos="100000">
+              <a:schemeClr val="phClr">
+                <a:lumMod val="99000"/>
+                <a:satMod val="120000"/>
+                <a:shade val="78000"/>
+              </a:schemeClr>
+            </a:gs>
+          </a:gsLst>
+          <a:lin ang="5400000" scaled="0"/>
+        </a:gradFill>
+      </a:fillStyleLst>
+      <a:lnStyleLst>
+        <a:ln w="6350" cap="flat" cmpd="sng" algn="ctr">
+          <a:solidFill>
+            <a:schemeClr val="phClr"/>
+          </a:solidFill>
+          <a:prstDash val="solid"/>
+          <a:miter lim="800000"/>
+        </a:ln>
+        <a:ln w="12700" cap="flat" cmpd="sng" algn="ctr">
+          <a:solidFill>
+            <a:schemeClr val="phClr"/>
+          </a:solidFill>
+          <a:prstDash val="solid"/>
+          <a:miter lim="800000"/>
+        </a:ln>
+        <a:ln w="19050" cap="flat" cmpd="sng" algn="ctr">
+          <a:solidFill>
+            <a:schemeClr val="phClr"/>
+          </a:solidFill>
+          <a:prstDash val="solid"/>
+          <a:miter lim="800000"/>
+        </a:ln>
+      </a:lnStyleLst>
+      <a:effectStyleLst>
+        <a:effectStyle>
+          <a:effectLst/>
+        </a:effectStyle>
+        <a:effectStyle>
+          <a:effectLst/>
+        </a:effectStyle>
+        <a:effectStyle>
+          <a:effectLst>
+            <a:outerShdw blurRad="57150" dist="19050" dir="5400000" algn="ctr" rotWithShape="0">
+              <a:srgbClr val="000000">
+                <a:alpha val="63000"/>
+              </a:srgbClr>
+            </a:outerShdw>
+          </a:effectLst>
+        </a:effectStyle>
+      </a:effectStyleLst>
+      <a:bgFillStyleLst>
+        <a:solidFill>
+          <a:schemeClr val="phClr"/>
+        </a:solidFill>
+        <a:solidFill>
+          <a:schemeClr val="phClr">
+            <a:tint val="95000"/>
+            <a:satMod val="170000"/>
+          </a:schemeClr>
+        </a:solidFill>
+        <a:gradFill rotWithShape="1">
+          <a:gsLst>
+            <a:gs pos="0">
+              <a:schemeClr val="phClr">
+                <a:tint val="93000"/>
+                <a:satMod val="150000"/>
+                <a:shade val="98000"/>
+                <a:lumMod val="102000"/>
+              </a:schemeClr>
+            </a:gs>
+            <a:gs pos="50000">
+              <a:schemeClr val="phClr">
+                <a:tint val="98000"/>
+                <a:satMod val="130000"/>
+                <a:shade val="90000"/>
+                <a:lumMod val="103000"/>
+              </a:schemeClr>
+            </a:gs>
+            <a:gs pos="100000">
+              <a:schemeClr val="phClr">
+                <a:shade val="63000"/>
+                <a:satMod val="120000"/>
+              </a:schemeClr>
+            </a:gs>
+          </a:gsLst>
+          <a:lin ang="5400000" scaled="0"/>
+        </a:gradFill>
+      </a:bgFillStyleLst>
+    </a:fmtScheme>
+  </a:themeElements>
+  <a:objectDefaults/>
+  <a:extraClrSchemeLst/>
+  <a:extLst>
+    <a:ext uri="{05A4C25C-085E-4340-85A3-A5531E510DB2}">
+      <thm15:themeFamily xmlns:thm15="http://schemas.microsoft.com/office/thememl/2012/main" name="Office Theme" id="{62F939B6-93AF-4DB8-9C6B-D6C7DFDC589F}" vid="{4A3C46E8-61CC-4603-A589-7422A47A8E4A}"/>
+    </a:ext>
+  </a:extLst>
+</a:theme>
 </file>